--- a/lectures/01 - Introduction.pptx
+++ b/lectures/01 - Introduction.pptx
@@ -5,7 +5,7 @@
     <p:sldMasterId id="2147483660" r:id="rId1"/>
   </p:sldMasterIdLst>
   <p:notesMasterIdLst>
-    <p:notesMasterId r:id="rId13"/>
+    <p:notesMasterId r:id="rId27"/>
   </p:notesMasterIdLst>
   <p:sldIdLst>
     <p:sldId id="313" r:id="rId2"/>
@@ -15,10 +15,24 @@
     <p:sldId id="258" r:id="rId6"/>
     <p:sldId id="260" r:id="rId7"/>
     <p:sldId id="319" r:id="rId8"/>
-    <p:sldId id="261" r:id="rId9"/>
-    <p:sldId id="314" r:id="rId10"/>
-    <p:sldId id="315" r:id="rId11"/>
-    <p:sldId id="316" r:id="rId12"/>
+    <p:sldId id="320" r:id="rId9"/>
+    <p:sldId id="261" r:id="rId10"/>
+    <p:sldId id="314" r:id="rId11"/>
+    <p:sldId id="315" r:id="rId12"/>
+    <p:sldId id="316" r:id="rId13"/>
+    <p:sldId id="332" r:id="rId14"/>
+    <p:sldId id="331" r:id="rId15"/>
+    <p:sldId id="321" r:id="rId16"/>
+    <p:sldId id="322" r:id="rId17"/>
+    <p:sldId id="323" r:id="rId18"/>
+    <p:sldId id="324" r:id="rId19"/>
+    <p:sldId id="325" r:id="rId20"/>
+    <p:sldId id="326" r:id="rId21"/>
+    <p:sldId id="327" r:id="rId22"/>
+    <p:sldId id="328" r:id="rId23"/>
+    <p:sldId id="329" r:id="rId24"/>
+    <p:sldId id="330" r:id="rId25"/>
+    <p:sldId id="333" r:id="rId26"/>
   </p:sldIdLst>
   <p:sldSz cx="12192000" cy="6858000"/>
   <p:notesSz cx="6858000" cy="9144000"/>
@@ -125,23 +139,31 @@
 </p:presentation>
 </file>
 
+<file path=ppt/revisionInfo.xml><?xml version="1.0" encoding="utf-8"?>
+<p1510:revInfo xmlns:a="http://schemas.openxmlformats.org/drawingml/2006/main" xmlns:r="http://schemas.openxmlformats.org/officeDocument/2006/relationships" xmlns:p1510="http://schemas.microsoft.com/office/powerpoint/2015/10/main">
+  <p1510:revLst>
+    <p1510:client id="{7EF091A2-6ACD-7C44-BF26-8B2484B06C9B}" v="28" dt="2020-01-07T23:42:42.788"/>
+  </p1510:revLst>
+</p1510:revInfo>
+</file>
+
 <file path=ppt/changesInfos/changesInfo1.xml><?xml version="1.0" encoding="utf-8"?>
 <pc:chgInfo xmlns:a="http://schemas.openxmlformats.org/drawingml/2006/main" xmlns:r="http://schemas.openxmlformats.org/officeDocument/2006/relationships" xmlns:ac="http://schemas.microsoft.com/office/drawing/2013/main/command" xmlns:pc="http://schemas.microsoft.com/office/powerpoint/2013/main/command">
   <pc:docChgLst>
     <pc:chgData name="Michaeljon Miller" userId="c575fe5cddd8b8cf" providerId="LiveId" clId="{7EF091A2-6ACD-7C44-BF26-8B2484B06C9B}"/>
-    <pc:docChg chg="custSel modSld">
-      <pc:chgData name="Michaeljon Miller" userId="c575fe5cddd8b8cf" providerId="LiveId" clId="{7EF091A2-6ACD-7C44-BF26-8B2484B06C9B}" dt="2019-12-31T17:12:31.648" v="532" actId="20577"/>
+    <pc:docChg chg="undo custSel addSld delSld modSld sldOrd">
+      <pc:chgData name="Michaeljon Miller" userId="c575fe5cddd8b8cf" providerId="LiveId" clId="{7EF091A2-6ACD-7C44-BF26-8B2484B06C9B}" dt="2020-01-07T23:43:53.562" v="1812" actId="20577"/>
       <pc:docMkLst>
         <pc:docMk/>
       </pc:docMkLst>
       <pc:sldChg chg="modSp">
-        <pc:chgData name="Michaeljon Miller" userId="c575fe5cddd8b8cf" providerId="LiveId" clId="{7EF091A2-6ACD-7C44-BF26-8B2484B06C9B}" dt="2019-12-31T17:00:36.316" v="329" actId="20577"/>
+        <pc:chgData name="Michaeljon Miller" userId="c575fe5cddd8b8cf" providerId="LiveId" clId="{7EF091A2-6ACD-7C44-BF26-8B2484B06C9B}" dt="2020-01-07T22:58:35.419" v="536" actId="20577"/>
         <pc:sldMkLst>
           <pc:docMk/>
           <pc:sldMk cId="281628526" sldId="257"/>
         </pc:sldMkLst>
         <pc:spChg chg="mod">
-          <ac:chgData name="Michaeljon Miller" userId="c575fe5cddd8b8cf" providerId="LiveId" clId="{7EF091A2-6ACD-7C44-BF26-8B2484B06C9B}" dt="2019-12-31T17:00:36.316" v="329" actId="20577"/>
+          <ac:chgData name="Michaeljon Miller" userId="c575fe5cddd8b8cf" providerId="LiveId" clId="{7EF091A2-6ACD-7C44-BF26-8B2484B06C9B}" dt="2020-01-07T22:58:35.419" v="536" actId="20577"/>
           <ac:spMkLst>
             <pc:docMk/>
             <pc:sldMk cId="281628526" sldId="257"/>
@@ -165,19 +187,26 @@
         </pc:spChg>
       </pc:sldChg>
       <pc:sldChg chg="modSp">
-        <pc:chgData name="Michaeljon Miller" userId="c575fe5cddd8b8cf" providerId="LiveId" clId="{7EF091A2-6ACD-7C44-BF26-8B2484B06C9B}" dt="2019-12-31T17:12:31.648" v="532" actId="20577"/>
+        <pc:chgData name="Michaeljon Miller" userId="c575fe5cddd8b8cf" providerId="LiveId" clId="{7EF091A2-6ACD-7C44-BF26-8B2484B06C9B}" dt="2020-01-07T23:01:25.442" v="651" actId="20577"/>
         <pc:sldMkLst>
           <pc:docMk/>
           <pc:sldMk cId="3703959879" sldId="260"/>
         </pc:sldMkLst>
         <pc:spChg chg="mod">
-          <ac:chgData name="Michaeljon Miller" userId="c575fe5cddd8b8cf" providerId="LiveId" clId="{7EF091A2-6ACD-7C44-BF26-8B2484B06C9B}" dt="2019-12-31T17:12:31.648" v="532" actId="20577"/>
+          <ac:chgData name="Michaeljon Miller" userId="c575fe5cddd8b8cf" providerId="LiveId" clId="{7EF091A2-6ACD-7C44-BF26-8B2484B06C9B}" dt="2020-01-07T23:01:25.442" v="651" actId="20577"/>
           <ac:spMkLst>
             <pc:docMk/>
             <pc:sldMk cId="3703959879" sldId="260"/>
             <ac:spMk id="3" creationId="{00000000-0000-0000-0000-000000000000}"/>
           </ac:spMkLst>
         </pc:spChg>
+      </pc:sldChg>
+      <pc:sldChg chg="ord">
+        <pc:chgData name="Michaeljon Miller" userId="c575fe5cddd8b8cf" providerId="LiveId" clId="{7EF091A2-6ACD-7C44-BF26-8B2484B06C9B}" dt="2020-01-07T23:23:08.840" v="1302"/>
+        <pc:sldMkLst>
+          <pc:docMk/>
+          <pc:sldMk cId="1438224000" sldId="316"/>
+        </pc:sldMkLst>
       </pc:sldChg>
       <pc:sldChg chg="modSp">
         <pc:chgData name="Michaeljon Miller" userId="c575fe5cddd8b8cf" providerId="LiveId" clId="{7EF091A2-6ACD-7C44-BF26-8B2484B06C9B}" dt="2019-12-31T17:01:48.107" v="437" actId="20577"/>
@@ -199,6 +228,558 @@
             <pc:docMk/>
             <pc:sldMk cId="639142658" sldId="318"/>
             <ac:spMk id="4" creationId="{AFAEFCB6-2794-724A-8566-92A7F00B63CB}"/>
+          </ac:spMkLst>
+        </pc:spChg>
+      </pc:sldChg>
+      <pc:sldChg chg="modSp">
+        <pc:chgData name="Michaeljon Miller" userId="c575fe5cddd8b8cf" providerId="LiveId" clId="{7EF091A2-6ACD-7C44-BF26-8B2484B06C9B}" dt="2020-01-07T23:03:37.101" v="662" actId="20577"/>
+        <pc:sldMkLst>
+          <pc:docMk/>
+          <pc:sldMk cId="368945512" sldId="319"/>
+        </pc:sldMkLst>
+        <pc:spChg chg="mod">
+          <ac:chgData name="Michaeljon Miller" userId="c575fe5cddd8b8cf" providerId="LiveId" clId="{7EF091A2-6ACD-7C44-BF26-8B2484B06C9B}" dt="2020-01-07T23:03:37.101" v="662" actId="20577"/>
+          <ac:spMkLst>
+            <pc:docMk/>
+            <pc:sldMk cId="368945512" sldId="319"/>
+            <ac:spMk id="5" creationId="{39C2DD69-AA45-104D-9712-E044843BB730}"/>
+          </ac:spMkLst>
+        </pc:spChg>
+      </pc:sldChg>
+      <pc:sldChg chg="addSp delSp modSp new mod modClrScheme chgLayout">
+        <pc:chgData name="Michaeljon Miller" userId="c575fe5cddd8b8cf" providerId="LiveId" clId="{7EF091A2-6ACD-7C44-BF26-8B2484B06C9B}" dt="2020-01-07T23:04:22.384" v="685" actId="20577"/>
+        <pc:sldMkLst>
+          <pc:docMk/>
+          <pc:sldMk cId="1943180212" sldId="320"/>
+        </pc:sldMkLst>
+        <pc:spChg chg="del mod ord">
+          <ac:chgData name="Michaeljon Miller" userId="c575fe5cddd8b8cf" providerId="LiveId" clId="{7EF091A2-6ACD-7C44-BF26-8B2484B06C9B}" dt="2020-01-07T23:04:18.328" v="664" actId="700"/>
+          <ac:spMkLst>
+            <pc:docMk/>
+            <pc:sldMk cId="1943180212" sldId="320"/>
+            <ac:spMk id="2" creationId="{61226C0C-A9CD-4E48-BF83-FE8CF8729AA0}"/>
+          </ac:spMkLst>
+        </pc:spChg>
+        <pc:spChg chg="del mod ord">
+          <ac:chgData name="Michaeljon Miller" userId="c575fe5cddd8b8cf" providerId="LiveId" clId="{7EF091A2-6ACD-7C44-BF26-8B2484B06C9B}" dt="2020-01-07T23:04:18.328" v="664" actId="700"/>
+          <ac:spMkLst>
+            <pc:docMk/>
+            <pc:sldMk cId="1943180212" sldId="320"/>
+            <ac:spMk id="3" creationId="{42ED4FB7-4D36-6F42-866A-98613165BAF9}"/>
+          </ac:spMkLst>
+        </pc:spChg>
+        <pc:spChg chg="del">
+          <ac:chgData name="Michaeljon Miller" userId="c575fe5cddd8b8cf" providerId="LiveId" clId="{7EF091A2-6ACD-7C44-BF26-8B2484B06C9B}" dt="2020-01-07T23:04:18.328" v="664" actId="700"/>
+          <ac:spMkLst>
+            <pc:docMk/>
+            <pc:sldMk cId="1943180212" sldId="320"/>
+            <ac:spMk id="4" creationId="{4F36E813-8CD7-6642-8823-BB7FFBD69B39}"/>
+          </ac:spMkLst>
+        </pc:spChg>
+        <pc:spChg chg="add mod ord">
+          <ac:chgData name="Michaeljon Miller" userId="c575fe5cddd8b8cf" providerId="LiveId" clId="{7EF091A2-6ACD-7C44-BF26-8B2484B06C9B}" dt="2020-01-07T23:04:22.384" v="685" actId="20577"/>
+          <ac:spMkLst>
+            <pc:docMk/>
+            <pc:sldMk cId="1943180212" sldId="320"/>
+            <ac:spMk id="5" creationId="{21F03E92-7A0E-5A4F-97EA-E2518802C75F}"/>
+          </ac:spMkLst>
+        </pc:spChg>
+        <pc:spChg chg="add mod ord">
+          <ac:chgData name="Michaeljon Miller" userId="c575fe5cddd8b8cf" providerId="LiveId" clId="{7EF091A2-6ACD-7C44-BF26-8B2484B06C9B}" dt="2020-01-07T23:04:18.328" v="664" actId="700"/>
+          <ac:spMkLst>
+            <pc:docMk/>
+            <pc:sldMk cId="1943180212" sldId="320"/>
+            <ac:spMk id="6" creationId="{2C328671-7808-C646-BBDD-48F9C576AB34}"/>
+          </ac:spMkLst>
+        </pc:spChg>
+      </pc:sldChg>
+      <pc:sldChg chg="addSp delSp modSp new">
+        <pc:chgData name="Michaeljon Miller" userId="c575fe5cddd8b8cf" providerId="LiveId" clId="{7EF091A2-6ACD-7C44-BF26-8B2484B06C9B}" dt="2020-01-07T23:43:26.061" v="1792" actId="20577"/>
+        <pc:sldMkLst>
+          <pc:docMk/>
+          <pc:sldMk cId="3275625684" sldId="321"/>
+        </pc:sldMkLst>
+        <pc:spChg chg="mod">
+          <ac:chgData name="Michaeljon Miller" userId="c575fe5cddd8b8cf" providerId="LiveId" clId="{7EF091A2-6ACD-7C44-BF26-8B2484B06C9B}" dt="2020-01-07T23:43:26.061" v="1792" actId="20577"/>
+          <ac:spMkLst>
+            <pc:docMk/>
+            <pc:sldMk cId="3275625684" sldId="321"/>
+            <ac:spMk id="2" creationId="{C9898BED-61FF-EB45-BDDA-9D4ECF0DBE7D}"/>
+          </ac:spMkLst>
+        </pc:spChg>
+        <pc:spChg chg="del">
+          <ac:chgData name="Michaeljon Miller" userId="c575fe5cddd8b8cf" providerId="LiveId" clId="{7EF091A2-6ACD-7C44-BF26-8B2484B06C9B}" dt="2020-01-07T23:07:24.386" v="687"/>
+          <ac:spMkLst>
+            <pc:docMk/>
+            <pc:sldMk cId="3275625684" sldId="321"/>
+            <ac:spMk id="3" creationId="{2432F796-1203-B34D-B5B7-0805604FEC10}"/>
+          </ac:spMkLst>
+        </pc:spChg>
+        <pc:picChg chg="add mod">
+          <ac:chgData name="Michaeljon Miller" userId="c575fe5cddd8b8cf" providerId="LiveId" clId="{7EF091A2-6ACD-7C44-BF26-8B2484B06C9B}" dt="2020-01-07T23:07:24.386" v="687"/>
+          <ac:picMkLst>
+            <pc:docMk/>
+            <pc:sldMk cId="3275625684" sldId="321"/>
+            <ac:picMk id="5" creationId="{0E15E5C5-A196-C54B-8022-71C78C04FDCE}"/>
+          </ac:picMkLst>
+        </pc:picChg>
+      </pc:sldChg>
+      <pc:sldChg chg="addSp delSp modSp new mod modClrScheme chgLayout">
+        <pc:chgData name="Michaeljon Miller" userId="c575fe5cddd8b8cf" providerId="LiveId" clId="{7EF091A2-6ACD-7C44-BF26-8B2484B06C9B}" dt="2020-01-07T23:43:35.333" v="1806" actId="20577"/>
+        <pc:sldMkLst>
+          <pc:docMk/>
+          <pc:sldMk cId="1221676019" sldId="322"/>
+        </pc:sldMkLst>
+        <pc:spChg chg="del mod ord">
+          <ac:chgData name="Michaeljon Miller" userId="c575fe5cddd8b8cf" providerId="LiveId" clId="{7EF091A2-6ACD-7C44-BF26-8B2484B06C9B}" dt="2020-01-07T23:17:43.311" v="839" actId="700"/>
+          <ac:spMkLst>
+            <pc:docMk/>
+            <pc:sldMk cId="1221676019" sldId="322"/>
+            <ac:spMk id="2" creationId="{6693DA50-7222-904F-BBC3-FEF1593F62D8}"/>
+          </ac:spMkLst>
+        </pc:spChg>
+        <pc:spChg chg="del">
+          <ac:chgData name="Michaeljon Miller" userId="c575fe5cddd8b8cf" providerId="LiveId" clId="{7EF091A2-6ACD-7C44-BF26-8B2484B06C9B}" dt="2020-01-07T23:07:54.037" v="689"/>
+          <ac:spMkLst>
+            <pc:docMk/>
+            <pc:sldMk cId="1221676019" sldId="322"/>
+            <ac:spMk id="3" creationId="{F532BB55-5616-FE4A-BED5-254D377C6680}"/>
+          </ac:spMkLst>
+        </pc:spChg>
+        <pc:spChg chg="add mod ord">
+          <ac:chgData name="Michaeljon Miller" userId="c575fe5cddd8b8cf" providerId="LiveId" clId="{7EF091A2-6ACD-7C44-BF26-8B2484B06C9B}" dt="2020-01-07T23:43:35.333" v="1806" actId="20577"/>
+          <ac:spMkLst>
+            <pc:docMk/>
+            <pc:sldMk cId="1221676019" sldId="322"/>
+            <ac:spMk id="6" creationId="{16AFF953-46B1-5044-9DCE-DDBD73CDC2A8}"/>
+          </ac:spMkLst>
+        </pc:spChg>
+        <pc:spChg chg="add del mod ord">
+          <ac:chgData name="Michaeljon Miller" userId="c575fe5cddd8b8cf" providerId="LiveId" clId="{7EF091A2-6ACD-7C44-BF26-8B2484B06C9B}" dt="2020-01-07T23:22:13.234" v="1301" actId="700"/>
+          <ac:spMkLst>
+            <pc:docMk/>
+            <pc:sldMk cId="1221676019" sldId="322"/>
+            <ac:spMk id="7" creationId="{AF791F18-AE5C-9645-B0E7-B238EC4277EB}"/>
+          </ac:spMkLst>
+        </pc:spChg>
+        <pc:picChg chg="add mod ord">
+          <ac:chgData name="Michaeljon Miller" userId="c575fe5cddd8b8cf" providerId="LiveId" clId="{7EF091A2-6ACD-7C44-BF26-8B2484B06C9B}" dt="2020-01-07T23:22:13.234" v="1301" actId="700"/>
+          <ac:picMkLst>
+            <pc:docMk/>
+            <pc:sldMk cId="1221676019" sldId="322"/>
+            <ac:picMk id="5" creationId="{19539023-B6F1-F641-9858-61A9AA5C8E5E}"/>
+          </ac:picMkLst>
+        </pc:picChg>
+      </pc:sldChg>
+      <pc:sldChg chg="addSp delSp modSp new">
+        <pc:chgData name="Michaeljon Miller" userId="c575fe5cddd8b8cf" providerId="LiveId" clId="{7EF091A2-6ACD-7C44-BF26-8B2484B06C9B}" dt="2020-01-07T23:43:43.080" v="1811" actId="313"/>
+        <pc:sldMkLst>
+          <pc:docMk/>
+          <pc:sldMk cId="1216411407" sldId="323"/>
+        </pc:sldMkLst>
+        <pc:spChg chg="mod">
+          <ac:chgData name="Michaeljon Miller" userId="c575fe5cddd8b8cf" providerId="LiveId" clId="{7EF091A2-6ACD-7C44-BF26-8B2484B06C9B}" dt="2020-01-07T23:43:43.080" v="1811" actId="313"/>
+          <ac:spMkLst>
+            <pc:docMk/>
+            <pc:sldMk cId="1216411407" sldId="323"/>
+            <ac:spMk id="2" creationId="{BD4B0C05-7F30-E643-BEF5-831E921B7E99}"/>
+          </ac:spMkLst>
+        </pc:spChg>
+        <pc:spChg chg="del">
+          <ac:chgData name="Michaeljon Miller" userId="c575fe5cddd8b8cf" providerId="LiveId" clId="{7EF091A2-6ACD-7C44-BF26-8B2484B06C9B}" dt="2020-01-07T23:08:35.517" v="691"/>
+          <ac:spMkLst>
+            <pc:docMk/>
+            <pc:sldMk cId="1216411407" sldId="323"/>
+            <ac:spMk id="3" creationId="{C1E7A1A4-F75C-B94D-A9C3-87511D6F1E34}"/>
+          </ac:spMkLst>
+        </pc:spChg>
+        <pc:picChg chg="add mod">
+          <ac:chgData name="Michaeljon Miller" userId="c575fe5cddd8b8cf" providerId="LiveId" clId="{7EF091A2-6ACD-7C44-BF26-8B2484B06C9B}" dt="2020-01-07T23:08:35.517" v="691"/>
+          <ac:picMkLst>
+            <pc:docMk/>
+            <pc:sldMk cId="1216411407" sldId="323"/>
+            <ac:picMk id="5" creationId="{FA033BB2-2E93-FE40-9FC9-DAC9E8116984}"/>
+          </ac:picMkLst>
+        </pc:picChg>
+      </pc:sldChg>
+      <pc:sldChg chg="addSp delSp modSp new">
+        <pc:chgData name="Michaeljon Miller" userId="c575fe5cddd8b8cf" providerId="LiveId" clId="{7EF091A2-6ACD-7C44-BF26-8B2484B06C9B}" dt="2020-01-07T23:18:29.864" v="933" actId="20577"/>
+        <pc:sldMkLst>
+          <pc:docMk/>
+          <pc:sldMk cId="76428056" sldId="324"/>
+        </pc:sldMkLst>
+        <pc:spChg chg="mod">
+          <ac:chgData name="Michaeljon Miller" userId="c575fe5cddd8b8cf" providerId="LiveId" clId="{7EF091A2-6ACD-7C44-BF26-8B2484B06C9B}" dt="2020-01-07T23:18:29.864" v="933" actId="20577"/>
+          <ac:spMkLst>
+            <pc:docMk/>
+            <pc:sldMk cId="76428056" sldId="324"/>
+            <ac:spMk id="2" creationId="{C1CB1F6E-9CFD-0948-9545-1B29E2E6499B}"/>
+          </ac:spMkLst>
+        </pc:spChg>
+        <pc:spChg chg="del">
+          <ac:chgData name="Michaeljon Miller" userId="c575fe5cddd8b8cf" providerId="LiveId" clId="{7EF091A2-6ACD-7C44-BF26-8B2484B06C9B}" dt="2020-01-07T23:08:52.769" v="693"/>
+          <ac:spMkLst>
+            <pc:docMk/>
+            <pc:sldMk cId="76428056" sldId="324"/>
+            <ac:spMk id="3" creationId="{264B5AFF-A3A8-DE4F-A39D-C21F47C7E5B7}"/>
+          </ac:spMkLst>
+        </pc:spChg>
+        <pc:picChg chg="add mod">
+          <ac:chgData name="Michaeljon Miller" userId="c575fe5cddd8b8cf" providerId="LiveId" clId="{7EF091A2-6ACD-7C44-BF26-8B2484B06C9B}" dt="2020-01-07T23:08:52.769" v="693"/>
+          <ac:picMkLst>
+            <pc:docMk/>
+            <pc:sldMk cId="76428056" sldId="324"/>
+            <ac:picMk id="5" creationId="{29FB4F80-E9D4-9740-8200-5A3FB69159A2}"/>
+          </ac:picMkLst>
+        </pc:picChg>
+      </pc:sldChg>
+      <pc:sldChg chg="addSp delSp modSp new">
+        <pc:chgData name="Michaeljon Miller" userId="c575fe5cddd8b8cf" providerId="LiveId" clId="{7EF091A2-6ACD-7C44-BF26-8B2484B06C9B}" dt="2020-01-07T23:43:53.562" v="1812" actId="20577"/>
+        <pc:sldMkLst>
+          <pc:docMk/>
+          <pc:sldMk cId="2150556075" sldId="325"/>
+        </pc:sldMkLst>
+        <pc:spChg chg="mod">
+          <ac:chgData name="Michaeljon Miller" userId="c575fe5cddd8b8cf" providerId="LiveId" clId="{7EF091A2-6ACD-7C44-BF26-8B2484B06C9B}" dt="2020-01-07T23:43:53.562" v="1812" actId="20577"/>
+          <ac:spMkLst>
+            <pc:docMk/>
+            <pc:sldMk cId="2150556075" sldId="325"/>
+            <ac:spMk id="2" creationId="{3CA454A4-FE43-0042-B8B4-BD2635022CFF}"/>
+          </ac:spMkLst>
+        </pc:spChg>
+        <pc:spChg chg="del">
+          <ac:chgData name="Michaeljon Miller" userId="c575fe5cddd8b8cf" providerId="LiveId" clId="{7EF091A2-6ACD-7C44-BF26-8B2484B06C9B}" dt="2020-01-07T23:09:00.718" v="695"/>
+          <ac:spMkLst>
+            <pc:docMk/>
+            <pc:sldMk cId="2150556075" sldId="325"/>
+            <ac:spMk id="3" creationId="{50BDD133-6F41-9C45-BB8D-378DE1F17D2B}"/>
+          </ac:spMkLst>
+        </pc:spChg>
+        <pc:picChg chg="add mod">
+          <ac:chgData name="Michaeljon Miller" userId="c575fe5cddd8b8cf" providerId="LiveId" clId="{7EF091A2-6ACD-7C44-BF26-8B2484B06C9B}" dt="2020-01-07T23:09:00.718" v="695"/>
+          <ac:picMkLst>
+            <pc:docMk/>
+            <pc:sldMk cId="2150556075" sldId="325"/>
+            <ac:picMk id="5" creationId="{AC9BCC23-BC2F-C440-9F66-21C48725E7EC}"/>
+          </ac:picMkLst>
+        </pc:picChg>
+      </pc:sldChg>
+      <pc:sldChg chg="addSp delSp modSp new">
+        <pc:chgData name="Michaeljon Miller" userId="c575fe5cddd8b8cf" providerId="LiveId" clId="{7EF091A2-6ACD-7C44-BF26-8B2484B06C9B}" dt="2020-01-07T23:19:36.553" v="1073" actId="20577"/>
+        <pc:sldMkLst>
+          <pc:docMk/>
+          <pc:sldMk cId="3846380962" sldId="326"/>
+        </pc:sldMkLst>
+        <pc:spChg chg="mod">
+          <ac:chgData name="Michaeljon Miller" userId="c575fe5cddd8b8cf" providerId="LiveId" clId="{7EF091A2-6ACD-7C44-BF26-8B2484B06C9B}" dt="2020-01-07T23:19:36.553" v="1073" actId="20577"/>
+          <ac:spMkLst>
+            <pc:docMk/>
+            <pc:sldMk cId="3846380962" sldId="326"/>
+            <ac:spMk id="2" creationId="{F81C0E6F-DC8F-A943-A70F-41A57D1F2858}"/>
+          </ac:spMkLst>
+        </pc:spChg>
+        <pc:spChg chg="del">
+          <ac:chgData name="Michaeljon Miller" userId="c575fe5cddd8b8cf" providerId="LiveId" clId="{7EF091A2-6ACD-7C44-BF26-8B2484B06C9B}" dt="2020-01-07T23:09:44.138" v="697"/>
+          <ac:spMkLst>
+            <pc:docMk/>
+            <pc:sldMk cId="3846380962" sldId="326"/>
+            <ac:spMk id="3" creationId="{C7422D2D-C1FA-A940-9074-30AB8BE1C9FF}"/>
+          </ac:spMkLst>
+        </pc:spChg>
+        <pc:picChg chg="add mod">
+          <ac:chgData name="Michaeljon Miller" userId="c575fe5cddd8b8cf" providerId="LiveId" clId="{7EF091A2-6ACD-7C44-BF26-8B2484B06C9B}" dt="2020-01-07T23:09:44.138" v="697"/>
+          <ac:picMkLst>
+            <pc:docMk/>
+            <pc:sldMk cId="3846380962" sldId="326"/>
+            <ac:picMk id="5" creationId="{E42327E6-006F-4843-BCD9-18122C1AF169}"/>
+          </ac:picMkLst>
+        </pc:picChg>
+      </pc:sldChg>
+      <pc:sldChg chg="addSp delSp modSp new">
+        <pc:chgData name="Michaeljon Miller" userId="c575fe5cddd8b8cf" providerId="LiveId" clId="{7EF091A2-6ACD-7C44-BF26-8B2484B06C9B}" dt="2020-01-07T23:20:05.598" v="1130" actId="20577"/>
+        <pc:sldMkLst>
+          <pc:docMk/>
+          <pc:sldMk cId="3210593899" sldId="327"/>
+        </pc:sldMkLst>
+        <pc:spChg chg="mod">
+          <ac:chgData name="Michaeljon Miller" userId="c575fe5cddd8b8cf" providerId="LiveId" clId="{7EF091A2-6ACD-7C44-BF26-8B2484B06C9B}" dt="2020-01-07T23:20:05.598" v="1130" actId="20577"/>
+          <ac:spMkLst>
+            <pc:docMk/>
+            <pc:sldMk cId="3210593899" sldId="327"/>
+            <ac:spMk id="2" creationId="{A7131C5B-CE43-7041-B6CA-E00CF6DFC311}"/>
+          </ac:spMkLst>
+        </pc:spChg>
+        <pc:spChg chg="del">
+          <ac:chgData name="Michaeljon Miller" userId="c575fe5cddd8b8cf" providerId="LiveId" clId="{7EF091A2-6ACD-7C44-BF26-8B2484B06C9B}" dt="2020-01-07T23:11:20.084" v="699"/>
+          <ac:spMkLst>
+            <pc:docMk/>
+            <pc:sldMk cId="3210593899" sldId="327"/>
+            <ac:spMk id="3" creationId="{6B88B824-EECA-7E4C-AFF2-1689EA8276F0}"/>
+          </ac:spMkLst>
+        </pc:spChg>
+        <pc:picChg chg="add mod">
+          <ac:chgData name="Michaeljon Miller" userId="c575fe5cddd8b8cf" providerId="LiveId" clId="{7EF091A2-6ACD-7C44-BF26-8B2484B06C9B}" dt="2020-01-07T23:11:20.084" v="699"/>
+          <ac:picMkLst>
+            <pc:docMk/>
+            <pc:sldMk cId="3210593899" sldId="327"/>
+            <ac:picMk id="4" creationId="{94D78AA8-A78A-4B4F-9EB4-FD43D1A1FB30}"/>
+          </ac:picMkLst>
+        </pc:picChg>
+      </pc:sldChg>
+      <pc:sldChg chg="addSp delSp modSp new">
+        <pc:chgData name="Michaeljon Miller" userId="c575fe5cddd8b8cf" providerId="LiveId" clId="{7EF091A2-6ACD-7C44-BF26-8B2484B06C9B}" dt="2020-01-07T23:20:35.571" v="1180" actId="20577"/>
+        <pc:sldMkLst>
+          <pc:docMk/>
+          <pc:sldMk cId="2589144616" sldId="328"/>
+        </pc:sldMkLst>
+        <pc:spChg chg="mod">
+          <ac:chgData name="Michaeljon Miller" userId="c575fe5cddd8b8cf" providerId="LiveId" clId="{7EF091A2-6ACD-7C44-BF26-8B2484B06C9B}" dt="2020-01-07T23:20:35.571" v="1180" actId="20577"/>
+          <ac:spMkLst>
+            <pc:docMk/>
+            <pc:sldMk cId="2589144616" sldId="328"/>
+            <ac:spMk id="2" creationId="{E769078A-8FFF-0B44-BF79-A550E62177D4}"/>
+          </ac:spMkLst>
+        </pc:spChg>
+        <pc:spChg chg="del">
+          <ac:chgData name="Michaeljon Miller" userId="c575fe5cddd8b8cf" providerId="LiveId" clId="{7EF091A2-6ACD-7C44-BF26-8B2484B06C9B}" dt="2020-01-07T23:13:55.567" v="703"/>
+          <ac:spMkLst>
+            <pc:docMk/>
+            <pc:sldMk cId="2589144616" sldId="328"/>
+            <ac:spMk id="3" creationId="{258D3343-DA0E-B046-A784-A4CB4B151370}"/>
+          </ac:spMkLst>
+        </pc:spChg>
+        <pc:picChg chg="add del">
+          <ac:chgData name="Michaeljon Miller" userId="c575fe5cddd8b8cf" providerId="LiveId" clId="{7EF091A2-6ACD-7C44-BF26-8B2484B06C9B}" dt="2020-01-07T23:13:54.386" v="702"/>
+          <ac:picMkLst>
+            <pc:docMk/>
+            <pc:sldMk cId="2589144616" sldId="328"/>
+            <ac:picMk id="4" creationId="{05FF4E2A-59D3-D440-B6BC-04F19291D445}"/>
+          </ac:picMkLst>
+        </pc:picChg>
+        <pc:picChg chg="add mod">
+          <ac:chgData name="Michaeljon Miller" userId="c575fe5cddd8b8cf" providerId="LiveId" clId="{7EF091A2-6ACD-7C44-BF26-8B2484B06C9B}" dt="2020-01-07T23:13:55.567" v="703"/>
+          <ac:picMkLst>
+            <pc:docMk/>
+            <pc:sldMk cId="2589144616" sldId="328"/>
+            <ac:picMk id="5" creationId="{E4780A1B-073C-084C-8F69-3292D5E1D94D}"/>
+          </ac:picMkLst>
+        </pc:picChg>
+      </pc:sldChg>
+      <pc:sldChg chg="addSp delSp modSp new">
+        <pc:chgData name="Michaeljon Miller" userId="c575fe5cddd8b8cf" providerId="LiveId" clId="{7EF091A2-6ACD-7C44-BF26-8B2484B06C9B}" dt="2020-01-07T23:21:01.355" v="1218" actId="20577"/>
+        <pc:sldMkLst>
+          <pc:docMk/>
+          <pc:sldMk cId="2165793277" sldId="329"/>
+        </pc:sldMkLst>
+        <pc:spChg chg="mod">
+          <ac:chgData name="Michaeljon Miller" userId="c575fe5cddd8b8cf" providerId="LiveId" clId="{7EF091A2-6ACD-7C44-BF26-8B2484B06C9B}" dt="2020-01-07T23:21:01.355" v="1218" actId="20577"/>
+          <ac:spMkLst>
+            <pc:docMk/>
+            <pc:sldMk cId="2165793277" sldId="329"/>
+            <ac:spMk id="2" creationId="{206389D4-E7F9-954F-9311-3FAB881A6858}"/>
+          </ac:spMkLst>
+        </pc:spChg>
+        <pc:spChg chg="del">
+          <ac:chgData name="Michaeljon Miller" userId="c575fe5cddd8b8cf" providerId="LiveId" clId="{7EF091A2-6ACD-7C44-BF26-8B2484B06C9B}" dt="2020-01-07T23:15:56.433" v="705"/>
+          <ac:spMkLst>
+            <pc:docMk/>
+            <pc:sldMk cId="2165793277" sldId="329"/>
+            <ac:spMk id="3" creationId="{0A89C2E1-C938-D14F-A179-CBBA52AA8F6F}"/>
+          </ac:spMkLst>
+        </pc:spChg>
+        <pc:picChg chg="add mod">
+          <ac:chgData name="Michaeljon Miller" userId="c575fe5cddd8b8cf" providerId="LiveId" clId="{7EF091A2-6ACD-7C44-BF26-8B2484B06C9B}" dt="2020-01-07T23:15:56.433" v="705"/>
+          <ac:picMkLst>
+            <pc:docMk/>
+            <pc:sldMk cId="2165793277" sldId="329"/>
+            <ac:picMk id="4" creationId="{36857528-BD1A-7940-9B57-283010650AE2}"/>
+          </ac:picMkLst>
+        </pc:picChg>
+      </pc:sldChg>
+      <pc:sldChg chg="addSp delSp modSp new">
+        <pc:chgData name="Michaeljon Miller" userId="c575fe5cddd8b8cf" providerId="LiveId" clId="{7EF091A2-6ACD-7C44-BF26-8B2484B06C9B}" dt="2020-01-07T23:21:09.243" v="1242" actId="20577"/>
+        <pc:sldMkLst>
+          <pc:docMk/>
+          <pc:sldMk cId="3812959360" sldId="330"/>
+        </pc:sldMkLst>
+        <pc:spChg chg="mod">
+          <ac:chgData name="Michaeljon Miller" userId="c575fe5cddd8b8cf" providerId="LiveId" clId="{7EF091A2-6ACD-7C44-BF26-8B2484B06C9B}" dt="2020-01-07T23:21:09.243" v="1242" actId="20577"/>
+          <ac:spMkLst>
+            <pc:docMk/>
+            <pc:sldMk cId="3812959360" sldId="330"/>
+            <ac:spMk id="2" creationId="{9BD7E18C-40EB-D147-87E6-F5FF76B87335}"/>
+          </ac:spMkLst>
+        </pc:spChg>
+        <pc:spChg chg="del">
+          <ac:chgData name="Michaeljon Miller" userId="c575fe5cddd8b8cf" providerId="LiveId" clId="{7EF091A2-6ACD-7C44-BF26-8B2484B06C9B}" dt="2020-01-07T23:16:34.703" v="707"/>
+          <ac:spMkLst>
+            <pc:docMk/>
+            <pc:sldMk cId="3812959360" sldId="330"/>
+            <ac:spMk id="3" creationId="{C103B147-E39C-AE4B-94F9-8554B67CF8F5}"/>
+          </ac:spMkLst>
+        </pc:spChg>
+        <pc:picChg chg="add mod">
+          <ac:chgData name="Michaeljon Miller" userId="c575fe5cddd8b8cf" providerId="LiveId" clId="{7EF091A2-6ACD-7C44-BF26-8B2484B06C9B}" dt="2020-01-07T23:16:34.703" v="707"/>
+          <ac:picMkLst>
+            <pc:docMk/>
+            <pc:sldMk cId="3812959360" sldId="330"/>
+            <ac:picMk id="4" creationId="{DE99FB21-D698-DF44-97F5-32CA760B9514}"/>
+          </ac:picMkLst>
+        </pc:picChg>
+      </pc:sldChg>
+      <pc:sldChg chg="addSp delSp modSp new mod modClrScheme chgLayout">
+        <pc:chgData name="Michaeljon Miller" userId="c575fe5cddd8b8cf" providerId="LiveId" clId="{7EF091A2-6ACD-7C44-BF26-8B2484B06C9B}" dt="2020-01-07T23:17:20.727" v="807" actId="20577"/>
+        <pc:sldMkLst>
+          <pc:docMk/>
+          <pc:sldMk cId="2744596274" sldId="331"/>
+        </pc:sldMkLst>
+        <pc:spChg chg="del mod ord">
+          <ac:chgData name="Michaeljon Miller" userId="c575fe5cddd8b8cf" providerId="LiveId" clId="{7EF091A2-6ACD-7C44-BF26-8B2484B06C9B}" dt="2020-01-07T23:17:00.571" v="709" actId="700"/>
+          <ac:spMkLst>
+            <pc:docMk/>
+            <pc:sldMk cId="2744596274" sldId="331"/>
+            <ac:spMk id="2" creationId="{3A88451D-ADD4-3A4B-B6CB-7998ED4697D5}"/>
+          </ac:spMkLst>
+        </pc:spChg>
+        <pc:spChg chg="del mod ord">
+          <ac:chgData name="Michaeljon Miller" userId="c575fe5cddd8b8cf" providerId="LiveId" clId="{7EF091A2-6ACD-7C44-BF26-8B2484B06C9B}" dt="2020-01-07T23:17:00.571" v="709" actId="700"/>
+          <ac:spMkLst>
+            <pc:docMk/>
+            <pc:sldMk cId="2744596274" sldId="331"/>
+            <ac:spMk id="3" creationId="{9CA35C64-87C1-A64C-A6B2-BFA4165F7A7B}"/>
+          </ac:spMkLst>
+        </pc:spChg>
+        <pc:spChg chg="add mod ord">
+          <ac:chgData name="Michaeljon Miller" userId="c575fe5cddd8b8cf" providerId="LiveId" clId="{7EF091A2-6ACD-7C44-BF26-8B2484B06C9B}" dt="2020-01-07T23:17:10.767" v="747" actId="20577"/>
+          <ac:spMkLst>
+            <pc:docMk/>
+            <pc:sldMk cId="2744596274" sldId="331"/>
+            <ac:spMk id="4" creationId="{FB33F338-992D-F04D-B0E3-928DB2F89D6F}"/>
+          </ac:spMkLst>
+        </pc:spChg>
+        <pc:spChg chg="add mod ord">
+          <ac:chgData name="Michaeljon Miller" userId="c575fe5cddd8b8cf" providerId="LiveId" clId="{7EF091A2-6ACD-7C44-BF26-8B2484B06C9B}" dt="2020-01-07T23:17:20.727" v="807" actId="20577"/>
+          <ac:spMkLst>
+            <pc:docMk/>
+            <pc:sldMk cId="2744596274" sldId="331"/>
+            <ac:spMk id="5" creationId="{6D7A236F-D50F-4845-AC5A-A9729584299B}"/>
+          </ac:spMkLst>
+        </pc:spChg>
+      </pc:sldChg>
+      <pc:sldChg chg="addSp delSp modSp new mod modClrScheme chgLayout">
+        <pc:chgData name="Michaeljon Miller" userId="c575fe5cddd8b8cf" providerId="LiveId" clId="{7EF091A2-6ACD-7C44-BF26-8B2484B06C9B}" dt="2020-01-07T23:40:47.157" v="1573" actId="5793"/>
+        <pc:sldMkLst>
+          <pc:docMk/>
+          <pc:sldMk cId="1689033397" sldId="332"/>
+        </pc:sldMkLst>
+        <pc:spChg chg="mod ord">
+          <ac:chgData name="Michaeljon Miller" userId="c575fe5cddd8b8cf" providerId="LiveId" clId="{7EF091A2-6ACD-7C44-BF26-8B2484B06C9B}" dt="2020-01-07T23:39:01.003" v="1348" actId="1076"/>
+          <ac:spMkLst>
+            <pc:docMk/>
+            <pc:sldMk cId="1689033397" sldId="332"/>
+            <ac:spMk id="2" creationId="{29FA921E-2BAE-AB43-BBDD-07D20E7B22DF}"/>
+          </ac:spMkLst>
+        </pc:spChg>
+        <pc:spChg chg="del">
+          <ac:chgData name="Michaeljon Miller" userId="c575fe5cddd8b8cf" providerId="LiveId" clId="{7EF091A2-6ACD-7C44-BF26-8B2484B06C9B}" dt="2020-01-07T23:35:59.748" v="1305"/>
+          <ac:spMkLst>
+            <pc:docMk/>
+            <pc:sldMk cId="1689033397" sldId="332"/>
+            <ac:spMk id="3" creationId="{F312BD8B-35CE-2045-BBB5-C7EA7AEE2C13}"/>
+          </ac:spMkLst>
+        </pc:spChg>
+        <pc:spChg chg="add del mod ord">
+          <ac:chgData name="Michaeljon Miller" userId="c575fe5cddd8b8cf" providerId="LiveId" clId="{7EF091A2-6ACD-7C44-BF26-8B2484B06C9B}" dt="2020-01-07T23:36:46.874" v="1340" actId="478"/>
+          <ac:spMkLst>
+            <pc:docMk/>
+            <pc:sldMk cId="1689033397" sldId="332"/>
+            <ac:spMk id="5" creationId="{CF0F0FC5-192A-9D41-9B0E-B3CDEB01AA59}"/>
+          </ac:spMkLst>
+        </pc:spChg>
+        <pc:spChg chg="add del mod">
+          <ac:chgData name="Michaeljon Miller" userId="c575fe5cddd8b8cf" providerId="LiveId" clId="{7EF091A2-6ACD-7C44-BF26-8B2484B06C9B}" dt="2020-01-07T23:39:09.198" v="1349"/>
+          <ac:spMkLst>
+            <pc:docMk/>
+            <pc:sldMk cId="1689033397" sldId="332"/>
+            <ac:spMk id="6" creationId="{6520B80F-5EC5-5A4D-971C-294F4CF7E3BF}"/>
+          </ac:spMkLst>
+        </pc:spChg>
+        <pc:spChg chg="add del mod">
+          <ac:chgData name="Michaeljon Miller" userId="c575fe5cddd8b8cf" providerId="LiveId" clId="{7EF091A2-6ACD-7C44-BF26-8B2484B06C9B}" dt="2020-01-07T23:39:09.198" v="1349"/>
+          <ac:spMkLst>
+            <pc:docMk/>
+            <pc:sldMk cId="1689033397" sldId="332"/>
+            <ac:spMk id="7" creationId="{B44A005F-527A-034B-A111-AD639ACDD0A7}"/>
+          </ac:spMkLst>
+        </pc:spChg>
+        <pc:spChg chg="add mod">
+          <ac:chgData name="Michaeljon Miller" userId="c575fe5cddd8b8cf" providerId="LiveId" clId="{7EF091A2-6ACD-7C44-BF26-8B2484B06C9B}" dt="2020-01-07T23:40:47.157" v="1573" actId="5793"/>
+          <ac:spMkLst>
+            <pc:docMk/>
+            <pc:sldMk cId="1689033397" sldId="332"/>
+            <ac:spMk id="8" creationId="{99E898C1-43E2-2148-BCF6-6611605BAA2D}"/>
+          </ac:spMkLst>
+        </pc:spChg>
+        <pc:picChg chg="add mod ord">
+          <ac:chgData name="Michaeljon Miller" userId="c575fe5cddd8b8cf" providerId="LiveId" clId="{7EF091A2-6ACD-7C44-BF26-8B2484B06C9B}" dt="2020-01-07T23:36:26.835" v="1329" actId="700"/>
+          <ac:picMkLst>
+            <pc:docMk/>
+            <pc:sldMk cId="1689033397" sldId="332"/>
+            <ac:picMk id="4" creationId="{878B8BE8-BB37-6944-8541-C993DA007DEF}"/>
+          </ac:picMkLst>
+        </pc:picChg>
+      </pc:sldChg>
+      <pc:sldChg chg="addSp delSp modSp new del mod ord modClrScheme chgLayout">
+        <pc:chgData name="Michaeljon Miller" userId="c575fe5cddd8b8cf" providerId="LiveId" clId="{7EF091A2-6ACD-7C44-BF26-8B2484B06C9B}" dt="2020-01-07T23:23:10.698" v="1303" actId="2696"/>
+        <pc:sldMkLst>
+          <pc:docMk/>
+          <pc:sldMk cId="2611083028" sldId="332"/>
+        </pc:sldMkLst>
+        <pc:spChg chg="mod ord">
+          <ac:chgData name="Michaeljon Miller" userId="c575fe5cddd8b8cf" providerId="LiveId" clId="{7EF091A2-6ACD-7C44-BF26-8B2484B06C9B}" dt="2020-01-07T23:21:35.703" v="1258" actId="700"/>
+          <ac:spMkLst>
+            <pc:docMk/>
+            <pc:sldMk cId="2611083028" sldId="332"/>
+            <ac:spMk id="2" creationId="{BC506DD8-00AF-C841-8EA6-5341A3B10333}"/>
+          </ac:spMkLst>
+        </pc:spChg>
+        <pc:spChg chg="del mod ord">
+          <ac:chgData name="Michaeljon Miller" userId="c575fe5cddd8b8cf" providerId="LiveId" clId="{7EF091A2-6ACD-7C44-BF26-8B2484B06C9B}" dt="2020-01-07T23:21:35.703" v="1258" actId="700"/>
+          <ac:spMkLst>
+            <pc:docMk/>
+            <pc:sldMk cId="2611083028" sldId="332"/>
+            <ac:spMk id="3" creationId="{F842AB87-2689-6A4F-B942-DFE2BD385688}"/>
+          </ac:spMkLst>
+        </pc:spChg>
+        <pc:spChg chg="add mod ord">
+          <ac:chgData name="Michaeljon Miller" userId="c575fe5cddd8b8cf" providerId="LiveId" clId="{7EF091A2-6ACD-7C44-BF26-8B2484B06C9B}" dt="2020-01-07T23:21:45.219" v="1300" actId="20577"/>
+          <ac:spMkLst>
+            <pc:docMk/>
+            <pc:sldMk cId="2611083028" sldId="332"/>
+            <ac:spMk id="4" creationId="{759A3B7D-99FE-764C-A8CB-D300ABB620DD}"/>
+          </ac:spMkLst>
+        </pc:spChg>
+      </pc:sldChg>
+      <pc:sldChg chg="modSp new">
+        <pc:chgData name="Michaeljon Miller" userId="c575fe5cddd8b8cf" providerId="LiveId" clId="{7EF091A2-6ACD-7C44-BF26-8B2484B06C9B}" dt="2020-01-07T23:42:58.136" v="1791" actId="20577"/>
+        <pc:sldMkLst>
+          <pc:docMk/>
+          <pc:sldMk cId="2764439232" sldId="333"/>
+        </pc:sldMkLst>
+        <pc:spChg chg="mod">
+          <ac:chgData name="Michaeljon Miller" userId="c575fe5cddd8b8cf" providerId="LiveId" clId="{7EF091A2-6ACD-7C44-BF26-8B2484B06C9B}" dt="2020-01-07T23:41:48.783" v="1599" actId="20577"/>
+          <ac:spMkLst>
+            <pc:docMk/>
+            <pc:sldMk cId="2764439232" sldId="333"/>
+            <ac:spMk id="2" creationId="{8E88CEC7-E63A-494C-9BC2-DB90A7014CD6}"/>
+          </ac:spMkLst>
+        </pc:spChg>
+        <pc:spChg chg="mod">
+          <ac:chgData name="Michaeljon Miller" userId="c575fe5cddd8b8cf" providerId="LiveId" clId="{7EF091A2-6ACD-7C44-BF26-8B2484B06C9B}" dt="2020-01-07T23:42:58.136" v="1791" actId="20577"/>
+          <ac:spMkLst>
+            <pc:docMk/>
+            <pc:sldMk cId="2764439232" sldId="333"/>
+            <ac:spMk id="3" creationId="{FB271E12-C72C-F04C-A888-26907388E52C}"/>
           </ac:spMkLst>
         </pc:spChg>
       </pc:sldChg>
@@ -650,7 +1231,7 @@
           <a:p>
             <a:fld id="{B30C5654-8255-4741-B5E4-F40A45C3546B}" type="datetimeFigureOut">
               <a:rPr lang="en-US" smtClean="0"/>
-              <a:t>12/31/19</a:t>
+              <a:t>1/7/20</a:t>
             </a:fld>
             <a:endParaRPr lang="en-US"/>
           </a:p>
@@ -961,10 +1542,7 @@
           <a:bodyPr/>
           <a:lstStyle/>
           <a:p>
-            <a:r>
-              <a:rPr lang="en-US" dirty="0"/>
-              <a:t>Don’t confuse this use of the word “style” with its use in describing personalization or fashion. Architectural style as applied to building architecture is closer in nature to that which we’re discussing here, but also tends to reflect the local ruler’s personal tastes. We don’t want personality or taste to govern our architectural decisions.</a:t>
-            </a:r>
+            <a:endParaRPr lang="en-US" dirty="0"/>
           </a:p>
         </p:txBody>
       </p:sp>
@@ -975,7 +1553,7 @@
             <a:spLocks noGrp="1"/>
           </p:cNvSpPr>
           <p:nvPr>
-            <p:ph type="sldNum" sz="quarter" idx="10"/>
+            <p:ph type="sldNum" sz="quarter" idx="5"/>
           </p:nvPr>
         </p:nvSpPr>
         <p:spPr/>
@@ -985,7 +1563,94 @@
           <a:p>
             <a:fld id="{E58294B0-43FA-4697-A94A-C7D8A3CEE26B}" type="slidenum">
               <a:rPr lang="en-US" smtClean="0"/>
-              <a:t>11</a:t>
+              <a:t>10</a:t>
+            </a:fld>
+            <a:endParaRPr lang="en-US"/>
+          </a:p>
+        </p:txBody>
+      </p:sp>
+    </p:spTree>
+    <p:extLst>
+      <p:ext uri="{BB962C8B-B14F-4D97-AF65-F5344CB8AC3E}">
+        <p14:creationId xmlns:p14="http://schemas.microsoft.com/office/powerpoint/2010/main" val="1342721794"/>
+      </p:ext>
+    </p:extLst>
+  </p:cSld>
+  <p:clrMapOvr>
+    <a:masterClrMapping/>
+  </p:clrMapOvr>
+</p:notes>
+</file>
+
+<file path=ppt/notesSlides/notesSlide2.xml><?xml version="1.0" encoding="utf-8"?>
+<p:notes xmlns:a="http://schemas.openxmlformats.org/drawingml/2006/main" xmlns:r="http://schemas.openxmlformats.org/officeDocument/2006/relationships" xmlns:p="http://schemas.openxmlformats.org/presentationml/2006/main">
+  <p:cSld>
+    <p:spTree>
+      <p:nvGrpSpPr>
+        <p:cNvPr id="1" name=""/>
+        <p:cNvGrpSpPr/>
+        <p:nvPr/>
+      </p:nvGrpSpPr>
+      <p:grpSpPr>
+        <a:xfrm>
+          <a:off x="0" y="0"/>
+          <a:ext cx="0" cy="0"/>
+          <a:chOff x="0" y="0"/>
+          <a:chExt cx="0" cy="0"/>
+        </a:xfrm>
+      </p:grpSpPr>
+      <p:sp>
+        <p:nvSpPr>
+          <p:cNvPr id="2" name="Slide Image Placeholder 1"/>
+          <p:cNvSpPr>
+            <a:spLocks noGrp="1" noRot="1" noChangeAspect="1"/>
+          </p:cNvSpPr>
+          <p:nvPr>
+            <p:ph type="sldImg"/>
+          </p:nvPr>
+        </p:nvSpPr>
+        <p:spPr/>
+      </p:sp>
+      <p:sp>
+        <p:nvSpPr>
+          <p:cNvPr id="3" name="Notes Placeholder 2"/>
+          <p:cNvSpPr>
+            <a:spLocks noGrp="1"/>
+          </p:cNvSpPr>
+          <p:nvPr>
+            <p:ph type="body" idx="1"/>
+          </p:nvPr>
+        </p:nvSpPr>
+        <p:spPr/>
+        <p:txBody>
+          <a:bodyPr/>
+          <a:lstStyle/>
+          <a:p>
+            <a:r>
+              <a:rPr lang="en-US" dirty="0"/>
+              <a:t>Don’t confuse this use of the word “style” with its use in describing personalization or fashion. Architectural style as applied to building architecture is closer in nature to that which we’re discussing here, but also tends to reflect the local ruler’s personal tastes. We don’t want personality or taste to govern our architectural decisions.</a:t>
+            </a:r>
+          </a:p>
+        </p:txBody>
+      </p:sp>
+      <p:sp>
+        <p:nvSpPr>
+          <p:cNvPr id="4" name="Slide Number Placeholder 3"/>
+          <p:cNvSpPr>
+            <a:spLocks noGrp="1"/>
+          </p:cNvSpPr>
+          <p:nvPr>
+            <p:ph type="sldNum" sz="quarter" idx="10"/>
+          </p:nvPr>
+        </p:nvSpPr>
+        <p:spPr/>
+        <p:txBody>
+          <a:bodyPr/>
+          <a:lstStyle/>
+          <a:p>
+            <a:fld id="{E58294B0-43FA-4697-A94A-C7D8A3CEE26B}" type="slidenum">
+              <a:rPr lang="en-US" smtClean="0"/>
+              <a:t>12</a:t>
             </a:fld>
             <a:endParaRPr lang="en-US"/>
           </a:p>
@@ -995,6 +1660,90 @@
     <p:extLst>
       <p:ext uri="{BB962C8B-B14F-4D97-AF65-F5344CB8AC3E}">
         <p14:creationId xmlns:p14="http://schemas.microsoft.com/office/powerpoint/2010/main" val="338711787"/>
+      </p:ext>
+    </p:extLst>
+  </p:cSld>
+  <p:clrMapOvr>
+    <a:masterClrMapping/>
+  </p:clrMapOvr>
+</p:notes>
+</file>
+
+<file path=ppt/notesSlides/notesSlide3.xml><?xml version="1.0" encoding="utf-8"?>
+<p:notes xmlns:a="http://schemas.openxmlformats.org/drawingml/2006/main" xmlns:r="http://schemas.openxmlformats.org/officeDocument/2006/relationships" xmlns:p="http://schemas.openxmlformats.org/presentationml/2006/main">
+  <p:cSld>
+    <p:spTree>
+      <p:nvGrpSpPr>
+        <p:cNvPr id="1" name=""/>
+        <p:cNvGrpSpPr/>
+        <p:nvPr/>
+      </p:nvGrpSpPr>
+      <p:grpSpPr>
+        <a:xfrm>
+          <a:off x="0" y="0"/>
+          <a:ext cx="0" cy="0"/>
+          <a:chOff x="0" y="0"/>
+          <a:chExt cx="0" cy="0"/>
+        </a:xfrm>
+      </p:grpSpPr>
+      <p:sp>
+        <p:nvSpPr>
+          <p:cNvPr id="2" name="Slide Image Placeholder 1"/>
+          <p:cNvSpPr>
+            <a:spLocks noGrp="1" noRot="1" noChangeAspect="1"/>
+          </p:cNvSpPr>
+          <p:nvPr>
+            <p:ph type="sldImg"/>
+          </p:nvPr>
+        </p:nvSpPr>
+        <p:spPr/>
+      </p:sp>
+      <p:sp>
+        <p:nvSpPr>
+          <p:cNvPr id="3" name="Notes Placeholder 2"/>
+          <p:cNvSpPr>
+            <a:spLocks noGrp="1"/>
+          </p:cNvSpPr>
+          <p:nvPr>
+            <p:ph type="body" idx="1"/>
+          </p:nvPr>
+        </p:nvSpPr>
+        <p:spPr/>
+        <p:txBody>
+          <a:bodyPr/>
+          <a:lstStyle/>
+          <a:p>
+            <a:endParaRPr lang="en-US" dirty="0"/>
+          </a:p>
+        </p:txBody>
+      </p:sp>
+      <p:sp>
+        <p:nvSpPr>
+          <p:cNvPr id="4" name="Slide Number Placeholder 3"/>
+          <p:cNvSpPr>
+            <a:spLocks noGrp="1"/>
+          </p:cNvSpPr>
+          <p:nvPr>
+            <p:ph type="sldNum" sz="quarter" idx="5"/>
+          </p:nvPr>
+        </p:nvSpPr>
+        <p:spPr/>
+        <p:txBody>
+          <a:bodyPr/>
+          <a:lstStyle/>
+          <a:p>
+            <a:fld id="{E58294B0-43FA-4697-A94A-C7D8A3CEE26B}" type="slidenum">
+              <a:rPr lang="en-US" smtClean="0"/>
+              <a:t>13</a:t>
+            </a:fld>
+            <a:endParaRPr lang="en-US"/>
+          </a:p>
+        </p:txBody>
+      </p:sp>
+    </p:spTree>
+    <p:extLst>
+      <p:ext uri="{BB962C8B-B14F-4D97-AF65-F5344CB8AC3E}">
+        <p14:creationId xmlns:p14="http://schemas.microsoft.com/office/powerpoint/2010/main" val="2658008805"/>
       </p:ext>
     </p:extLst>
   </p:cSld>
@@ -1151,7 +1900,7 @@
           <a:p>
             <a:fld id="{1E1327A7-1338-42E3-A376-4DBDA53A9DB0}" type="datetimeFigureOut">
               <a:rPr lang="en-US" smtClean="0"/>
-              <a:t>12/31/19</a:t>
+              <a:t>1/7/20</a:t>
             </a:fld>
             <a:endParaRPr lang="en-US"/>
           </a:p>
@@ -1349,7 +2098,7 @@
           <a:p>
             <a:fld id="{1E1327A7-1338-42E3-A376-4DBDA53A9DB0}" type="datetimeFigureOut">
               <a:rPr lang="en-US" smtClean="0"/>
-              <a:t>12/31/19</a:t>
+              <a:t>1/7/20</a:t>
             </a:fld>
             <a:endParaRPr lang="en-US"/>
           </a:p>
@@ -1557,7 +2306,7 @@
           <a:p>
             <a:fld id="{1E1327A7-1338-42E3-A376-4DBDA53A9DB0}" type="datetimeFigureOut">
               <a:rPr lang="en-US" smtClean="0"/>
-              <a:t>12/31/19</a:t>
+              <a:t>1/7/20</a:t>
             </a:fld>
             <a:endParaRPr lang="en-US"/>
           </a:p>
@@ -1755,7 +2504,7 @@
           <a:p>
             <a:fld id="{1E1327A7-1338-42E3-A376-4DBDA53A9DB0}" type="datetimeFigureOut">
               <a:rPr lang="en-US" smtClean="0"/>
-              <a:t>12/31/19</a:t>
+              <a:t>1/7/20</a:t>
             </a:fld>
             <a:endParaRPr lang="en-US"/>
           </a:p>
@@ -2030,7 +2779,7 @@
           <a:p>
             <a:fld id="{1E1327A7-1338-42E3-A376-4DBDA53A9DB0}" type="datetimeFigureOut">
               <a:rPr lang="en-US" smtClean="0"/>
-              <a:t>12/31/19</a:t>
+              <a:t>1/7/20</a:t>
             </a:fld>
             <a:endParaRPr lang="en-US"/>
           </a:p>
@@ -2295,7 +3044,7 @@
           <a:p>
             <a:fld id="{1E1327A7-1338-42E3-A376-4DBDA53A9DB0}" type="datetimeFigureOut">
               <a:rPr lang="en-US" smtClean="0"/>
-              <a:t>12/31/19</a:t>
+              <a:t>1/7/20</a:t>
             </a:fld>
             <a:endParaRPr lang="en-US"/>
           </a:p>
@@ -2707,7 +3456,7 @@
           <a:p>
             <a:fld id="{1E1327A7-1338-42E3-A376-4DBDA53A9DB0}" type="datetimeFigureOut">
               <a:rPr lang="en-US" smtClean="0"/>
-              <a:t>12/31/19</a:t>
+              <a:t>1/7/20</a:t>
             </a:fld>
             <a:endParaRPr lang="en-US"/>
           </a:p>
@@ -2848,7 +3597,7 @@
           <a:p>
             <a:fld id="{1E1327A7-1338-42E3-A376-4DBDA53A9DB0}" type="datetimeFigureOut">
               <a:rPr lang="en-US" smtClean="0"/>
-              <a:t>12/31/19</a:t>
+              <a:t>1/7/20</a:t>
             </a:fld>
             <a:endParaRPr lang="en-US"/>
           </a:p>
@@ -2961,7 +3710,7 @@
           <a:p>
             <a:fld id="{1E1327A7-1338-42E3-A376-4DBDA53A9DB0}" type="datetimeFigureOut">
               <a:rPr lang="en-US" smtClean="0"/>
-              <a:t>12/31/19</a:t>
+              <a:t>1/7/20</a:t>
             </a:fld>
             <a:endParaRPr lang="en-US"/>
           </a:p>
@@ -3272,7 +4021,7 @@
           <a:p>
             <a:fld id="{1E1327A7-1338-42E3-A376-4DBDA53A9DB0}" type="datetimeFigureOut">
               <a:rPr lang="en-US" smtClean="0"/>
-              <a:t>12/31/19</a:t>
+              <a:t>1/7/20</a:t>
             </a:fld>
             <a:endParaRPr lang="en-US"/>
           </a:p>
@@ -3560,7 +4309,7 @@
           <a:p>
             <a:fld id="{1E1327A7-1338-42E3-A376-4DBDA53A9DB0}" type="datetimeFigureOut">
               <a:rPr lang="en-US" smtClean="0"/>
-              <a:t>12/31/19</a:t>
+              <a:t>1/7/20</a:t>
             </a:fld>
             <a:endParaRPr lang="en-US"/>
           </a:p>
@@ -3801,7 +4550,7 @@
           <a:p>
             <a:fld id="{1E1327A7-1338-42E3-A376-4DBDA53A9DB0}" type="datetimeFigureOut">
               <a:rPr lang="en-US" smtClean="0"/>
-              <a:t>12/31/19</a:t>
+              <a:t>1/7/20</a:t>
             </a:fld>
             <a:endParaRPr lang="en-US"/>
           </a:p>
@@ -4309,7 +5058,7 @@
           <p:cNvPr id="2" name="Title 1">
             <a:extLst>
               <a:ext uri="{FF2B5EF4-FFF2-40B4-BE49-F238E27FC236}">
-                <a16:creationId xmlns:a16="http://schemas.microsoft.com/office/drawing/2014/main" id="{5408150A-D84D-E645-9E33-A1392FE8704F}"/>
+                <a16:creationId xmlns:a16="http://schemas.microsoft.com/office/drawing/2014/main" id="{957309F5-C9EE-1E4C-B839-B1A47EFAE97A}"/>
               </a:ext>
             </a:extLst>
           </p:cNvPr>
@@ -4327,7 +5076,7 @@
           <a:p>
             <a:r>
               <a:rPr lang="en-US" dirty="0"/>
-              <a:t>So, what elements?</a:t>
+              <a:t>What is this architecture thing?</a:t>
             </a:r>
           </a:p>
         </p:txBody>
@@ -4337,7 +5086,7 @@
           <p:cNvPr id="3" name="Content Placeholder 2">
             <a:extLst>
               <a:ext uri="{FF2B5EF4-FFF2-40B4-BE49-F238E27FC236}">
-                <a16:creationId xmlns:a16="http://schemas.microsoft.com/office/drawing/2014/main" id="{DF1C7B13-8199-864D-8C76-882AA0DDF815}"/>
+                <a16:creationId xmlns:a16="http://schemas.microsoft.com/office/drawing/2014/main" id="{B62E1A3E-F38E-904B-B8F7-D5A1398467AD}"/>
               </a:ext>
             </a:extLst>
           </p:cNvPr>
@@ -4350,7 +5099,9 @@
         </p:nvSpPr>
         <p:spPr/>
         <p:txBody>
-          <a:bodyPr/>
+          <a:bodyPr>
+            <a:normAutofit/>
+          </a:bodyPr>
           <a:lstStyle/>
           <a:p>
             <a:pPr marL="0" indent="0">
@@ -4358,66 +5109,24 @@
             </a:pPr>
             <a:r>
               <a:rPr lang="en-US" dirty="0"/>
-              <a:t>A </a:t>
+              <a:t>Run-time abstraction view</a:t>
+            </a:r>
+          </a:p>
+          <a:p>
+            <a:pPr marL="457200" lvl="1" indent="0">
+              <a:buNone/>
+            </a:pPr>
+            <a:r>
+              <a:rPr lang="en-US" dirty="0"/>
+              <a:t>A </a:t>
             </a:r>
             <a:r>
               <a:rPr lang="en-US" b="1" dirty="0"/>
-              <a:t>component</a:t>
-            </a:r>
-            <a:r>
-              <a:rPr lang="en-US" dirty="0"/>
-              <a:t> is an abstract unit of software instructions and internal state that provides a transformation of data via its interface.</a:t>
-            </a:r>
-          </a:p>
-          <a:p>
-            <a:pPr marL="0" indent="0">
-              <a:buNone/>
-            </a:pPr>
-            <a:r>
-              <a:rPr lang="en-US" dirty="0"/>
-              <a:t>A </a:t>
-            </a:r>
-            <a:r>
-              <a:rPr lang="en-US" b="1" dirty="0"/>
-              <a:t>connector</a:t>
-            </a:r>
-            <a:r>
-              <a:rPr lang="en-US" dirty="0"/>
-              <a:t> is an abstract mechanism that mediates communication, coordination, or cooperation among components.</a:t>
-            </a:r>
-          </a:p>
-          <a:p>
-            <a:pPr marL="0" indent="0">
-              <a:buNone/>
-            </a:pPr>
-            <a:r>
-              <a:rPr lang="en-US" dirty="0"/>
-              <a:t>A </a:t>
-            </a:r>
-            <a:r>
-              <a:rPr lang="en-US" b="1" dirty="0"/>
-              <a:t>datum</a:t>
-            </a:r>
-            <a:r>
-              <a:rPr lang="en-US" dirty="0"/>
-              <a:t> is an element of information that is transferred from a component, or received by a component, via a connector.</a:t>
-            </a:r>
-          </a:p>
-          <a:p>
-            <a:pPr marL="0" indent="0">
-              <a:buNone/>
-            </a:pPr>
-            <a:r>
-              <a:rPr lang="en-US" dirty="0"/>
-              <a:t>A </a:t>
-            </a:r>
-            <a:r>
-              <a:rPr lang="en-US" b="1" dirty="0"/>
-              <a:t>configuration</a:t>
-            </a:r>
-            <a:r>
-              <a:rPr lang="en-US" dirty="0"/>
-              <a:t> is the structure of architectural relationships among components, connectors, and data during a period of system run-time.</a:t>
+              <a:t>software architecture </a:t>
+            </a:r>
+            <a:r>
+              <a:rPr lang="en-US" dirty="0"/>
+              <a:t>is an abstraction of the run-time elements of a software system during some phase of its operation. A system may be composed of many levels of abstraction and many phases of operation, each with its own software architecture.</a:t>
             </a:r>
           </a:p>
           <a:p>
@@ -4425,13 +5134,39 @@
               <a:buNone/>
             </a:pPr>
             <a:endParaRPr lang="en-US" dirty="0"/>
+          </a:p>
+          <a:p>
+            <a:pPr marL="0" indent="0">
+              <a:buNone/>
+            </a:pPr>
+            <a:r>
+              <a:rPr lang="en-US" dirty="0"/>
+              <a:t>Elemental view</a:t>
+            </a:r>
+          </a:p>
+          <a:p>
+            <a:pPr marL="457200" lvl="1" indent="0">
+              <a:buNone/>
+            </a:pPr>
+            <a:r>
+              <a:rPr lang="en-US" dirty="0"/>
+              <a:t>A </a:t>
+            </a:r>
+            <a:r>
+              <a:rPr lang="en-US" b="1" dirty="0"/>
+              <a:t>software architecture</a:t>
+            </a:r>
+            <a:r>
+              <a:rPr lang="en-US" dirty="0"/>
+              <a:t> is defined by a configuration of architectural elements - components, connectors, and data - constrained in their relationships in order to achieve a desired set of architectural properties.</a:t>
+            </a:r>
           </a:p>
         </p:txBody>
       </p:sp>
     </p:spTree>
     <p:extLst>
       <p:ext uri="{BB962C8B-B14F-4D97-AF65-F5344CB8AC3E}">
-        <p14:creationId xmlns:p14="http://schemas.microsoft.com/office/powerpoint/2010/main" val="4172525580"/>
+        <p14:creationId xmlns:p14="http://schemas.microsoft.com/office/powerpoint/2010/main" val="657190373"/>
       </p:ext>
     </p:extLst>
   </p:cSld>
@@ -4463,6 +5198,160 @@
           <p:cNvPr id="2" name="Title 1">
             <a:extLst>
               <a:ext uri="{FF2B5EF4-FFF2-40B4-BE49-F238E27FC236}">
+                <a16:creationId xmlns:a16="http://schemas.microsoft.com/office/drawing/2014/main" id="{5408150A-D84D-E645-9E33-A1392FE8704F}"/>
+              </a:ext>
+            </a:extLst>
+          </p:cNvPr>
+          <p:cNvSpPr>
+            <a:spLocks noGrp="1"/>
+          </p:cNvSpPr>
+          <p:nvPr>
+            <p:ph type="title"/>
+          </p:nvPr>
+        </p:nvSpPr>
+        <p:spPr/>
+        <p:txBody>
+          <a:bodyPr/>
+          <a:lstStyle/>
+          <a:p>
+            <a:r>
+              <a:rPr lang="en-US" dirty="0"/>
+              <a:t>So, what elements?</a:t>
+            </a:r>
+          </a:p>
+        </p:txBody>
+      </p:sp>
+      <p:sp>
+        <p:nvSpPr>
+          <p:cNvPr id="3" name="Content Placeholder 2">
+            <a:extLst>
+              <a:ext uri="{FF2B5EF4-FFF2-40B4-BE49-F238E27FC236}">
+                <a16:creationId xmlns:a16="http://schemas.microsoft.com/office/drawing/2014/main" id="{DF1C7B13-8199-864D-8C76-882AA0DDF815}"/>
+              </a:ext>
+            </a:extLst>
+          </p:cNvPr>
+          <p:cNvSpPr>
+            <a:spLocks noGrp="1"/>
+          </p:cNvSpPr>
+          <p:nvPr>
+            <p:ph idx="1"/>
+          </p:nvPr>
+        </p:nvSpPr>
+        <p:spPr/>
+        <p:txBody>
+          <a:bodyPr/>
+          <a:lstStyle/>
+          <a:p>
+            <a:pPr marL="0" indent="0">
+              <a:buNone/>
+            </a:pPr>
+            <a:r>
+              <a:rPr lang="en-US" dirty="0"/>
+              <a:t>A </a:t>
+            </a:r>
+            <a:r>
+              <a:rPr lang="en-US" b="1" dirty="0"/>
+              <a:t>component</a:t>
+            </a:r>
+            <a:r>
+              <a:rPr lang="en-US" dirty="0"/>
+              <a:t> is an abstract unit of software instructions and internal state that provides a transformation of data via its interface.</a:t>
+            </a:r>
+          </a:p>
+          <a:p>
+            <a:pPr marL="0" indent="0">
+              <a:buNone/>
+            </a:pPr>
+            <a:r>
+              <a:rPr lang="en-US" dirty="0"/>
+              <a:t>A </a:t>
+            </a:r>
+            <a:r>
+              <a:rPr lang="en-US" b="1" dirty="0"/>
+              <a:t>connector</a:t>
+            </a:r>
+            <a:r>
+              <a:rPr lang="en-US" dirty="0"/>
+              <a:t> is an abstract mechanism that mediates communication, coordination, or cooperation among components.</a:t>
+            </a:r>
+          </a:p>
+          <a:p>
+            <a:pPr marL="0" indent="0">
+              <a:buNone/>
+            </a:pPr>
+            <a:r>
+              <a:rPr lang="en-US" dirty="0"/>
+              <a:t>A </a:t>
+            </a:r>
+            <a:r>
+              <a:rPr lang="en-US" b="1" dirty="0"/>
+              <a:t>datum</a:t>
+            </a:r>
+            <a:r>
+              <a:rPr lang="en-US" dirty="0"/>
+              <a:t> is an element of information that is transferred from a component, or received by a component, via a connector.</a:t>
+            </a:r>
+          </a:p>
+          <a:p>
+            <a:pPr marL="0" indent="0">
+              <a:buNone/>
+            </a:pPr>
+            <a:r>
+              <a:rPr lang="en-US" dirty="0"/>
+              <a:t>A </a:t>
+            </a:r>
+            <a:r>
+              <a:rPr lang="en-US" b="1" dirty="0"/>
+              <a:t>configuration</a:t>
+            </a:r>
+            <a:r>
+              <a:rPr lang="en-US" dirty="0"/>
+              <a:t> is the structure of architectural relationships among components, connectors, and data during a period of system run-time.</a:t>
+            </a:r>
+          </a:p>
+          <a:p>
+            <a:pPr marL="0" indent="0">
+              <a:buNone/>
+            </a:pPr>
+            <a:endParaRPr lang="en-US" dirty="0"/>
+          </a:p>
+        </p:txBody>
+      </p:sp>
+    </p:spTree>
+    <p:extLst>
+      <p:ext uri="{BB962C8B-B14F-4D97-AF65-F5344CB8AC3E}">
+        <p14:creationId xmlns:p14="http://schemas.microsoft.com/office/powerpoint/2010/main" val="4172525580"/>
+      </p:ext>
+    </p:extLst>
+  </p:cSld>
+  <p:clrMapOvr>
+    <a:masterClrMapping/>
+  </p:clrMapOvr>
+</p:sld>
+</file>
+
+<file path=ppt/slides/slide12.xml><?xml version="1.0" encoding="utf-8"?>
+<p:sld xmlns:a="http://schemas.openxmlformats.org/drawingml/2006/main" xmlns:r="http://schemas.openxmlformats.org/officeDocument/2006/relationships" xmlns:p="http://schemas.openxmlformats.org/presentationml/2006/main">
+  <p:cSld>
+    <p:spTree>
+      <p:nvGrpSpPr>
+        <p:cNvPr id="1" name=""/>
+        <p:cNvGrpSpPr/>
+        <p:nvPr/>
+      </p:nvGrpSpPr>
+      <p:grpSpPr>
+        <a:xfrm>
+          <a:off x="0" y="0"/>
+          <a:ext cx="0" cy="0"/>
+          <a:chOff x="0" y="0"/>
+          <a:chExt cx="0" cy="0"/>
+        </a:xfrm>
+      </p:grpSpPr>
+      <p:sp>
+        <p:nvSpPr>
+          <p:cNvPr id="2" name="Title 1">
+            <a:extLst>
+              <a:ext uri="{FF2B5EF4-FFF2-40B4-BE49-F238E27FC236}">
                 <a16:creationId xmlns:a16="http://schemas.microsoft.com/office/drawing/2014/main" id="{B48E4030-9CE2-9144-B3D6-1920E39E3B14}"/>
               </a:ext>
             </a:extLst>
@@ -4534,6 +5423,684 @@
     <p:extLst>
       <p:ext uri="{BB962C8B-B14F-4D97-AF65-F5344CB8AC3E}">
         <p14:creationId xmlns:p14="http://schemas.microsoft.com/office/powerpoint/2010/main" val="1438224000"/>
+      </p:ext>
+    </p:extLst>
+  </p:cSld>
+  <p:clrMapOvr>
+    <a:masterClrMapping/>
+  </p:clrMapOvr>
+</p:sld>
+</file>
+
+<file path=ppt/slides/slide13.xml><?xml version="1.0" encoding="utf-8"?>
+<p:sld xmlns:a="http://schemas.openxmlformats.org/drawingml/2006/main" xmlns:r="http://schemas.openxmlformats.org/officeDocument/2006/relationships" xmlns:p="http://schemas.openxmlformats.org/presentationml/2006/main">
+  <p:cSld>
+    <p:spTree>
+      <p:nvGrpSpPr>
+        <p:cNvPr id="1" name=""/>
+        <p:cNvGrpSpPr/>
+        <p:nvPr/>
+      </p:nvGrpSpPr>
+      <p:grpSpPr>
+        <a:xfrm>
+          <a:off x="0" y="0"/>
+          <a:ext cx="0" cy="0"/>
+          <a:chOff x="0" y="0"/>
+          <a:chExt cx="0" cy="0"/>
+        </a:xfrm>
+      </p:grpSpPr>
+      <p:sp>
+        <p:nvSpPr>
+          <p:cNvPr id="2" name="Title 1">
+            <a:extLst>
+              <a:ext uri="{FF2B5EF4-FFF2-40B4-BE49-F238E27FC236}">
+                <a16:creationId xmlns:a16="http://schemas.microsoft.com/office/drawing/2014/main" id="{29FA921E-2BAE-AB43-BBDD-07D20E7B22DF}"/>
+              </a:ext>
+            </a:extLst>
+          </p:cNvPr>
+          <p:cNvSpPr>
+            <a:spLocks noGrp="1"/>
+          </p:cNvSpPr>
+          <p:nvPr>
+            <p:ph type="title"/>
+          </p:nvPr>
+        </p:nvSpPr>
+        <p:spPr/>
+        <p:txBody>
+          <a:bodyPr/>
+          <a:lstStyle/>
+          <a:p>
+            <a:r>
+              <a:rPr lang="en-US" dirty="0"/>
+              <a:t>Styles and patterns</a:t>
+            </a:r>
+          </a:p>
+        </p:txBody>
+      </p:sp>
+      <p:pic>
+        <p:nvPicPr>
+          <p:cNvPr id="4" name="Content Placeholder 3">
+            <a:extLst>
+              <a:ext uri="{FF2B5EF4-FFF2-40B4-BE49-F238E27FC236}">
+                <a16:creationId xmlns:a16="http://schemas.microsoft.com/office/drawing/2014/main" id="{878B8BE8-BB37-6944-8541-C993DA007DEF}"/>
+              </a:ext>
+            </a:extLst>
+          </p:cNvPr>
+          <p:cNvPicPr>
+            <a:picLocks noGrp="1" noChangeAspect="1"/>
+          </p:cNvPicPr>
+          <p:nvPr>
+            <p:ph idx="1"/>
+          </p:nvPr>
+        </p:nvPicPr>
+        <p:blipFill>
+          <a:blip r:embed="rId3"/>
+          <a:stretch>
+            <a:fillRect/>
+          </a:stretch>
+        </p:blipFill>
+        <p:spPr>
+          <a:xfrm>
+            <a:off x="5675983" y="987425"/>
+            <a:ext cx="5186610" cy="4873625"/>
+          </a:xfrm>
+        </p:spPr>
+      </p:pic>
+      <p:sp>
+        <p:nvSpPr>
+          <p:cNvPr id="8" name="Text Placeholder 7">
+            <a:extLst>
+              <a:ext uri="{FF2B5EF4-FFF2-40B4-BE49-F238E27FC236}">
+                <a16:creationId xmlns:a16="http://schemas.microsoft.com/office/drawing/2014/main" id="{99E898C1-43E2-2148-BCF6-6611605BAA2D}"/>
+              </a:ext>
+            </a:extLst>
+          </p:cNvPr>
+          <p:cNvSpPr>
+            <a:spLocks noGrp="1"/>
+          </p:cNvSpPr>
+          <p:nvPr>
+            <p:ph type="body" sz="half" idx="2"/>
+          </p:nvPr>
+        </p:nvSpPr>
+        <p:spPr/>
+        <p:txBody>
+          <a:bodyPr/>
+          <a:lstStyle/>
+          <a:p>
+            <a:r>
+              <a:rPr lang="en-US" dirty="0"/>
+              <a:t>There’s a continuum, and that’s what’s important</a:t>
+            </a:r>
+          </a:p>
+          <a:p>
+            <a:r>
+              <a:rPr lang="en-US" dirty="0"/>
+              <a:t>This course is all about the continuum</a:t>
+            </a:r>
+          </a:p>
+          <a:p>
+            <a:r>
+              <a:rPr lang="en-US" dirty="0"/>
+              <a:t>And… you want to talk about controversy…</a:t>
+            </a:r>
+          </a:p>
+        </p:txBody>
+      </p:sp>
+    </p:spTree>
+    <p:extLst>
+      <p:ext uri="{BB962C8B-B14F-4D97-AF65-F5344CB8AC3E}">
+        <p14:creationId xmlns:p14="http://schemas.microsoft.com/office/powerpoint/2010/main" val="1689033397"/>
+      </p:ext>
+    </p:extLst>
+  </p:cSld>
+  <p:clrMapOvr>
+    <a:masterClrMapping/>
+  </p:clrMapOvr>
+</p:sld>
+</file>
+
+<file path=ppt/slides/slide14.xml><?xml version="1.0" encoding="utf-8"?>
+<p:sld xmlns:a="http://schemas.openxmlformats.org/drawingml/2006/main" xmlns:r="http://schemas.openxmlformats.org/officeDocument/2006/relationships" xmlns:p="http://schemas.openxmlformats.org/presentationml/2006/main">
+  <p:cSld>
+    <p:spTree>
+      <p:nvGrpSpPr>
+        <p:cNvPr id="1" name=""/>
+        <p:cNvGrpSpPr/>
+        <p:nvPr/>
+      </p:nvGrpSpPr>
+      <p:grpSpPr>
+        <a:xfrm>
+          <a:off x="0" y="0"/>
+          <a:ext cx="0" cy="0"/>
+          <a:chOff x="0" y="0"/>
+          <a:chExt cx="0" cy="0"/>
+        </a:xfrm>
+      </p:grpSpPr>
+      <p:sp>
+        <p:nvSpPr>
+          <p:cNvPr id="4" name="Title 3">
+            <a:extLst>
+              <a:ext uri="{FF2B5EF4-FFF2-40B4-BE49-F238E27FC236}">
+                <a16:creationId xmlns:a16="http://schemas.microsoft.com/office/drawing/2014/main" id="{FB33F338-992D-F04D-B0E3-928DB2F89D6F}"/>
+              </a:ext>
+            </a:extLst>
+          </p:cNvPr>
+          <p:cNvSpPr>
+            <a:spLocks noGrp="1"/>
+          </p:cNvSpPr>
+          <p:nvPr>
+            <p:ph type="title"/>
+          </p:nvPr>
+        </p:nvSpPr>
+        <p:spPr/>
+        <p:txBody>
+          <a:bodyPr/>
+          <a:lstStyle/>
+          <a:p>
+            <a:r>
+              <a:rPr lang="en-US" dirty="0"/>
+              <a:t>Let’s look at some examples</a:t>
+            </a:r>
+          </a:p>
+        </p:txBody>
+      </p:sp>
+      <p:sp>
+        <p:nvSpPr>
+          <p:cNvPr id="5" name="Text Placeholder 4">
+            <a:extLst>
+              <a:ext uri="{FF2B5EF4-FFF2-40B4-BE49-F238E27FC236}">
+                <a16:creationId xmlns:a16="http://schemas.microsoft.com/office/drawing/2014/main" id="{6D7A236F-D50F-4845-AC5A-A9729584299B}"/>
+              </a:ext>
+            </a:extLst>
+          </p:cNvPr>
+          <p:cNvSpPr>
+            <a:spLocks noGrp="1"/>
+          </p:cNvSpPr>
+          <p:nvPr>
+            <p:ph type="body" idx="1"/>
+          </p:nvPr>
+        </p:nvSpPr>
+        <p:spPr/>
+        <p:txBody>
+          <a:bodyPr/>
+          <a:lstStyle/>
+          <a:p>
+            <a:r>
+              <a:rPr lang="en-US" dirty="0"/>
+              <a:t>These are taken from various projects that I’ve worked on</a:t>
+            </a:r>
+          </a:p>
+        </p:txBody>
+      </p:sp>
+    </p:spTree>
+    <p:extLst>
+      <p:ext uri="{BB962C8B-B14F-4D97-AF65-F5344CB8AC3E}">
+        <p14:creationId xmlns:p14="http://schemas.microsoft.com/office/powerpoint/2010/main" val="2744596274"/>
+      </p:ext>
+    </p:extLst>
+  </p:cSld>
+  <p:clrMapOvr>
+    <a:masterClrMapping/>
+  </p:clrMapOvr>
+</p:sld>
+</file>
+
+<file path=ppt/slides/slide15.xml><?xml version="1.0" encoding="utf-8"?>
+<p:sld xmlns:a="http://schemas.openxmlformats.org/drawingml/2006/main" xmlns:r="http://schemas.openxmlformats.org/officeDocument/2006/relationships" xmlns:p="http://schemas.openxmlformats.org/presentationml/2006/main">
+  <p:cSld>
+    <p:spTree>
+      <p:nvGrpSpPr>
+        <p:cNvPr id="1" name=""/>
+        <p:cNvGrpSpPr/>
+        <p:nvPr/>
+      </p:nvGrpSpPr>
+      <p:grpSpPr>
+        <a:xfrm>
+          <a:off x="0" y="0"/>
+          <a:ext cx="0" cy="0"/>
+          <a:chOff x="0" y="0"/>
+          <a:chExt cx="0" cy="0"/>
+        </a:xfrm>
+      </p:grpSpPr>
+      <p:sp>
+        <p:nvSpPr>
+          <p:cNvPr id="2" name="Title 1">
+            <a:extLst>
+              <a:ext uri="{FF2B5EF4-FFF2-40B4-BE49-F238E27FC236}">
+                <a16:creationId xmlns:a16="http://schemas.microsoft.com/office/drawing/2014/main" id="{C9898BED-61FF-EB45-BDDA-9D4ECF0DBE7D}"/>
+              </a:ext>
+            </a:extLst>
+          </p:cNvPr>
+          <p:cNvSpPr>
+            <a:spLocks noGrp="1"/>
+          </p:cNvSpPr>
+          <p:nvPr>
+            <p:ph type="title"/>
+          </p:nvPr>
+        </p:nvSpPr>
+        <p:spPr/>
+        <p:txBody>
+          <a:bodyPr/>
+          <a:lstStyle/>
+          <a:p>
+            <a:r>
+              <a:rPr lang="en-US" dirty="0"/>
+              <a:t>18-month detailed integration</a:t>
+            </a:r>
+          </a:p>
+        </p:txBody>
+      </p:sp>
+      <p:pic>
+        <p:nvPicPr>
+          <p:cNvPr id="5" name="Content Placeholder 4">
+            <a:extLst>
+              <a:ext uri="{FF2B5EF4-FFF2-40B4-BE49-F238E27FC236}">
+                <a16:creationId xmlns:a16="http://schemas.microsoft.com/office/drawing/2014/main" id="{0E15E5C5-A196-C54B-8022-71C78C04FDCE}"/>
+              </a:ext>
+            </a:extLst>
+          </p:cNvPr>
+          <p:cNvPicPr>
+            <a:picLocks noGrp="1" noChangeAspect="1"/>
+          </p:cNvPicPr>
+          <p:nvPr>
+            <p:ph idx="1"/>
+          </p:nvPr>
+        </p:nvPicPr>
+        <p:blipFill>
+          <a:blip r:embed="rId2">
+            <a:extLst>
+              <a:ext uri="{28A0092B-C50C-407E-A947-70E740481C1C}">
+                <a14:useLocalDpi xmlns:a14="http://schemas.microsoft.com/office/drawing/2010/main" val="0"/>
+              </a:ext>
+            </a:extLst>
+          </a:blip>
+          <a:stretch>
+            <a:fillRect/>
+          </a:stretch>
+        </p:blipFill>
+        <p:spPr>
+          <a:xfrm>
+            <a:off x="2992842" y="1825625"/>
+            <a:ext cx="6206315" cy="4351338"/>
+          </a:xfrm>
+        </p:spPr>
+      </p:pic>
+    </p:spTree>
+    <p:extLst>
+      <p:ext uri="{BB962C8B-B14F-4D97-AF65-F5344CB8AC3E}">
+        <p14:creationId xmlns:p14="http://schemas.microsoft.com/office/powerpoint/2010/main" val="3275625684"/>
+      </p:ext>
+    </p:extLst>
+  </p:cSld>
+  <p:clrMapOvr>
+    <a:masterClrMapping/>
+  </p:clrMapOvr>
+</p:sld>
+</file>
+
+<file path=ppt/slides/slide16.xml><?xml version="1.0" encoding="utf-8"?>
+<p:sld xmlns:a="http://schemas.openxmlformats.org/drawingml/2006/main" xmlns:r="http://schemas.openxmlformats.org/officeDocument/2006/relationships" xmlns:p="http://schemas.openxmlformats.org/presentationml/2006/main">
+  <p:cSld>
+    <p:spTree>
+      <p:nvGrpSpPr>
+        <p:cNvPr id="1" name=""/>
+        <p:cNvGrpSpPr/>
+        <p:nvPr/>
+      </p:nvGrpSpPr>
+      <p:grpSpPr>
+        <a:xfrm>
+          <a:off x="0" y="0"/>
+          <a:ext cx="0" cy="0"/>
+          <a:chOff x="0" y="0"/>
+          <a:chExt cx="0" cy="0"/>
+        </a:xfrm>
+      </p:grpSpPr>
+      <p:sp>
+        <p:nvSpPr>
+          <p:cNvPr id="6" name="Title 5">
+            <a:extLst>
+              <a:ext uri="{FF2B5EF4-FFF2-40B4-BE49-F238E27FC236}">
+                <a16:creationId xmlns:a16="http://schemas.microsoft.com/office/drawing/2014/main" id="{16AFF953-46B1-5044-9DCE-DDBD73CDC2A8}"/>
+              </a:ext>
+            </a:extLst>
+          </p:cNvPr>
+          <p:cNvSpPr>
+            <a:spLocks noGrp="1"/>
+          </p:cNvSpPr>
+          <p:nvPr>
+            <p:ph type="title"/>
+          </p:nvPr>
+        </p:nvSpPr>
+        <p:spPr/>
+        <p:txBody>
+          <a:bodyPr/>
+          <a:lstStyle/>
+          <a:p>
+            <a:r>
+              <a:rPr lang="en-US" dirty="0"/>
+              <a:t>An “application” in that model</a:t>
+            </a:r>
+          </a:p>
+        </p:txBody>
+      </p:sp>
+      <p:pic>
+        <p:nvPicPr>
+          <p:cNvPr id="5" name="Content Placeholder 4">
+            <a:extLst>
+              <a:ext uri="{FF2B5EF4-FFF2-40B4-BE49-F238E27FC236}">
+                <a16:creationId xmlns:a16="http://schemas.microsoft.com/office/drawing/2014/main" id="{19539023-B6F1-F641-9858-61A9AA5C8E5E}"/>
+              </a:ext>
+            </a:extLst>
+          </p:cNvPr>
+          <p:cNvPicPr>
+            <a:picLocks noGrp="1" noChangeAspect="1"/>
+          </p:cNvPicPr>
+          <p:nvPr>
+            <p:ph idx="1"/>
+          </p:nvPr>
+        </p:nvPicPr>
+        <p:blipFill>
+          <a:blip r:embed="rId2">
+            <a:extLst>
+              <a:ext uri="{28A0092B-C50C-407E-A947-70E740481C1C}">
+                <a14:useLocalDpi xmlns:a14="http://schemas.microsoft.com/office/drawing/2010/main" val="0"/>
+              </a:ext>
+            </a:extLst>
+          </a:blip>
+          <a:stretch>
+            <a:fillRect/>
+          </a:stretch>
+        </p:blipFill>
+        <p:spPr>
+          <a:xfrm>
+            <a:off x="4553886" y="1825625"/>
+            <a:ext cx="3084228" cy="4351338"/>
+          </a:xfrm>
+        </p:spPr>
+      </p:pic>
+    </p:spTree>
+    <p:extLst>
+      <p:ext uri="{BB962C8B-B14F-4D97-AF65-F5344CB8AC3E}">
+        <p14:creationId xmlns:p14="http://schemas.microsoft.com/office/powerpoint/2010/main" val="1221676019"/>
+      </p:ext>
+    </p:extLst>
+  </p:cSld>
+  <p:clrMapOvr>
+    <a:masterClrMapping/>
+  </p:clrMapOvr>
+</p:sld>
+</file>
+
+<file path=ppt/slides/slide17.xml><?xml version="1.0" encoding="utf-8"?>
+<p:sld xmlns:a="http://schemas.openxmlformats.org/drawingml/2006/main" xmlns:r="http://schemas.openxmlformats.org/officeDocument/2006/relationships" xmlns:p="http://schemas.openxmlformats.org/presentationml/2006/main">
+  <p:cSld>
+    <p:spTree>
+      <p:nvGrpSpPr>
+        <p:cNvPr id="1" name=""/>
+        <p:cNvGrpSpPr/>
+        <p:nvPr/>
+      </p:nvGrpSpPr>
+      <p:grpSpPr>
+        <a:xfrm>
+          <a:off x="0" y="0"/>
+          <a:ext cx="0" cy="0"/>
+          <a:chOff x="0" y="0"/>
+          <a:chExt cx="0" cy="0"/>
+        </a:xfrm>
+      </p:grpSpPr>
+      <p:sp>
+        <p:nvSpPr>
+          <p:cNvPr id="2" name="Title 1">
+            <a:extLst>
+              <a:ext uri="{FF2B5EF4-FFF2-40B4-BE49-F238E27FC236}">
+                <a16:creationId xmlns:a16="http://schemas.microsoft.com/office/drawing/2014/main" id="{BD4B0C05-7F30-E643-BEF5-831E921B7E99}"/>
+              </a:ext>
+            </a:extLst>
+          </p:cNvPr>
+          <p:cNvSpPr>
+            <a:spLocks noGrp="1"/>
+          </p:cNvSpPr>
+          <p:nvPr>
+            <p:ph type="title"/>
+          </p:nvPr>
+        </p:nvSpPr>
+        <p:spPr/>
+        <p:txBody>
+          <a:bodyPr/>
+          <a:lstStyle/>
+          <a:p>
+            <a:r>
+              <a:rPr lang="en-US" dirty="0"/>
+              <a:t>One “layer” in the 18-month model</a:t>
+            </a:r>
+          </a:p>
+        </p:txBody>
+      </p:sp>
+      <p:pic>
+        <p:nvPicPr>
+          <p:cNvPr id="5" name="Content Placeholder 4">
+            <a:extLst>
+              <a:ext uri="{FF2B5EF4-FFF2-40B4-BE49-F238E27FC236}">
+                <a16:creationId xmlns:a16="http://schemas.microsoft.com/office/drawing/2014/main" id="{FA033BB2-2E93-FE40-9FC9-DAC9E8116984}"/>
+              </a:ext>
+            </a:extLst>
+          </p:cNvPr>
+          <p:cNvPicPr>
+            <a:picLocks noGrp="1" noChangeAspect="1"/>
+          </p:cNvPicPr>
+          <p:nvPr>
+            <p:ph idx="1"/>
+          </p:nvPr>
+        </p:nvPicPr>
+        <p:blipFill>
+          <a:blip r:embed="rId2">
+            <a:extLst>
+              <a:ext uri="{28A0092B-C50C-407E-A947-70E740481C1C}">
+                <a14:useLocalDpi xmlns:a14="http://schemas.microsoft.com/office/drawing/2010/main" val="0"/>
+              </a:ext>
+            </a:extLst>
+          </a:blip>
+          <a:stretch>
+            <a:fillRect/>
+          </a:stretch>
+        </p:blipFill>
+        <p:spPr>
+          <a:xfrm>
+            <a:off x="3916195" y="1825625"/>
+            <a:ext cx="4359610" cy="4351338"/>
+          </a:xfrm>
+        </p:spPr>
+      </p:pic>
+    </p:spTree>
+    <p:extLst>
+      <p:ext uri="{BB962C8B-B14F-4D97-AF65-F5344CB8AC3E}">
+        <p14:creationId xmlns:p14="http://schemas.microsoft.com/office/powerpoint/2010/main" val="1216411407"/>
+      </p:ext>
+    </p:extLst>
+  </p:cSld>
+  <p:clrMapOvr>
+    <a:masterClrMapping/>
+  </p:clrMapOvr>
+</p:sld>
+</file>
+
+<file path=ppt/slides/slide18.xml><?xml version="1.0" encoding="utf-8"?>
+<p:sld xmlns:a="http://schemas.openxmlformats.org/drawingml/2006/main" xmlns:r="http://schemas.openxmlformats.org/officeDocument/2006/relationships" xmlns:p="http://schemas.openxmlformats.org/presentationml/2006/main">
+  <p:cSld>
+    <p:spTree>
+      <p:nvGrpSpPr>
+        <p:cNvPr id="1" name=""/>
+        <p:cNvGrpSpPr/>
+        <p:nvPr/>
+      </p:nvGrpSpPr>
+      <p:grpSpPr>
+        <a:xfrm>
+          <a:off x="0" y="0"/>
+          <a:ext cx="0" cy="0"/>
+          <a:chOff x="0" y="0"/>
+          <a:chExt cx="0" cy="0"/>
+        </a:xfrm>
+      </p:grpSpPr>
+      <p:sp>
+        <p:nvSpPr>
+          <p:cNvPr id="2" name="Title 1">
+            <a:extLst>
+              <a:ext uri="{FF2B5EF4-FFF2-40B4-BE49-F238E27FC236}">
+                <a16:creationId xmlns:a16="http://schemas.microsoft.com/office/drawing/2014/main" id="{C1CB1F6E-9CFD-0948-9545-1B29E2E6499B}"/>
+              </a:ext>
+            </a:extLst>
+          </p:cNvPr>
+          <p:cNvSpPr>
+            <a:spLocks noGrp="1"/>
+          </p:cNvSpPr>
+          <p:nvPr>
+            <p:ph type="title"/>
+          </p:nvPr>
+        </p:nvSpPr>
+        <p:spPr/>
+        <p:txBody>
+          <a:bodyPr/>
+          <a:lstStyle/>
+          <a:p>
+            <a:r>
+              <a:rPr lang="en-US" dirty="0"/>
+              <a:t>Logical concept map</a:t>
+            </a:r>
+          </a:p>
+        </p:txBody>
+      </p:sp>
+      <p:pic>
+        <p:nvPicPr>
+          <p:cNvPr id="5" name="Content Placeholder 4">
+            <a:extLst>
+              <a:ext uri="{FF2B5EF4-FFF2-40B4-BE49-F238E27FC236}">
+                <a16:creationId xmlns:a16="http://schemas.microsoft.com/office/drawing/2014/main" id="{29FB4F80-E9D4-9740-8200-5A3FB69159A2}"/>
+              </a:ext>
+            </a:extLst>
+          </p:cNvPr>
+          <p:cNvPicPr>
+            <a:picLocks noGrp="1" noChangeAspect="1"/>
+          </p:cNvPicPr>
+          <p:nvPr>
+            <p:ph idx="1"/>
+          </p:nvPr>
+        </p:nvPicPr>
+        <p:blipFill>
+          <a:blip r:embed="rId2">
+            <a:extLst>
+              <a:ext uri="{28A0092B-C50C-407E-A947-70E740481C1C}">
+                <a14:useLocalDpi xmlns:a14="http://schemas.microsoft.com/office/drawing/2010/main" val="0"/>
+              </a:ext>
+            </a:extLst>
+          </a:blip>
+          <a:stretch>
+            <a:fillRect/>
+          </a:stretch>
+        </p:blipFill>
+        <p:spPr>
+          <a:xfrm>
+            <a:off x="3854450" y="2693194"/>
+            <a:ext cx="4483100" cy="2616200"/>
+          </a:xfrm>
+        </p:spPr>
+      </p:pic>
+    </p:spTree>
+    <p:extLst>
+      <p:ext uri="{BB962C8B-B14F-4D97-AF65-F5344CB8AC3E}">
+        <p14:creationId xmlns:p14="http://schemas.microsoft.com/office/powerpoint/2010/main" val="76428056"/>
+      </p:ext>
+    </p:extLst>
+  </p:cSld>
+  <p:clrMapOvr>
+    <a:masterClrMapping/>
+  </p:clrMapOvr>
+</p:sld>
+</file>
+
+<file path=ppt/slides/slide19.xml><?xml version="1.0" encoding="utf-8"?>
+<p:sld xmlns:a="http://schemas.openxmlformats.org/drawingml/2006/main" xmlns:r="http://schemas.openxmlformats.org/officeDocument/2006/relationships" xmlns:p="http://schemas.openxmlformats.org/presentationml/2006/main">
+  <p:cSld>
+    <p:spTree>
+      <p:nvGrpSpPr>
+        <p:cNvPr id="1" name=""/>
+        <p:cNvGrpSpPr/>
+        <p:nvPr/>
+      </p:nvGrpSpPr>
+      <p:grpSpPr>
+        <a:xfrm>
+          <a:off x="0" y="0"/>
+          <a:ext cx="0" cy="0"/>
+          <a:chOff x="0" y="0"/>
+          <a:chExt cx="0" cy="0"/>
+        </a:xfrm>
+      </p:grpSpPr>
+      <p:sp>
+        <p:nvSpPr>
+          <p:cNvPr id="2" name="Title 1">
+            <a:extLst>
+              <a:ext uri="{FF2B5EF4-FFF2-40B4-BE49-F238E27FC236}">
+                <a16:creationId xmlns:a16="http://schemas.microsoft.com/office/drawing/2014/main" id="{3CA454A4-FE43-0042-B8B4-BD2635022CFF}"/>
+              </a:ext>
+            </a:extLst>
+          </p:cNvPr>
+          <p:cNvSpPr>
+            <a:spLocks noGrp="1"/>
+          </p:cNvSpPr>
+          <p:nvPr>
+            <p:ph type="title"/>
+          </p:nvPr>
+        </p:nvSpPr>
+        <p:spPr/>
+        <p:txBody>
+          <a:bodyPr/>
+          <a:lstStyle/>
+          <a:p>
+            <a:r>
+              <a:rPr lang="en-US" dirty="0"/>
+              <a:t>C-level model (see the 18-mo. version)</a:t>
+            </a:r>
+          </a:p>
+        </p:txBody>
+      </p:sp>
+      <p:pic>
+        <p:nvPicPr>
+          <p:cNvPr id="5" name="Content Placeholder 4">
+            <a:extLst>
+              <a:ext uri="{FF2B5EF4-FFF2-40B4-BE49-F238E27FC236}">
+                <a16:creationId xmlns:a16="http://schemas.microsoft.com/office/drawing/2014/main" id="{AC9BCC23-BC2F-C440-9F66-21C48725E7EC}"/>
+              </a:ext>
+            </a:extLst>
+          </p:cNvPr>
+          <p:cNvPicPr>
+            <a:picLocks noGrp="1" noChangeAspect="1"/>
+          </p:cNvPicPr>
+          <p:nvPr>
+            <p:ph idx="1"/>
+          </p:nvPr>
+        </p:nvPicPr>
+        <p:blipFill>
+          <a:blip r:embed="rId2">
+            <a:extLst>
+              <a:ext uri="{28A0092B-C50C-407E-A947-70E740481C1C}">
+                <a14:useLocalDpi xmlns:a14="http://schemas.microsoft.com/office/drawing/2010/main" val="0"/>
+              </a:ext>
+            </a:extLst>
+          </a:blip>
+          <a:stretch>
+            <a:fillRect/>
+          </a:stretch>
+        </p:blipFill>
+        <p:spPr>
+          <a:xfrm>
+            <a:off x="2940328" y="1825625"/>
+            <a:ext cx="6311343" cy="4351338"/>
+          </a:xfrm>
+        </p:spPr>
+      </p:pic>
+    </p:spTree>
+    <p:extLst>
+      <p:ext uri="{BB962C8B-B14F-4D97-AF65-F5344CB8AC3E}">
+        <p14:creationId xmlns:p14="http://schemas.microsoft.com/office/powerpoint/2010/main" val="2150556075"/>
       </p:ext>
     </p:extLst>
   </p:cSld>
@@ -4640,7 +6207,7 @@
               <a:rPr lang="en-US" dirty="0">
                 <a:hlinkClick r:id="rId2"/>
               </a:rPr>
-              <a:t>https://github.com/michaeljon/SU_CPSC_5200_19WQ</a:t>
+              <a:t>https://github.com/michaeljon/SU_CPSC_5200_20WQ</a:t>
             </a:r>
             <a:endParaRPr lang="en-US" dirty="0"/>
           </a:p>
@@ -4704,6 +6271,585 @@
     <p:extLst>
       <p:ext uri="{BB962C8B-B14F-4D97-AF65-F5344CB8AC3E}">
         <p14:creationId xmlns:p14="http://schemas.microsoft.com/office/powerpoint/2010/main" val="281628526"/>
+      </p:ext>
+    </p:extLst>
+  </p:cSld>
+  <p:clrMapOvr>
+    <a:masterClrMapping/>
+  </p:clrMapOvr>
+</p:sld>
+</file>
+
+<file path=ppt/slides/slide20.xml><?xml version="1.0" encoding="utf-8"?>
+<p:sld xmlns:a="http://schemas.openxmlformats.org/drawingml/2006/main" xmlns:r="http://schemas.openxmlformats.org/officeDocument/2006/relationships" xmlns:p="http://schemas.openxmlformats.org/presentationml/2006/main">
+  <p:cSld>
+    <p:spTree>
+      <p:nvGrpSpPr>
+        <p:cNvPr id="1" name=""/>
+        <p:cNvGrpSpPr/>
+        <p:nvPr/>
+      </p:nvGrpSpPr>
+      <p:grpSpPr>
+        <a:xfrm>
+          <a:off x="0" y="0"/>
+          <a:ext cx="0" cy="0"/>
+          <a:chOff x="0" y="0"/>
+          <a:chExt cx="0" cy="0"/>
+        </a:xfrm>
+      </p:grpSpPr>
+      <p:sp>
+        <p:nvSpPr>
+          <p:cNvPr id="2" name="Title 1">
+            <a:extLst>
+              <a:ext uri="{FF2B5EF4-FFF2-40B4-BE49-F238E27FC236}">
+                <a16:creationId xmlns:a16="http://schemas.microsoft.com/office/drawing/2014/main" id="{F81C0E6F-DC8F-A943-A70F-41A57D1F2858}"/>
+              </a:ext>
+            </a:extLst>
+          </p:cNvPr>
+          <p:cNvSpPr>
+            <a:spLocks noGrp="1"/>
+          </p:cNvSpPr>
+          <p:nvPr>
+            <p:ph type="title"/>
+          </p:nvPr>
+        </p:nvSpPr>
+        <p:spPr/>
+        <p:txBody>
+          <a:bodyPr/>
+          <a:lstStyle/>
+          <a:p>
+            <a:r>
+              <a:rPr lang="en-US" dirty="0"/>
+              <a:t>50,000’ C</a:t>
+            </a:r>
+            <a:r>
+              <a:rPr lang="en-US" baseline="30000" dirty="0"/>
+              <a:t>-1</a:t>
+            </a:r>
+            <a:r>
+              <a:rPr lang="en-US" dirty="0"/>
+              <a:t>-level microservices model</a:t>
+            </a:r>
+          </a:p>
+        </p:txBody>
+      </p:sp>
+      <p:pic>
+        <p:nvPicPr>
+          <p:cNvPr id="5" name="Content Placeholder 4">
+            <a:extLst>
+              <a:ext uri="{FF2B5EF4-FFF2-40B4-BE49-F238E27FC236}">
+                <a16:creationId xmlns:a16="http://schemas.microsoft.com/office/drawing/2014/main" id="{E42327E6-006F-4843-BCD9-18122C1AF169}"/>
+              </a:ext>
+            </a:extLst>
+          </p:cNvPr>
+          <p:cNvPicPr>
+            <a:picLocks noGrp="1" noChangeAspect="1"/>
+          </p:cNvPicPr>
+          <p:nvPr>
+            <p:ph idx="1"/>
+          </p:nvPr>
+        </p:nvPicPr>
+        <p:blipFill>
+          <a:blip r:embed="rId2">
+            <a:extLst>
+              <a:ext uri="{28A0092B-C50C-407E-A947-70E740481C1C}">
+                <a14:useLocalDpi xmlns:a14="http://schemas.microsoft.com/office/drawing/2010/main" val="0"/>
+              </a:ext>
+            </a:extLst>
+          </a:blip>
+          <a:stretch>
+            <a:fillRect/>
+          </a:stretch>
+        </p:blipFill>
+        <p:spPr>
+          <a:xfrm>
+            <a:off x="3280428" y="1825625"/>
+            <a:ext cx="5631143" cy="4351338"/>
+          </a:xfrm>
+        </p:spPr>
+      </p:pic>
+    </p:spTree>
+    <p:extLst>
+      <p:ext uri="{BB962C8B-B14F-4D97-AF65-F5344CB8AC3E}">
+        <p14:creationId xmlns:p14="http://schemas.microsoft.com/office/powerpoint/2010/main" val="3846380962"/>
+      </p:ext>
+    </p:extLst>
+  </p:cSld>
+  <p:clrMapOvr>
+    <a:masterClrMapping/>
+  </p:clrMapOvr>
+</p:sld>
+</file>
+
+<file path=ppt/slides/slide21.xml><?xml version="1.0" encoding="utf-8"?>
+<p:sld xmlns:a="http://schemas.openxmlformats.org/drawingml/2006/main" xmlns:r="http://schemas.openxmlformats.org/officeDocument/2006/relationships" xmlns:p="http://schemas.openxmlformats.org/presentationml/2006/main">
+  <p:cSld>
+    <p:spTree>
+      <p:nvGrpSpPr>
+        <p:cNvPr id="1" name=""/>
+        <p:cNvGrpSpPr/>
+        <p:nvPr/>
+      </p:nvGrpSpPr>
+      <p:grpSpPr>
+        <a:xfrm>
+          <a:off x="0" y="0"/>
+          <a:ext cx="0" cy="0"/>
+          <a:chOff x="0" y="0"/>
+          <a:chExt cx="0" cy="0"/>
+        </a:xfrm>
+      </p:grpSpPr>
+      <p:sp>
+        <p:nvSpPr>
+          <p:cNvPr id="2" name="Title 1">
+            <a:extLst>
+              <a:ext uri="{FF2B5EF4-FFF2-40B4-BE49-F238E27FC236}">
+                <a16:creationId xmlns:a16="http://schemas.microsoft.com/office/drawing/2014/main" id="{A7131C5B-CE43-7041-B6CA-E00CF6DFC311}"/>
+              </a:ext>
+            </a:extLst>
+          </p:cNvPr>
+          <p:cNvSpPr>
+            <a:spLocks noGrp="1"/>
+          </p:cNvSpPr>
+          <p:nvPr>
+            <p:ph type="title"/>
+          </p:nvPr>
+        </p:nvSpPr>
+        <p:spPr/>
+        <p:txBody>
+          <a:bodyPr/>
+          <a:lstStyle/>
+          <a:p>
+            <a:r>
+              <a:rPr lang="en-US" dirty="0" err="1"/>
+              <a:t>BillG</a:t>
+            </a:r>
+            <a:r>
+              <a:rPr lang="en-US" dirty="0"/>
+              <a:t> review for ”future” product</a:t>
+            </a:r>
+          </a:p>
+        </p:txBody>
+      </p:sp>
+      <p:pic>
+        <p:nvPicPr>
+          <p:cNvPr id="4" name="Content Placeholder 3">
+            <a:extLst>
+              <a:ext uri="{FF2B5EF4-FFF2-40B4-BE49-F238E27FC236}">
+                <a16:creationId xmlns:a16="http://schemas.microsoft.com/office/drawing/2014/main" id="{94D78AA8-A78A-4B4F-9EB4-FD43D1A1FB30}"/>
+              </a:ext>
+            </a:extLst>
+          </p:cNvPr>
+          <p:cNvPicPr>
+            <a:picLocks noGrp="1" noChangeAspect="1"/>
+          </p:cNvPicPr>
+          <p:nvPr>
+            <p:ph idx="1"/>
+          </p:nvPr>
+        </p:nvPicPr>
+        <p:blipFill>
+          <a:blip r:embed="rId2"/>
+          <a:stretch>
+            <a:fillRect/>
+          </a:stretch>
+        </p:blipFill>
+        <p:spPr>
+          <a:xfrm>
+            <a:off x="3199028" y="1825625"/>
+            <a:ext cx="5793943" cy="4351338"/>
+          </a:xfrm>
+          <a:prstGeom prst="rect">
+            <a:avLst/>
+          </a:prstGeom>
+        </p:spPr>
+      </p:pic>
+    </p:spTree>
+    <p:extLst>
+      <p:ext uri="{BB962C8B-B14F-4D97-AF65-F5344CB8AC3E}">
+        <p14:creationId xmlns:p14="http://schemas.microsoft.com/office/powerpoint/2010/main" val="3210593899"/>
+      </p:ext>
+    </p:extLst>
+  </p:cSld>
+  <p:clrMapOvr>
+    <a:masterClrMapping/>
+  </p:clrMapOvr>
+</p:sld>
+</file>
+
+<file path=ppt/slides/slide22.xml><?xml version="1.0" encoding="utf-8"?>
+<p:sld xmlns:a="http://schemas.openxmlformats.org/drawingml/2006/main" xmlns:r="http://schemas.openxmlformats.org/officeDocument/2006/relationships" xmlns:p="http://schemas.openxmlformats.org/presentationml/2006/main">
+  <p:cSld>
+    <p:spTree>
+      <p:nvGrpSpPr>
+        <p:cNvPr id="1" name=""/>
+        <p:cNvGrpSpPr/>
+        <p:nvPr/>
+      </p:nvGrpSpPr>
+      <p:grpSpPr>
+        <a:xfrm>
+          <a:off x="0" y="0"/>
+          <a:ext cx="0" cy="0"/>
+          <a:chOff x="0" y="0"/>
+          <a:chExt cx="0" cy="0"/>
+        </a:xfrm>
+      </p:grpSpPr>
+      <p:sp>
+        <p:nvSpPr>
+          <p:cNvPr id="2" name="Title 1">
+            <a:extLst>
+              <a:ext uri="{FF2B5EF4-FFF2-40B4-BE49-F238E27FC236}">
+                <a16:creationId xmlns:a16="http://schemas.microsoft.com/office/drawing/2014/main" id="{E769078A-8FFF-0B44-BF79-A550E62177D4}"/>
+              </a:ext>
+            </a:extLst>
+          </p:cNvPr>
+          <p:cNvSpPr>
+            <a:spLocks noGrp="1"/>
+          </p:cNvSpPr>
+          <p:nvPr>
+            <p:ph type="title"/>
+          </p:nvPr>
+        </p:nvSpPr>
+        <p:spPr/>
+        <p:txBody>
+          <a:bodyPr/>
+          <a:lstStyle/>
+          <a:p>
+            <a:r>
+              <a:rPr lang="en-US" dirty="0"/>
+              <a:t>Customer-facing view of previous</a:t>
+            </a:r>
+          </a:p>
+        </p:txBody>
+      </p:sp>
+      <p:pic>
+        <p:nvPicPr>
+          <p:cNvPr id="5" name="Content Placeholder 4">
+            <a:extLst>
+              <a:ext uri="{FF2B5EF4-FFF2-40B4-BE49-F238E27FC236}">
+                <a16:creationId xmlns:a16="http://schemas.microsoft.com/office/drawing/2014/main" id="{E4780A1B-073C-084C-8F69-3292D5E1D94D}"/>
+              </a:ext>
+            </a:extLst>
+          </p:cNvPr>
+          <p:cNvPicPr>
+            <a:picLocks noGrp="1" noChangeAspect="1"/>
+          </p:cNvPicPr>
+          <p:nvPr>
+            <p:ph idx="1"/>
+          </p:nvPr>
+        </p:nvPicPr>
+        <p:blipFill>
+          <a:blip r:embed="rId2"/>
+          <a:stretch>
+            <a:fillRect/>
+          </a:stretch>
+        </p:blipFill>
+        <p:spPr>
+          <a:xfrm>
+            <a:off x="3197459" y="1825625"/>
+            <a:ext cx="5797082" cy="4351338"/>
+          </a:xfrm>
+          <a:prstGeom prst="rect">
+            <a:avLst/>
+          </a:prstGeom>
+        </p:spPr>
+      </p:pic>
+    </p:spTree>
+    <p:extLst>
+      <p:ext uri="{BB962C8B-B14F-4D97-AF65-F5344CB8AC3E}">
+        <p14:creationId xmlns:p14="http://schemas.microsoft.com/office/powerpoint/2010/main" val="2589144616"/>
+      </p:ext>
+    </p:extLst>
+  </p:cSld>
+  <p:clrMapOvr>
+    <a:masterClrMapping/>
+  </p:clrMapOvr>
+</p:sld>
+</file>
+
+<file path=ppt/slides/slide23.xml><?xml version="1.0" encoding="utf-8"?>
+<p:sld xmlns:a="http://schemas.openxmlformats.org/drawingml/2006/main" xmlns:r="http://schemas.openxmlformats.org/officeDocument/2006/relationships" xmlns:p="http://schemas.openxmlformats.org/presentationml/2006/main">
+  <p:cSld>
+    <p:spTree>
+      <p:nvGrpSpPr>
+        <p:cNvPr id="1" name=""/>
+        <p:cNvGrpSpPr/>
+        <p:nvPr/>
+      </p:nvGrpSpPr>
+      <p:grpSpPr>
+        <a:xfrm>
+          <a:off x="0" y="0"/>
+          <a:ext cx="0" cy="0"/>
+          <a:chOff x="0" y="0"/>
+          <a:chExt cx="0" cy="0"/>
+        </a:xfrm>
+      </p:grpSpPr>
+      <p:sp>
+        <p:nvSpPr>
+          <p:cNvPr id="2" name="Title 1">
+            <a:extLst>
+              <a:ext uri="{FF2B5EF4-FFF2-40B4-BE49-F238E27FC236}">
+                <a16:creationId xmlns:a16="http://schemas.microsoft.com/office/drawing/2014/main" id="{206389D4-E7F9-954F-9311-3FAB881A6858}"/>
+              </a:ext>
+            </a:extLst>
+          </p:cNvPr>
+          <p:cNvSpPr>
+            <a:spLocks noGrp="1"/>
+          </p:cNvSpPr>
+          <p:nvPr>
+            <p:ph type="title"/>
+          </p:nvPr>
+        </p:nvSpPr>
+        <p:spPr/>
+        <p:txBody>
+          <a:bodyPr/>
+          <a:lstStyle/>
+          <a:p>
+            <a:r>
+              <a:rPr lang="en-US" dirty="0"/>
+              <a:t>Dev-level “standardized” web app</a:t>
+            </a:r>
+          </a:p>
+        </p:txBody>
+      </p:sp>
+      <p:pic>
+        <p:nvPicPr>
+          <p:cNvPr id="4" name="Content Placeholder 3">
+            <a:extLst>
+              <a:ext uri="{FF2B5EF4-FFF2-40B4-BE49-F238E27FC236}">
+                <a16:creationId xmlns:a16="http://schemas.microsoft.com/office/drawing/2014/main" id="{36857528-BD1A-7940-9B57-283010650AE2}"/>
+              </a:ext>
+            </a:extLst>
+          </p:cNvPr>
+          <p:cNvPicPr>
+            <a:picLocks noGrp="1" noChangeAspect="1"/>
+          </p:cNvPicPr>
+          <p:nvPr>
+            <p:ph idx="1"/>
+          </p:nvPr>
+        </p:nvPicPr>
+        <p:blipFill>
+          <a:blip r:embed="rId2"/>
+          <a:stretch>
+            <a:fillRect/>
+          </a:stretch>
+        </p:blipFill>
+        <p:spPr>
+          <a:xfrm>
+            <a:off x="3131268" y="1825625"/>
+            <a:ext cx="5929464" cy="4351338"/>
+          </a:xfrm>
+          <a:prstGeom prst="rect">
+            <a:avLst/>
+          </a:prstGeom>
+        </p:spPr>
+      </p:pic>
+    </p:spTree>
+    <p:extLst>
+      <p:ext uri="{BB962C8B-B14F-4D97-AF65-F5344CB8AC3E}">
+        <p14:creationId xmlns:p14="http://schemas.microsoft.com/office/powerpoint/2010/main" val="2165793277"/>
+      </p:ext>
+    </p:extLst>
+  </p:cSld>
+  <p:clrMapOvr>
+    <a:masterClrMapping/>
+  </p:clrMapOvr>
+</p:sld>
+</file>
+
+<file path=ppt/slides/slide24.xml><?xml version="1.0" encoding="utf-8"?>
+<p:sld xmlns:a="http://schemas.openxmlformats.org/drawingml/2006/main" xmlns:r="http://schemas.openxmlformats.org/officeDocument/2006/relationships" xmlns:p="http://schemas.openxmlformats.org/presentationml/2006/main">
+  <p:cSld>
+    <p:spTree>
+      <p:nvGrpSpPr>
+        <p:cNvPr id="1" name=""/>
+        <p:cNvGrpSpPr/>
+        <p:nvPr/>
+      </p:nvGrpSpPr>
+      <p:grpSpPr>
+        <a:xfrm>
+          <a:off x="0" y="0"/>
+          <a:ext cx="0" cy="0"/>
+          <a:chOff x="0" y="0"/>
+          <a:chExt cx="0" cy="0"/>
+        </a:xfrm>
+      </p:grpSpPr>
+      <p:sp>
+        <p:nvSpPr>
+          <p:cNvPr id="2" name="Title 1">
+            <a:extLst>
+              <a:ext uri="{FF2B5EF4-FFF2-40B4-BE49-F238E27FC236}">
+                <a16:creationId xmlns:a16="http://schemas.microsoft.com/office/drawing/2014/main" id="{9BD7E18C-40EB-D147-87E6-F5FF76B87335}"/>
+              </a:ext>
+            </a:extLst>
+          </p:cNvPr>
+          <p:cNvSpPr>
+            <a:spLocks noGrp="1"/>
+          </p:cNvSpPr>
+          <p:nvPr>
+            <p:ph type="title"/>
+          </p:nvPr>
+        </p:nvSpPr>
+        <p:spPr/>
+        <p:txBody>
+          <a:bodyPr/>
+          <a:lstStyle/>
+          <a:p>
+            <a:r>
+              <a:rPr lang="en-US" dirty="0"/>
+              <a:t>SME-facing concept model</a:t>
+            </a:r>
+          </a:p>
+        </p:txBody>
+      </p:sp>
+      <p:pic>
+        <p:nvPicPr>
+          <p:cNvPr id="4" name="Content Placeholder 3">
+            <a:extLst>
+              <a:ext uri="{FF2B5EF4-FFF2-40B4-BE49-F238E27FC236}">
+                <a16:creationId xmlns:a16="http://schemas.microsoft.com/office/drawing/2014/main" id="{DE99FB21-D698-DF44-97F5-32CA760B9514}"/>
+              </a:ext>
+            </a:extLst>
+          </p:cNvPr>
+          <p:cNvPicPr>
+            <a:picLocks noGrp="1" noChangeAspect="1"/>
+          </p:cNvPicPr>
+          <p:nvPr>
+            <p:ph idx="1"/>
+          </p:nvPr>
+        </p:nvPicPr>
+        <p:blipFill>
+          <a:blip r:embed="rId2"/>
+          <a:stretch>
+            <a:fillRect/>
+          </a:stretch>
+        </p:blipFill>
+        <p:spPr>
+          <a:xfrm>
+            <a:off x="2734841" y="1825625"/>
+            <a:ext cx="6722317" cy="4351338"/>
+          </a:xfrm>
+          <a:prstGeom prst="rect">
+            <a:avLst/>
+          </a:prstGeom>
+        </p:spPr>
+      </p:pic>
+    </p:spTree>
+    <p:extLst>
+      <p:ext uri="{BB962C8B-B14F-4D97-AF65-F5344CB8AC3E}">
+        <p14:creationId xmlns:p14="http://schemas.microsoft.com/office/powerpoint/2010/main" val="3812959360"/>
+      </p:ext>
+    </p:extLst>
+  </p:cSld>
+  <p:clrMapOvr>
+    <a:masterClrMapping/>
+  </p:clrMapOvr>
+</p:sld>
+</file>
+
+<file path=ppt/slides/slide25.xml><?xml version="1.0" encoding="utf-8"?>
+<p:sld xmlns:a="http://schemas.openxmlformats.org/drawingml/2006/main" xmlns:r="http://schemas.openxmlformats.org/officeDocument/2006/relationships" xmlns:p="http://schemas.openxmlformats.org/presentationml/2006/main">
+  <p:cSld>
+    <p:spTree>
+      <p:nvGrpSpPr>
+        <p:cNvPr id="1" name=""/>
+        <p:cNvGrpSpPr/>
+        <p:nvPr/>
+      </p:nvGrpSpPr>
+      <p:grpSpPr>
+        <a:xfrm>
+          <a:off x="0" y="0"/>
+          <a:ext cx="0" cy="0"/>
+          <a:chOff x="0" y="0"/>
+          <a:chExt cx="0" cy="0"/>
+        </a:xfrm>
+      </p:grpSpPr>
+      <p:sp>
+        <p:nvSpPr>
+          <p:cNvPr id="2" name="Title 1">
+            <a:extLst>
+              <a:ext uri="{FF2B5EF4-FFF2-40B4-BE49-F238E27FC236}">
+                <a16:creationId xmlns:a16="http://schemas.microsoft.com/office/drawing/2014/main" id="{8E88CEC7-E63A-494C-9BC2-DB90A7014CD6}"/>
+              </a:ext>
+            </a:extLst>
+          </p:cNvPr>
+          <p:cNvSpPr>
+            <a:spLocks noGrp="1"/>
+          </p:cNvSpPr>
+          <p:nvPr>
+            <p:ph type="title"/>
+          </p:nvPr>
+        </p:nvSpPr>
+        <p:spPr/>
+        <p:txBody>
+          <a:bodyPr/>
+          <a:lstStyle/>
+          <a:p>
+            <a:r>
+              <a:rPr lang="en-US" dirty="0"/>
+              <a:t>For next time</a:t>
+            </a:r>
+          </a:p>
+        </p:txBody>
+      </p:sp>
+      <p:sp>
+        <p:nvSpPr>
+          <p:cNvPr id="3" name="Content Placeholder 2">
+            <a:extLst>
+              <a:ext uri="{FF2B5EF4-FFF2-40B4-BE49-F238E27FC236}">
+                <a16:creationId xmlns:a16="http://schemas.microsoft.com/office/drawing/2014/main" id="{FB271E12-C72C-F04C-A888-26907388E52C}"/>
+              </a:ext>
+            </a:extLst>
+          </p:cNvPr>
+          <p:cNvSpPr>
+            <a:spLocks noGrp="1"/>
+          </p:cNvSpPr>
+          <p:nvPr>
+            <p:ph idx="1"/>
+          </p:nvPr>
+        </p:nvSpPr>
+        <p:spPr/>
+        <p:txBody>
+          <a:bodyPr/>
+          <a:lstStyle/>
+          <a:p>
+            <a:pPr marL="0" indent="0">
+              <a:buNone/>
+            </a:pPr>
+            <a:r>
+              <a:rPr lang="en-US" dirty="0"/>
+              <a:t>We are going to cover the REST architectural style</a:t>
+            </a:r>
+          </a:p>
+          <a:p>
+            <a:pPr marL="0" indent="0">
+              <a:buNone/>
+            </a:pPr>
+            <a:r>
+              <a:rPr lang="en-US" dirty="0"/>
+              <a:t>Please read (at least) chapter 5 of Roy Fielding’s dissertation</a:t>
+            </a:r>
+          </a:p>
+          <a:p>
+            <a:pPr marL="0" indent="0">
+              <a:buNone/>
+            </a:pPr>
+            <a:r>
+              <a:rPr lang="en-US" sz="2000" dirty="0"/>
+              <a:t>	</a:t>
+            </a:r>
+            <a:r>
+              <a:rPr lang="en-US" sz="2000" dirty="0">
+                <a:hlinkClick r:id="rId2"/>
+              </a:rPr>
+              <a:t>http://www.ics.uci.edu/~fielding/pubs/dissertation/top.htm</a:t>
+            </a:r>
+            <a:endParaRPr lang="en-US" sz="2000" dirty="0"/>
+          </a:p>
+        </p:txBody>
+      </p:sp>
+    </p:spTree>
+    <p:extLst>
+      <p:ext uri="{BB962C8B-B14F-4D97-AF65-F5344CB8AC3E}">
+        <p14:creationId xmlns:p14="http://schemas.microsoft.com/office/powerpoint/2010/main" val="2764439232"/>
       </p:ext>
     </p:extLst>
   </p:cSld>
@@ -5302,7 +7448,7 @@
             </a:pPr>
             <a:r>
               <a:rPr lang="en-US" dirty="0"/>
-              <a:t>Eight teams of four people each (two teams will be larger)</a:t>
+              <a:t>Teams of four people each (# TBD based on class size)</a:t>
             </a:r>
           </a:p>
           <a:p>
@@ -5356,6 +7502,15 @@
             <a:r>
               <a:rPr lang="en-US" dirty="0"/>
               <a:t> system</a:t>
+            </a:r>
+          </a:p>
+          <a:p>
+            <a:pPr marL="0" indent="0">
+              <a:buNone/>
+            </a:pPr>
+            <a:r>
+              <a:rPr lang="en-US" dirty="0"/>
+              <a:t>You will submit 3 architecture / design papers (per team)</a:t>
             </a:r>
           </a:p>
           <a:p>
@@ -5536,7 +7691,7 @@
             </a:pPr>
             <a:r>
               <a:rPr lang="en-US" dirty="0"/>
-              <a:t>Two “correctness” measures</a:t>
+              <a:t>But… two “correctness” measures</a:t>
             </a:r>
           </a:p>
           <a:p>
@@ -6134,7 +8289,13 @@
       </p:grpSpPr>
       <p:sp>
         <p:nvSpPr>
-          <p:cNvPr id="4" name="Title 3"/>
+          <p:cNvPr id="5" name="Title 4">
+            <a:extLst>
+              <a:ext uri="{FF2B5EF4-FFF2-40B4-BE49-F238E27FC236}">
+                <a16:creationId xmlns:a16="http://schemas.microsoft.com/office/drawing/2014/main" id="{21F03E92-7A0E-5A4F-97EA-E2518802C75F}"/>
+              </a:ext>
+            </a:extLst>
+          </p:cNvPr>
           <p:cNvSpPr>
             <a:spLocks noGrp="1"/>
           </p:cNvSpPr>
@@ -6149,14 +8310,20 @@
           <a:p>
             <a:r>
               <a:rPr lang="en-US" dirty="0"/>
-              <a:t>Introduction</a:t>
-            </a:r>
-          </a:p>
-        </p:txBody>
-      </p:sp>
-      <p:sp>
-        <p:nvSpPr>
-          <p:cNvPr id="5" name="Text Placeholder 4"/>
+              <a:t>Any questions so far?</a:t>
+            </a:r>
+          </a:p>
+        </p:txBody>
+      </p:sp>
+      <p:sp>
+        <p:nvSpPr>
+          <p:cNvPr id="6" name="Text Placeholder 5">
+            <a:extLst>
+              <a:ext uri="{FF2B5EF4-FFF2-40B4-BE49-F238E27FC236}">
+                <a16:creationId xmlns:a16="http://schemas.microsoft.com/office/drawing/2014/main" id="{2C328671-7808-C646-BBDD-48F9C576AB34}"/>
+              </a:ext>
+            </a:extLst>
+          </p:cNvPr>
           <p:cNvSpPr>
             <a:spLocks noGrp="1"/>
           </p:cNvSpPr>
@@ -6169,22 +8336,14 @@
           <a:bodyPr/>
           <a:lstStyle/>
           <a:p>
-            <a:r>
-              <a:rPr lang="en-US" dirty="0"/>
-              <a:t>We need to start somewhere, this seems like a </a:t>
-            </a:r>
-            <a:r>
-              <a:rPr lang="en-US"/>
-              <a:t>good place</a:t>
-            </a:r>
-            <a:endParaRPr lang="en-US" dirty="0"/>
+            <a:endParaRPr lang="en-US"/>
           </a:p>
         </p:txBody>
       </p:sp>
     </p:spTree>
     <p:extLst>
       <p:ext uri="{BB962C8B-B14F-4D97-AF65-F5344CB8AC3E}">
-        <p14:creationId xmlns:p14="http://schemas.microsoft.com/office/powerpoint/2010/main" val="2579962451"/>
+        <p14:creationId xmlns:p14="http://schemas.microsoft.com/office/powerpoint/2010/main" val="1943180212"/>
       </p:ext>
     </p:extLst>
   </p:cSld>
@@ -6213,13 +8372,7 @@
       </p:grpSpPr>
       <p:sp>
         <p:nvSpPr>
-          <p:cNvPr id="2" name="Title 1">
-            <a:extLst>
-              <a:ext uri="{FF2B5EF4-FFF2-40B4-BE49-F238E27FC236}">
-                <a16:creationId xmlns:a16="http://schemas.microsoft.com/office/drawing/2014/main" id="{957309F5-C9EE-1E4C-B839-B1A47EFAE97A}"/>
-              </a:ext>
-            </a:extLst>
-          </p:cNvPr>
+          <p:cNvPr id="4" name="Title 3"/>
           <p:cNvSpPr>
             <a:spLocks noGrp="1"/>
           </p:cNvSpPr>
@@ -6234,97 +8387,42 @@
           <a:p>
             <a:r>
               <a:rPr lang="en-US" dirty="0"/>
-              <a:t>What is this architecture thing?</a:t>
-            </a:r>
-          </a:p>
-        </p:txBody>
-      </p:sp>
-      <p:sp>
-        <p:nvSpPr>
-          <p:cNvPr id="3" name="Content Placeholder 2">
-            <a:extLst>
-              <a:ext uri="{FF2B5EF4-FFF2-40B4-BE49-F238E27FC236}">
-                <a16:creationId xmlns:a16="http://schemas.microsoft.com/office/drawing/2014/main" id="{B62E1A3E-F38E-904B-B8F7-D5A1398467AD}"/>
-              </a:ext>
-            </a:extLst>
-          </p:cNvPr>
-          <p:cNvSpPr>
-            <a:spLocks noGrp="1"/>
-          </p:cNvSpPr>
-          <p:nvPr>
-            <p:ph idx="1"/>
+              <a:t>Introduction</a:t>
+            </a:r>
+          </a:p>
+        </p:txBody>
+      </p:sp>
+      <p:sp>
+        <p:nvSpPr>
+          <p:cNvPr id="5" name="Text Placeholder 4"/>
+          <p:cNvSpPr>
+            <a:spLocks noGrp="1"/>
+          </p:cNvSpPr>
+          <p:nvPr>
+            <p:ph type="body" idx="1"/>
           </p:nvPr>
         </p:nvSpPr>
         <p:spPr/>
         <p:txBody>
-          <a:bodyPr>
-            <a:normAutofit/>
-          </a:bodyPr>
-          <a:lstStyle/>
-          <a:p>
-            <a:pPr marL="0" indent="0">
-              <a:buNone/>
-            </a:pPr>
-            <a:r>
-              <a:rPr lang="en-US" dirty="0"/>
-              <a:t>Run-time abstraction view</a:t>
-            </a:r>
-          </a:p>
-          <a:p>
-            <a:pPr marL="457200" lvl="1" indent="0">
-              <a:buNone/>
-            </a:pPr>
-            <a:r>
-              <a:rPr lang="en-US" dirty="0"/>
-              <a:t>A </a:t>
-            </a:r>
-            <a:r>
-              <a:rPr lang="en-US" b="1" dirty="0"/>
-              <a:t>software architecture </a:t>
-            </a:r>
-            <a:r>
-              <a:rPr lang="en-US" dirty="0"/>
-              <a:t>is an abstraction of the run-time elements of a software system during some phase of its operation. A system may be composed of many levels of abstraction and many phases of operation, each with its own software architecture.</a:t>
-            </a:r>
-          </a:p>
-          <a:p>
-            <a:pPr marL="0" indent="0">
-              <a:buNone/>
-            </a:pPr>
+          <a:bodyPr/>
+          <a:lstStyle/>
+          <a:p>
+            <a:r>
+              <a:rPr lang="en-US" dirty="0"/>
+              <a:t>We need to start somewhere, this seems like a </a:t>
+            </a:r>
+            <a:r>
+              <a:rPr lang="en-US"/>
+              <a:t>good place</a:t>
+            </a:r>
             <a:endParaRPr lang="en-US" dirty="0"/>
-          </a:p>
-          <a:p>
-            <a:pPr marL="0" indent="0">
-              <a:buNone/>
-            </a:pPr>
-            <a:r>
-              <a:rPr lang="en-US" dirty="0"/>
-              <a:t>Elemental view</a:t>
-            </a:r>
-          </a:p>
-          <a:p>
-            <a:pPr marL="457200" lvl="1" indent="0">
-              <a:buNone/>
-            </a:pPr>
-            <a:r>
-              <a:rPr lang="en-US" dirty="0"/>
-              <a:t>A </a:t>
-            </a:r>
-            <a:r>
-              <a:rPr lang="en-US" b="1" dirty="0"/>
-              <a:t>software architecture</a:t>
-            </a:r>
-            <a:r>
-              <a:rPr lang="en-US" dirty="0"/>
-              <a:t> is defined by a configuration of architectural elements - components, connectors, and data - constrained in their relationships in order to achieve a desired set of architectural properties.</a:t>
-            </a:r>
           </a:p>
         </p:txBody>
       </p:sp>
     </p:spTree>
     <p:extLst>
       <p:ext uri="{BB962C8B-B14F-4D97-AF65-F5344CB8AC3E}">
-        <p14:creationId xmlns:p14="http://schemas.microsoft.com/office/powerpoint/2010/main" val="657190373"/>
+        <p14:creationId xmlns:p14="http://schemas.microsoft.com/office/powerpoint/2010/main" val="2579962451"/>
       </p:ext>
     </p:extLst>
   </p:cSld>

--- a/lectures/01 - Introduction.pptx
+++ b/lectures/01 - Introduction.pptx
@@ -5,34 +5,35 @@
     <p:sldMasterId id="2147483660" r:id="rId1"/>
   </p:sldMasterIdLst>
   <p:notesMasterIdLst>
-    <p:notesMasterId r:id="rId27"/>
+    <p:notesMasterId r:id="rId28"/>
   </p:notesMasterIdLst>
   <p:sldIdLst>
     <p:sldId id="313" r:id="rId2"/>
     <p:sldId id="257" r:id="rId3"/>
-    <p:sldId id="318" r:id="rId4"/>
-    <p:sldId id="259" r:id="rId5"/>
-    <p:sldId id="258" r:id="rId6"/>
-    <p:sldId id="260" r:id="rId7"/>
-    <p:sldId id="319" r:id="rId8"/>
-    <p:sldId id="320" r:id="rId9"/>
-    <p:sldId id="261" r:id="rId10"/>
-    <p:sldId id="314" r:id="rId11"/>
-    <p:sldId id="315" r:id="rId12"/>
-    <p:sldId id="316" r:id="rId13"/>
-    <p:sldId id="332" r:id="rId14"/>
-    <p:sldId id="331" r:id="rId15"/>
-    <p:sldId id="321" r:id="rId16"/>
-    <p:sldId id="322" r:id="rId17"/>
-    <p:sldId id="323" r:id="rId18"/>
-    <p:sldId id="324" r:id="rId19"/>
-    <p:sldId id="325" r:id="rId20"/>
-    <p:sldId id="326" r:id="rId21"/>
-    <p:sldId id="327" r:id="rId22"/>
-    <p:sldId id="328" r:id="rId23"/>
-    <p:sldId id="329" r:id="rId24"/>
-    <p:sldId id="330" r:id="rId25"/>
-    <p:sldId id="333" r:id="rId26"/>
+    <p:sldId id="334" r:id="rId4"/>
+    <p:sldId id="318" r:id="rId5"/>
+    <p:sldId id="259" r:id="rId6"/>
+    <p:sldId id="258" r:id="rId7"/>
+    <p:sldId id="260" r:id="rId8"/>
+    <p:sldId id="319" r:id="rId9"/>
+    <p:sldId id="320" r:id="rId10"/>
+    <p:sldId id="261" r:id="rId11"/>
+    <p:sldId id="314" r:id="rId12"/>
+    <p:sldId id="315" r:id="rId13"/>
+    <p:sldId id="316" r:id="rId14"/>
+    <p:sldId id="332" r:id="rId15"/>
+    <p:sldId id="331" r:id="rId16"/>
+    <p:sldId id="321" r:id="rId17"/>
+    <p:sldId id="322" r:id="rId18"/>
+    <p:sldId id="323" r:id="rId19"/>
+    <p:sldId id="324" r:id="rId20"/>
+    <p:sldId id="325" r:id="rId21"/>
+    <p:sldId id="326" r:id="rId22"/>
+    <p:sldId id="327" r:id="rId23"/>
+    <p:sldId id="328" r:id="rId24"/>
+    <p:sldId id="329" r:id="rId25"/>
+    <p:sldId id="330" r:id="rId26"/>
+    <p:sldId id="333" r:id="rId27"/>
   </p:sldIdLst>
   <p:sldSz cx="12192000" cy="6858000"/>
   <p:notesSz cx="6858000" cy="9144000"/>
@@ -142,7 +143,7 @@
 <file path=ppt/revisionInfo.xml><?xml version="1.0" encoding="utf-8"?>
 <p1510:revInfo xmlns:a="http://schemas.openxmlformats.org/drawingml/2006/main" xmlns:r="http://schemas.openxmlformats.org/officeDocument/2006/relationships" xmlns:p1510="http://schemas.microsoft.com/office/powerpoint/2015/10/main">
   <p1510:revLst>
-    <p1510:client id="{7EF091A2-6ACD-7C44-BF26-8B2484B06C9B}" v="28" dt="2020-01-07T23:42:42.788"/>
+    <p1510:client id="{7EF091A2-6ACD-7C44-BF26-8B2484B06C9B}" v="36" dt="2020-01-07T23:54:34.493"/>
   </p1510:revLst>
 </p1510:revInfo>
 </file>
@@ -152,18 +153,18 @@
   <pc:docChgLst>
     <pc:chgData name="Michaeljon Miller" userId="c575fe5cddd8b8cf" providerId="LiveId" clId="{7EF091A2-6ACD-7C44-BF26-8B2484B06C9B}"/>
     <pc:docChg chg="undo custSel addSld delSld modSld sldOrd">
-      <pc:chgData name="Michaeljon Miller" userId="c575fe5cddd8b8cf" providerId="LiveId" clId="{7EF091A2-6ACD-7C44-BF26-8B2484B06C9B}" dt="2020-01-07T23:43:53.562" v="1812" actId="20577"/>
+      <pc:chgData name="Michaeljon Miller" userId="c575fe5cddd8b8cf" providerId="LiveId" clId="{7EF091A2-6ACD-7C44-BF26-8B2484B06C9B}" dt="2020-01-07T23:55:21.960" v="2476" actId="20577"/>
       <pc:docMkLst>
         <pc:docMk/>
       </pc:docMkLst>
       <pc:sldChg chg="modSp">
-        <pc:chgData name="Michaeljon Miller" userId="c575fe5cddd8b8cf" providerId="LiveId" clId="{7EF091A2-6ACD-7C44-BF26-8B2484B06C9B}" dt="2020-01-07T22:58:35.419" v="536" actId="20577"/>
+        <pc:chgData name="Michaeljon Miller" userId="c575fe5cddd8b8cf" providerId="LiveId" clId="{7EF091A2-6ACD-7C44-BF26-8B2484B06C9B}" dt="2020-01-07T23:48:30.849" v="1946" actId="113"/>
         <pc:sldMkLst>
           <pc:docMk/>
           <pc:sldMk cId="281628526" sldId="257"/>
         </pc:sldMkLst>
         <pc:spChg chg="mod">
-          <ac:chgData name="Michaeljon Miller" userId="c575fe5cddd8b8cf" providerId="LiveId" clId="{7EF091A2-6ACD-7C44-BF26-8B2484B06C9B}" dt="2020-01-07T22:58:35.419" v="536" actId="20577"/>
+          <ac:chgData name="Michaeljon Miller" userId="c575fe5cddd8b8cf" providerId="LiveId" clId="{7EF091A2-6ACD-7C44-BF26-8B2484B06C9B}" dt="2020-01-07T23:48:30.849" v="1946" actId="113"/>
           <ac:spMkLst>
             <pc:docMk/>
             <pc:sldMk cId="281628526" sldId="257"/>
@@ -495,8 +496,8 @@
           </ac:picMkLst>
         </pc:picChg>
       </pc:sldChg>
-      <pc:sldChg chg="addSp delSp modSp new">
-        <pc:chgData name="Michaeljon Miller" userId="c575fe5cddd8b8cf" providerId="LiveId" clId="{7EF091A2-6ACD-7C44-BF26-8B2484B06C9B}" dt="2020-01-07T23:20:05.598" v="1130" actId="20577"/>
+      <pc:sldChg chg="addSp delSp modSp new ord">
+        <pc:chgData name="Michaeljon Miller" userId="c575fe5cddd8b8cf" providerId="LiveId" clId="{7EF091A2-6ACD-7C44-BF26-8B2484B06C9B}" dt="2020-01-07T23:44:12.820" v="1816" actId="2046"/>
         <pc:sldMkLst>
           <pc:docMk/>
           <pc:sldMk cId="3210593899" sldId="327"/>
@@ -526,8 +527,8 @@
           </ac:picMkLst>
         </pc:picChg>
       </pc:sldChg>
-      <pc:sldChg chg="addSp delSp modSp new">
-        <pc:chgData name="Michaeljon Miller" userId="c575fe5cddd8b8cf" providerId="LiveId" clId="{7EF091A2-6ACD-7C44-BF26-8B2484B06C9B}" dt="2020-01-07T23:20:35.571" v="1180" actId="20577"/>
+      <pc:sldChg chg="addSp delSp modSp new ord">
+        <pc:chgData name="Michaeljon Miller" userId="c575fe5cddd8b8cf" providerId="LiveId" clId="{7EF091A2-6ACD-7C44-BF26-8B2484B06C9B}" dt="2020-01-07T23:44:12.518" v="1815" actId="2046"/>
         <pc:sldMkLst>
           <pc:docMk/>
           <pc:sldMk cId="2589144616" sldId="328"/>
@@ -761,7 +762,7 @@
         </pc:spChg>
       </pc:sldChg>
       <pc:sldChg chg="modSp new">
-        <pc:chgData name="Michaeljon Miller" userId="c575fe5cddd8b8cf" providerId="LiveId" clId="{7EF091A2-6ACD-7C44-BF26-8B2484B06C9B}" dt="2020-01-07T23:42:58.136" v="1791" actId="20577"/>
+        <pc:chgData name="Michaeljon Miller" userId="c575fe5cddd8b8cf" providerId="LiveId" clId="{7EF091A2-6ACD-7C44-BF26-8B2484B06C9B}" dt="2020-01-07T23:46:28.251" v="1878" actId="114"/>
         <pc:sldMkLst>
           <pc:docMk/>
           <pc:sldMk cId="2764439232" sldId="333"/>
@@ -775,11 +776,34 @@
           </ac:spMkLst>
         </pc:spChg>
         <pc:spChg chg="mod">
-          <ac:chgData name="Michaeljon Miller" userId="c575fe5cddd8b8cf" providerId="LiveId" clId="{7EF091A2-6ACD-7C44-BF26-8B2484B06C9B}" dt="2020-01-07T23:42:58.136" v="1791" actId="20577"/>
+          <ac:chgData name="Michaeljon Miller" userId="c575fe5cddd8b8cf" providerId="LiveId" clId="{7EF091A2-6ACD-7C44-BF26-8B2484B06C9B}" dt="2020-01-07T23:46:28.251" v="1878" actId="114"/>
           <ac:spMkLst>
             <pc:docMk/>
             <pc:sldMk cId="2764439232" sldId="333"/>
             <ac:spMk id="3" creationId="{FB271E12-C72C-F04C-A888-26907388E52C}"/>
+          </ac:spMkLst>
+        </pc:spChg>
+      </pc:sldChg>
+      <pc:sldChg chg="modSp new">
+        <pc:chgData name="Michaeljon Miller" userId="c575fe5cddd8b8cf" providerId="LiveId" clId="{7EF091A2-6ACD-7C44-BF26-8B2484B06C9B}" dt="2020-01-07T23:55:21.960" v="2476" actId="20577"/>
+        <pc:sldMkLst>
+          <pc:docMk/>
+          <pc:sldMk cId="40077599" sldId="334"/>
+        </pc:sldMkLst>
+        <pc:spChg chg="mod">
+          <ac:chgData name="Michaeljon Miller" userId="c575fe5cddd8b8cf" providerId="LiveId" clId="{7EF091A2-6ACD-7C44-BF26-8B2484B06C9B}" dt="2020-01-07T23:50:00.559" v="1977" actId="20577"/>
+          <ac:spMkLst>
+            <pc:docMk/>
+            <pc:sldMk cId="40077599" sldId="334"/>
+            <ac:spMk id="2" creationId="{858BF18B-AD69-7C4E-BE91-DD5D7417B507}"/>
+          </ac:spMkLst>
+        </pc:spChg>
+        <pc:spChg chg="mod">
+          <ac:chgData name="Michaeljon Miller" userId="c575fe5cddd8b8cf" providerId="LiveId" clId="{7EF091A2-6ACD-7C44-BF26-8B2484B06C9B}" dt="2020-01-07T23:55:21.960" v="2476" actId="20577"/>
+          <ac:spMkLst>
+            <pc:docMk/>
+            <pc:sldMk cId="40077599" sldId="334"/>
+            <ac:spMk id="3" creationId="{4A708910-3497-4147-A77A-2A7FF2573E7F}"/>
           </ac:spMkLst>
         </pc:spChg>
       </pc:sldChg>
@@ -1563,7 +1587,7 @@
           <a:p>
             <a:fld id="{E58294B0-43FA-4697-A94A-C7D8A3CEE26B}" type="slidenum">
               <a:rPr lang="en-US" smtClean="0"/>
-              <a:t>10</a:t>
+              <a:t>11</a:t>
             </a:fld>
             <a:endParaRPr lang="en-US"/>
           </a:p>
@@ -1650,7 +1674,7 @@
           <a:p>
             <a:fld id="{E58294B0-43FA-4697-A94A-C7D8A3CEE26B}" type="slidenum">
               <a:rPr lang="en-US" smtClean="0"/>
-              <a:t>12</a:t>
+              <a:t>13</a:t>
             </a:fld>
             <a:endParaRPr lang="en-US"/>
           </a:p>
@@ -1734,7 +1758,7 @@
           <a:p>
             <a:fld id="{E58294B0-43FA-4697-A94A-C7D8A3CEE26B}" type="slidenum">
               <a:rPr lang="en-US" smtClean="0"/>
-              <a:t>13</a:t>
+              <a:t>14</a:t>
             </a:fld>
             <a:endParaRPr lang="en-US"/>
           </a:p>
@@ -5055,13 +5079,7 @@
       </p:grpSpPr>
       <p:sp>
         <p:nvSpPr>
-          <p:cNvPr id="2" name="Title 1">
-            <a:extLst>
-              <a:ext uri="{FF2B5EF4-FFF2-40B4-BE49-F238E27FC236}">
-                <a16:creationId xmlns:a16="http://schemas.microsoft.com/office/drawing/2014/main" id="{957309F5-C9EE-1E4C-B839-B1A47EFAE97A}"/>
-              </a:ext>
-            </a:extLst>
-          </p:cNvPr>
+          <p:cNvPr id="4" name="Title 3"/>
           <p:cNvSpPr>
             <a:spLocks noGrp="1"/>
           </p:cNvSpPr>
@@ -5076,97 +5094,42 @@
           <a:p>
             <a:r>
               <a:rPr lang="en-US" dirty="0"/>
-              <a:t>What is this architecture thing?</a:t>
-            </a:r>
-          </a:p>
-        </p:txBody>
-      </p:sp>
-      <p:sp>
-        <p:nvSpPr>
-          <p:cNvPr id="3" name="Content Placeholder 2">
-            <a:extLst>
-              <a:ext uri="{FF2B5EF4-FFF2-40B4-BE49-F238E27FC236}">
-                <a16:creationId xmlns:a16="http://schemas.microsoft.com/office/drawing/2014/main" id="{B62E1A3E-F38E-904B-B8F7-D5A1398467AD}"/>
-              </a:ext>
-            </a:extLst>
-          </p:cNvPr>
-          <p:cNvSpPr>
-            <a:spLocks noGrp="1"/>
-          </p:cNvSpPr>
-          <p:nvPr>
-            <p:ph idx="1"/>
+              <a:t>Introduction</a:t>
+            </a:r>
+          </a:p>
+        </p:txBody>
+      </p:sp>
+      <p:sp>
+        <p:nvSpPr>
+          <p:cNvPr id="5" name="Text Placeholder 4"/>
+          <p:cNvSpPr>
+            <a:spLocks noGrp="1"/>
+          </p:cNvSpPr>
+          <p:nvPr>
+            <p:ph type="body" idx="1"/>
           </p:nvPr>
         </p:nvSpPr>
         <p:spPr/>
         <p:txBody>
-          <a:bodyPr>
-            <a:normAutofit/>
-          </a:bodyPr>
-          <a:lstStyle/>
-          <a:p>
-            <a:pPr marL="0" indent="0">
-              <a:buNone/>
-            </a:pPr>
-            <a:r>
-              <a:rPr lang="en-US" dirty="0"/>
-              <a:t>Run-time abstraction view</a:t>
-            </a:r>
-          </a:p>
-          <a:p>
-            <a:pPr marL="457200" lvl="1" indent="0">
-              <a:buNone/>
-            </a:pPr>
-            <a:r>
-              <a:rPr lang="en-US" dirty="0"/>
-              <a:t>A </a:t>
-            </a:r>
-            <a:r>
-              <a:rPr lang="en-US" b="1" dirty="0"/>
-              <a:t>software architecture </a:t>
-            </a:r>
-            <a:r>
-              <a:rPr lang="en-US" dirty="0"/>
-              <a:t>is an abstraction of the run-time elements of a software system during some phase of its operation. A system may be composed of many levels of abstraction and many phases of operation, each with its own software architecture.</a:t>
-            </a:r>
-          </a:p>
-          <a:p>
-            <a:pPr marL="0" indent="0">
-              <a:buNone/>
-            </a:pPr>
+          <a:bodyPr/>
+          <a:lstStyle/>
+          <a:p>
+            <a:r>
+              <a:rPr lang="en-US" dirty="0"/>
+              <a:t>We need to start somewhere, this seems like a </a:t>
+            </a:r>
+            <a:r>
+              <a:rPr lang="en-US"/>
+              <a:t>good place</a:t>
+            </a:r>
             <a:endParaRPr lang="en-US" dirty="0"/>
-          </a:p>
-          <a:p>
-            <a:pPr marL="0" indent="0">
-              <a:buNone/>
-            </a:pPr>
-            <a:r>
-              <a:rPr lang="en-US" dirty="0"/>
-              <a:t>Elemental view</a:t>
-            </a:r>
-          </a:p>
-          <a:p>
-            <a:pPr marL="457200" lvl="1" indent="0">
-              <a:buNone/>
-            </a:pPr>
-            <a:r>
-              <a:rPr lang="en-US" dirty="0"/>
-              <a:t>A </a:t>
-            </a:r>
-            <a:r>
-              <a:rPr lang="en-US" b="1" dirty="0"/>
-              <a:t>software architecture</a:t>
-            </a:r>
-            <a:r>
-              <a:rPr lang="en-US" dirty="0"/>
-              <a:t> is defined by a configuration of architectural elements - components, connectors, and data - constrained in their relationships in order to achieve a desired set of architectural properties.</a:t>
-            </a:r>
           </a:p>
         </p:txBody>
       </p:sp>
     </p:spTree>
     <p:extLst>
       <p:ext uri="{BB962C8B-B14F-4D97-AF65-F5344CB8AC3E}">
-        <p14:creationId xmlns:p14="http://schemas.microsoft.com/office/powerpoint/2010/main" val="657190373"/>
+        <p14:creationId xmlns:p14="http://schemas.microsoft.com/office/powerpoint/2010/main" val="2579962451"/>
       </p:ext>
     </p:extLst>
   </p:cSld>
@@ -5198,7 +5161,7 @@
           <p:cNvPr id="2" name="Title 1">
             <a:extLst>
               <a:ext uri="{FF2B5EF4-FFF2-40B4-BE49-F238E27FC236}">
-                <a16:creationId xmlns:a16="http://schemas.microsoft.com/office/drawing/2014/main" id="{5408150A-D84D-E645-9E33-A1392FE8704F}"/>
+                <a16:creationId xmlns:a16="http://schemas.microsoft.com/office/drawing/2014/main" id="{957309F5-C9EE-1E4C-B839-B1A47EFAE97A}"/>
               </a:ext>
             </a:extLst>
           </p:cNvPr>
@@ -5216,7 +5179,7 @@
           <a:p>
             <a:r>
               <a:rPr lang="en-US" dirty="0"/>
-              <a:t>So, what elements?</a:t>
+              <a:t>What is this architecture thing?</a:t>
             </a:r>
           </a:p>
         </p:txBody>
@@ -5226,7 +5189,7 @@
           <p:cNvPr id="3" name="Content Placeholder 2">
             <a:extLst>
               <a:ext uri="{FF2B5EF4-FFF2-40B4-BE49-F238E27FC236}">
-                <a16:creationId xmlns:a16="http://schemas.microsoft.com/office/drawing/2014/main" id="{DF1C7B13-8199-864D-8C76-882AA0DDF815}"/>
+                <a16:creationId xmlns:a16="http://schemas.microsoft.com/office/drawing/2014/main" id="{B62E1A3E-F38E-904B-B8F7-D5A1398467AD}"/>
               </a:ext>
             </a:extLst>
           </p:cNvPr>
@@ -5239,7 +5202,9 @@
         </p:nvSpPr>
         <p:spPr/>
         <p:txBody>
-          <a:bodyPr/>
+          <a:bodyPr>
+            <a:normAutofit/>
+          </a:bodyPr>
           <a:lstStyle/>
           <a:p>
             <a:pPr marL="0" indent="0">
@@ -5247,66 +5212,24 @@
             </a:pPr>
             <a:r>
               <a:rPr lang="en-US" dirty="0"/>
-              <a:t>A </a:t>
+              <a:t>Run-time abstraction view</a:t>
+            </a:r>
+          </a:p>
+          <a:p>
+            <a:pPr marL="457200" lvl="1" indent="0">
+              <a:buNone/>
+            </a:pPr>
+            <a:r>
+              <a:rPr lang="en-US" dirty="0"/>
+              <a:t>A </a:t>
             </a:r>
             <a:r>
               <a:rPr lang="en-US" b="1" dirty="0"/>
-              <a:t>component</a:t>
-            </a:r>
-            <a:r>
-              <a:rPr lang="en-US" dirty="0"/>
-              <a:t> is an abstract unit of software instructions and internal state that provides a transformation of data via its interface.</a:t>
-            </a:r>
-          </a:p>
-          <a:p>
-            <a:pPr marL="0" indent="0">
-              <a:buNone/>
-            </a:pPr>
-            <a:r>
-              <a:rPr lang="en-US" dirty="0"/>
-              <a:t>A </a:t>
-            </a:r>
-            <a:r>
-              <a:rPr lang="en-US" b="1" dirty="0"/>
-              <a:t>connector</a:t>
-            </a:r>
-            <a:r>
-              <a:rPr lang="en-US" dirty="0"/>
-              <a:t> is an abstract mechanism that mediates communication, coordination, or cooperation among components.</a:t>
-            </a:r>
-          </a:p>
-          <a:p>
-            <a:pPr marL="0" indent="0">
-              <a:buNone/>
-            </a:pPr>
-            <a:r>
-              <a:rPr lang="en-US" dirty="0"/>
-              <a:t>A </a:t>
-            </a:r>
-            <a:r>
-              <a:rPr lang="en-US" b="1" dirty="0"/>
-              <a:t>datum</a:t>
-            </a:r>
-            <a:r>
-              <a:rPr lang="en-US" dirty="0"/>
-              <a:t> is an element of information that is transferred from a component, or received by a component, via a connector.</a:t>
-            </a:r>
-          </a:p>
-          <a:p>
-            <a:pPr marL="0" indent="0">
-              <a:buNone/>
-            </a:pPr>
-            <a:r>
-              <a:rPr lang="en-US" dirty="0"/>
-              <a:t>A </a:t>
-            </a:r>
-            <a:r>
-              <a:rPr lang="en-US" b="1" dirty="0"/>
-              <a:t>configuration</a:t>
-            </a:r>
-            <a:r>
-              <a:rPr lang="en-US" dirty="0"/>
-              <a:t> is the structure of architectural relationships among components, connectors, and data during a period of system run-time.</a:t>
+              <a:t>software architecture </a:t>
+            </a:r>
+            <a:r>
+              <a:rPr lang="en-US" dirty="0"/>
+              <a:t>is an abstraction of the run-time elements of a software system during some phase of its operation. A system may be composed of many levels of abstraction and many phases of operation, each with its own software architecture.</a:t>
             </a:r>
           </a:p>
           <a:p>
@@ -5314,13 +5237,39 @@
               <a:buNone/>
             </a:pPr>
             <a:endParaRPr lang="en-US" dirty="0"/>
+          </a:p>
+          <a:p>
+            <a:pPr marL="0" indent="0">
+              <a:buNone/>
+            </a:pPr>
+            <a:r>
+              <a:rPr lang="en-US" dirty="0"/>
+              <a:t>Elemental view</a:t>
+            </a:r>
+          </a:p>
+          <a:p>
+            <a:pPr marL="457200" lvl="1" indent="0">
+              <a:buNone/>
+            </a:pPr>
+            <a:r>
+              <a:rPr lang="en-US" dirty="0"/>
+              <a:t>A </a:t>
+            </a:r>
+            <a:r>
+              <a:rPr lang="en-US" b="1" dirty="0"/>
+              <a:t>software architecture</a:t>
+            </a:r>
+            <a:r>
+              <a:rPr lang="en-US" dirty="0"/>
+              <a:t> is defined by a configuration of architectural elements - components, connectors, and data - constrained in their relationships in order to achieve a desired set of architectural properties.</a:t>
+            </a:r>
           </a:p>
         </p:txBody>
       </p:sp>
     </p:spTree>
     <p:extLst>
       <p:ext uri="{BB962C8B-B14F-4D97-AF65-F5344CB8AC3E}">
-        <p14:creationId xmlns:p14="http://schemas.microsoft.com/office/powerpoint/2010/main" val="4172525580"/>
+        <p14:creationId xmlns:p14="http://schemas.microsoft.com/office/powerpoint/2010/main" val="657190373"/>
       </p:ext>
     </p:extLst>
   </p:cSld>
@@ -5352,7 +5301,7 @@
           <p:cNvPr id="2" name="Title 1">
             <a:extLst>
               <a:ext uri="{FF2B5EF4-FFF2-40B4-BE49-F238E27FC236}">
-                <a16:creationId xmlns:a16="http://schemas.microsoft.com/office/drawing/2014/main" id="{B48E4030-9CE2-9144-B3D6-1920E39E3B14}"/>
+                <a16:creationId xmlns:a16="http://schemas.microsoft.com/office/drawing/2014/main" id="{5408150A-D84D-E645-9E33-A1392FE8704F}"/>
               </a:ext>
             </a:extLst>
           </p:cNvPr>
@@ -5370,59 +5319,111 @@
           <a:p>
             <a:r>
               <a:rPr lang="en-US" dirty="0"/>
-              <a:t>Which leaves us with </a:t>
-            </a:r>
-            <a:r>
-              <a:rPr lang="en-US" i="1" dirty="0"/>
-              <a:t>style</a:t>
-            </a:r>
+              <a:t>So, what elements?</a:t>
+            </a:r>
+          </a:p>
+        </p:txBody>
+      </p:sp>
+      <p:sp>
+        <p:nvSpPr>
+          <p:cNvPr id="3" name="Content Placeholder 2">
+            <a:extLst>
+              <a:ext uri="{FF2B5EF4-FFF2-40B4-BE49-F238E27FC236}">
+                <a16:creationId xmlns:a16="http://schemas.microsoft.com/office/drawing/2014/main" id="{DF1C7B13-8199-864D-8C76-882AA0DDF815}"/>
+              </a:ext>
+            </a:extLst>
+          </p:cNvPr>
+          <p:cNvSpPr>
+            <a:spLocks noGrp="1"/>
+          </p:cNvSpPr>
+          <p:nvPr>
+            <p:ph idx="1"/>
+          </p:nvPr>
+        </p:nvSpPr>
+        <p:spPr/>
+        <p:txBody>
+          <a:bodyPr/>
+          <a:lstStyle/>
+          <a:p>
+            <a:pPr marL="0" indent="0">
+              <a:buNone/>
+            </a:pPr>
+            <a:r>
+              <a:rPr lang="en-US" dirty="0"/>
+              <a:t>A </a:t>
+            </a:r>
+            <a:r>
+              <a:rPr lang="en-US" b="1" dirty="0"/>
+              <a:t>component</a:t>
+            </a:r>
+            <a:r>
+              <a:rPr lang="en-US" dirty="0"/>
+              <a:t> is an abstract unit of software instructions and internal state that provides a transformation of data via its interface.</a:t>
+            </a:r>
+          </a:p>
+          <a:p>
+            <a:pPr marL="0" indent="0">
+              <a:buNone/>
+            </a:pPr>
+            <a:r>
+              <a:rPr lang="en-US" dirty="0"/>
+              <a:t>A </a:t>
+            </a:r>
+            <a:r>
+              <a:rPr lang="en-US" b="1" dirty="0"/>
+              <a:t>connector</a:t>
+            </a:r>
+            <a:r>
+              <a:rPr lang="en-US" dirty="0"/>
+              <a:t> is an abstract mechanism that mediates communication, coordination, or cooperation among components.</a:t>
+            </a:r>
+          </a:p>
+          <a:p>
+            <a:pPr marL="0" indent="0">
+              <a:buNone/>
+            </a:pPr>
+            <a:r>
+              <a:rPr lang="en-US" dirty="0"/>
+              <a:t>A </a:t>
+            </a:r>
+            <a:r>
+              <a:rPr lang="en-US" b="1" dirty="0"/>
+              <a:t>datum</a:t>
+            </a:r>
+            <a:r>
+              <a:rPr lang="en-US" dirty="0"/>
+              <a:t> is an element of information that is transferred from a component, or received by a component, via a connector.</a:t>
+            </a:r>
+          </a:p>
+          <a:p>
+            <a:pPr marL="0" indent="0">
+              <a:buNone/>
+            </a:pPr>
+            <a:r>
+              <a:rPr lang="en-US" dirty="0"/>
+              <a:t>A </a:t>
+            </a:r>
+            <a:r>
+              <a:rPr lang="en-US" b="1" dirty="0"/>
+              <a:t>configuration</a:t>
+            </a:r>
+            <a:r>
+              <a:rPr lang="en-US" dirty="0"/>
+              <a:t> is the structure of architectural relationships among components, connectors, and data during a period of system run-time.</a:t>
+            </a:r>
+          </a:p>
+          <a:p>
+            <a:pPr marL="0" indent="0">
+              <a:buNone/>
+            </a:pPr>
             <a:endParaRPr lang="en-US" dirty="0"/>
-          </a:p>
-        </p:txBody>
-      </p:sp>
-      <p:sp>
-        <p:nvSpPr>
-          <p:cNvPr id="3" name="Content Placeholder 2">
-            <a:extLst>
-              <a:ext uri="{FF2B5EF4-FFF2-40B4-BE49-F238E27FC236}">
-                <a16:creationId xmlns:a16="http://schemas.microsoft.com/office/drawing/2014/main" id="{CAFA35EF-C386-7249-8BC2-685E5E49EE51}"/>
-              </a:ext>
-            </a:extLst>
-          </p:cNvPr>
-          <p:cNvSpPr>
-            <a:spLocks noGrp="1"/>
-          </p:cNvSpPr>
-          <p:nvPr>
-            <p:ph idx="1"/>
-          </p:nvPr>
-        </p:nvSpPr>
-        <p:spPr/>
-        <p:txBody>
-          <a:bodyPr anchor="ctr"/>
-          <a:lstStyle/>
-          <a:p>
-            <a:pPr marL="0" indent="0" algn="ctr">
-              <a:buNone/>
-            </a:pPr>
-            <a:r>
-              <a:rPr lang="en-US" i="1" dirty="0"/>
-              <a:t>An </a:t>
-            </a:r>
-            <a:r>
-              <a:rPr lang="en-US" b="1" i="1" dirty="0"/>
-              <a:t>architectural style</a:t>
-            </a:r>
-            <a:r>
-              <a:rPr lang="en-US" i="1" dirty="0"/>
-              <a:t> is a coordinated set of architectural constraints that restricts the roles / features of architectural elements and the allowed relationships among those elements within any architecture that conforms to that style.</a:t>
-            </a:r>
           </a:p>
         </p:txBody>
       </p:sp>
     </p:spTree>
     <p:extLst>
       <p:ext uri="{BB962C8B-B14F-4D97-AF65-F5344CB8AC3E}">
-        <p14:creationId xmlns:p14="http://schemas.microsoft.com/office/powerpoint/2010/main" val="1438224000"/>
+        <p14:creationId xmlns:p14="http://schemas.microsoft.com/office/powerpoint/2010/main" val="4172525580"/>
       </p:ext>
     </p:extLst>
   </p:cSld>
@@ -5454,7 +5455,7 @@
           <p:cNvPr id="2" name="Title 1">
             <a:extLst>
               <a:ext uri="{FF2B5EF4-FFF2-40B4-BE49-F238E27FC236}">
-                <a16:creationId xmlns:a16="http://schemas.microsoft.com/office/drawing/2014/main" id="{29FA921E-2BAE-AB43-BBDD-07D20E7B22DF}"/>
+                <a16:creationId xmlns:a16="http://schemas.microsoft.com/office/drawing/2014/main" id="{B48E4030-9CE2-9144-B3D6-1920E39E3B14}"/>
               </a:ext>
             </a:extLst>
           </p:cNvPr>
@@ -5472,76 +5473,51 @@
           <a:p>
             <a:r>
               <a:rPr lang="en-US" dirty="0"/>
-              <a:t>Styles and patterns</a:t>
-            </a:r>
-          </a:p>
-        </p:txBody>
-      </p:sp>
-      <p:pic>
-        <p:nvPicPr>
-          <p:cNvPr id="4" name="Content Placeholder 3">
-            <a:extLst>
-              <a:ext uri="{FF2B5EF4-FFF2-40B4-BE49-F238E27FC236}">
-                <a16:creationId xmlns:a16="http://schemas.microsoft.com/office/drawing/2014/main" id="{878B8BE8-BB37-6944-8541-C993DA007DEF}"/>
-              </a:ext>
-            </a:extLst>
-          </p:cNvPr>
-          <p:cNvPicPr>
-            <a:picLocks noGrp="1" noChangeAspect="1"/>
-          </p:cNvPicPr>
+              <a:t>Which leaves us with </a:t>
+            </a:r>
+            <a:r>
+              <a:rPr lang="en-US" i="1" dirty="0"/>
+              <a:t>style</a:t>
+            </a:r>
+            <a:endParaRPr lang="en-US" dirty="0"/>
+          </a:p>
+        </p:txBody>
+      </p:sp>
+      <p:sp>
+        <p:nvSpPr>
+          <p:cNvPr id="3" name="Content Placeholder 2">
+            <a:extLst>
+              <a:ext uri="{FF2B5EF4-FFF2-40B4-BE49-F238E27FC236}">
+                <a16:creationId xmlns:a16="http://schemas.microsoft.com/office/drawing/2014/main" id="{CAFA35EF-C386-7249-8BC2-685E5E49EE51}"/>
+              </a:ext>
+            </a:extLst>
+          </p:cNvPr>
+          <p:cNvSpPr>
+            <a:spLocks noGrp="1"/>
+          </p:cNvSpPr>
           <p:nvPr>
             <p:ph idx="1"/>
           </p:nvPr>
-        </p:nvPicPr>
-        <p:blipFill>
-          <a:blip r:embed="rId3"/>
-          <a:stretch>
-            <a:fillRect/>
-          </a:stretch>
-        </p:blipFill>
-        <p:spPr>
-          <a:xfrm>
-            <a:off x="5675983" y="987425"/>
-            <a:ext cx="5186610" cy="4873625"/>
-          </a:xfrm>
-        </p:spPr>
-      </p:pic>
-      <p:sp>
-        <p:nvSpPr>
-          <p:cNvPr id="8" name="Text Placeholder 7">
-            <a:extLst>
-              <a:ext uri="{FF2B5EF4-FFF2-40B4-BE49-F238E27FC236}">
-                <a16:creationId xmlns:a16="http://schemas.microsoft.com/office/drawing/2014/main" id="{99E898C1-43E2-2148-BCF6-6611605BAA2D}"/>
-              </a:ext>
-            </a:extLst>
-          </p:cNvPr>
-          <p:cNvSpPr>
-            <a:spLocks noGrp="1"/>
-          </p:cNvSpPr>
-          <p:nvPr>
-            <p:ph type="body" sz="half" idx="2"/>
-          </p:nvPr>
         </p:nvSpPr>
         <p:spPr/>
         <p:txBody>
-          <a:bodyPr/>
-          <a:lstStyle/>
-          <a:p>
-            <a:r>
-              <a:rPr lang="en-US" dirty="0"/>
-              <a:t>There’s a continuum, and that’s what’s important</a:t>
-            </a:r>
-          </a:p>
-          <a:p>
-            <a:r>
-              <a:rPr lang="en-US" dirty="0"/>
-              <a:t>This course is all about the continuum</a:t>
-            </a:r>
-          </a:p>
-          <a:p>
-            <a:r>
-              <a:rPr lang="en-US" dirty="0"/>
-              <a:t>And… you want to talk about controversy…</a:t>
+          <a:bodyPr anchor="ctr"/>
+          <a:lstStyle/>
+          <a:p>
+            <a:pPr marL="0" indent="0" algn="ctr">
+              <a:buNone/>
+            </a:pPr>
+            <a:r>
+              <a:rPr lang="en-US" i="1" dirty="0"/>
+              <a:t>An </a:t>
+            </a:r>
+            <a:r>
+              <a:rPr lang="en-US" b="1" i="1" dirty="0"/>
+              <a:t>architectural style</a:t>
+            </a:r>
+            <a:r>
+              <a:rPr lang="en-US" i="1" dirty="0"/>
+              <a:t> is a coordinated set of architectural constraints that restricts the roles / features of architectural elements and the allowed relationships among those elements within any architecture that conforms to that style.</a:t>
             </a:r>
           </a:p>
         </p:txBody>
@@ -5549,7 +5525,7 @@
     </p:spTree>
     <p:extLst>
       <p:ext uri="{BB962C8B-B14F-4D97-AF65-F5344CB8AC3E}">
-        <p14:creationId xmlns:p14="http://schemas.microsoft.com/office/powerpoint/2010/main" val="1689033397"/>
+        <p14:creationId xmlns:p14="http://schemas.microsoft.com/office/powerpoint/2010/main" val="1438224000"/>
       </p:ext>
     </p:extLst>
   </p:cSld>
@@ -5578,10 +5554,10 @@
       </p:grpSpPr>
       <p:sp>
         <p:nvSpPr>
-          <p:cNvPr id="4" name="Title 3">
-            <a:extLst>
-              <a:ext uri="{FF2B5EF4-FFF2-40B4-BE49-F238E27FC236}">
-                <a16:creationId xmlns:a16="http://schemas.microsoft.com/office/drawing/2014/main" id="{FB33F338-992D-F04D-B0E3-928DB2F89D6F}"/>
+          <p:cNvPr id="2" name="Title 1">
+            <a:extLst>
+              <a:ext uri="{FF2B5EF4-FFF2-40B4-BE49-F238E27FC236}">
+                <a16:creationId xmlns:a16="http://schemas.microsoft.com/office/drawing/2014/main" id="{29FA921E-2BAE-AB43-BBDD-07D20E7B22DF}"/>
               </a:ext>
             </a:extLst>
           </p:cNvPr>
@@ -5599,25 +5575,54 @@
           <a:p>
             <a:r>
               <a:rPr lang="en-US" dirty="0"/>
-              <a:t>Let’s look at some examples</a:t>
-            </a:r>
-          </a:p>
-        </p:txBody>
-      </p:sp>
-      <p:sp>
-        <p:nvSpPr>
-          <p:cNvPr id="5" name="Text Placeholder 4">
-            <a:extLst>
-              <a:ext uri="{FF2B5EF4-FFF2-40B4-BE49-F238E27FC236}">
-                <a16:creationId xmlns:a16="http://schemas.microsoft.com/office/drawing/2014/main" id="{6D7A236F-D50F-4845-AC5A-A9729584299B}"/>
-              </a:ext>
-            </a:extLst>
-          </p:cNvPr>
-          <p:cNvSpPr>
-            <a:spLocks noGrp="1"/>
-          </p:cNvSpPr>
-          <p:nvPr>
-            <p:ph type="body" idx="1"/>
+              <a:t>Styles and patterns</a:t>
+            </a:r>
+          </a:p>
+        </p:txBody>
+      </p:sp>
+      <p:pic>
+        <p:nvPicPr>
+          <p:cNvPr id="4" name="Content Placeholder 3">
+            <a:extLst>
+              <a:ext uri="{FF2B5EF4-FFF2-40B4-BE49-F238E27FC236}">
+                <a16:creationId xmlns:a16="http://schemas.microsoft.com/office/drawing/2014/main" id="{878B8BE8-BB37-6944-8541-C993DA007DEF}"/>
+              </a:ext>
+            </a:extLst>
+          </p:cNvPr>
+          <p:cNvPicPr>
+            <a:picLocks noGrp="1" noChangeAspect="1"/>
+          </p:cNvPicPr>
+          <p:nvPr>
+            <p:ph idx="1"/>
+          </p:nvPr>
+        </p:nvPicPr>
+        <p:blipFill>
+          <a:blip r:embed="rId3"/>
+          <a:stretch>
+            <a:fillRect/>
+          </a:stretch>
+        </p:blipFill>
+        <p:spPr>
+          <a:xfrm>
+            <a:off x="5675983" y="987425"/>
+            <a:ext cx="5186610" cy="4873625"/>
+          </a:xfrm>
+        </p:spPr>
+      </p:pic>
+      <p:sp>
+        <p:nvSpPr>
+          <p:cNvPr id="8" name="Text Placeholder 7">
+            <a:extLst>
+              <a:ext uri="{FF2B5EF4-FFF2-40B4-BE49-F238E27FC236}">
+                <a16:creationId xmlns:a16="http://schemas.microsoft.com/office/drawing/2014/main" id="{99E898C1-43E2-2148-BCF6-6611605BAA2D}"/>
+              </a:ext>
+            </a:extLst>
+          </p:cNvPr>
+          <p:cNvSpPr>
+            <a:spLocks noGrp="1"/>
+          </p:cNvSpPr>
+          <p:nvPr>
+            <p:ph type="body" sz="half" idx="2"/>
           </p:nvPr>
         </p:nvSpPr>
         <p:spPr/>
@@ -5627,7 +5632,19 @@
           <a:p>
             <a:r>
               <a:rPr lang="en-US" dirty="0"/>
-              <a:t>These are taken from various projects that I’ve worked on</a:t>
+              <a:t>There’s a continuum, and that’s what’s important</a:t>
+            </a:r>
+          </a:p>
+          <a:p>
+            <a:r>
+              <a:rPr lang="en-US" dirty="0"/>
+              <a:t>This course is all about the continuum</a:t>
+            </a:r>
+          </a:p>
+          <a:p>
+            <a:r>
+              <a:rPr lang="en-US" dirty="0"/>
+              <a:t>And… you want to talk about controversy…</a:t>
             </a:r>
           </a:p>
         </p:txBody>
@@ -5635,7 +5652,7 @@
     </p:spTree>
     <p:extLst>
       <p:ext uri="{BB962C8B-B14F-4D97-AF65-F5344CB8AC3E}">
-        <p14:creationId xmlns:p14="http://schemas.microsoft.com/office/powerpoint/2010/main" val="2744596274"/>
+        <p14:creationId xmlns:p14="http://schemas.microsoft.com/office/powerpoint/2010/main" val="1689033397"/>
       </p:ext>
     </p:extLst>
   </p:cSld>
@@ -5664,10 +5681,10 @@
       </p:grpSpPr>
       <p:sp>
         <p:nvSpPr>
-          <p:cNvPr id="2" name="Title 1">
-            <a:extLst>
-              <a:ext uri="{FF2B5EF4-FFF2-40B4-BE49-F238E27FC236}">
-                <a16:creationId xmlns:a16="http://schemas.microsoft.com/office/drawing/2014/main" id="{C9898BED-61FF-EB45-BDDA-9D4ECF0DBE7D}"/>
+          <p:cNvPr id="4" name="Title 3">
+            <a:extLst>
+              <a:ext uri="{FF2B5EF4-FFF2-40B4-BE49-F238E27FC236}">
+                <a16:creationId xmlns:a16="http://schemas.microsoft.com/office/drawing/2014/main" id="{FB33F338-992D-F04D-B0E3-928DB2F89D6F}"/>
               </a:ext>
             </a:extLst>
           </p:cNvPr>
@@ -5685,50 +5702,43 @@
           <a:p>
             <a:r>
               <a:rPr lang="en-US" dirty="0"/>
-              <a:t>18-month detailed integration</a:t>
-            </a:r>
-          </a:p>
-        </p:txBody>
-      </p:sp>
-      <p:pic>
-        <p:nvPicPr>
-          <p:cNvPr id="5" name="Content Placeholder 4">
-            <a:extLst>
-              <a:ext uri="{FF2B5EF4-FFF2-40B4-BE49-F238E27FC236}">
-                <a16:creationId xmlns:a16="http://schemas.microsoft.com/office/drawing/2014/main" id="{0E15E5C5-A196-C54B-8022-71C78C04FDCE}"/>
-              </a:ext>
-            </a:extLst>
-          </p:cNvPr>
-          <p:cNvPicPr>
-            <a:picLocks noGrp="1" noChangeAspect="1"/>
-          </p:cNvPicPr>
-          <p:nvPr>
-            <p:ph idx="1"/>
-          </p:nvPr>
-        </p:nvPicPr>
-        <p:blipFill>
-          <a:blip r:embed="rId2">
-            <a:extLst>
-              <a:ext uri="{28A0092B-C50C-407E-A947-70E740481C1C}">
-                <a14:useLocalDpi xmlns:a14="http://schemas.microsoft.com/office/drawing/2010/main" val="0"/>
-              </a:ext>
-            </a:extLst>
-          </a:blip>
-          <a:stretch>
-            <a:fillRect/>
-          </a:stretch>
-        </p:blipFill>
-        <p:spPr>
-          <a:xfrm>
-            <a:off x="2992842" y="1825625"/>
-            <a:ext cx="6206315" cy="4351338"/>
-          </a:xfrm>
-        </p:spPr>
-      </p:pic>
+              <a:t>Let’s look at some examples</a:t>
+            </a:r>
+          </a:p>
+        </p:txBody>
+      </p:sp>
+      <p:sp>
+        <p:nvSpPr>
+          <p:cNvPr id="5" name="Text Placeholder 4">
+            <a:extLst>
+              <a:ext uri="{FF2B5EF4-FFF2-40B4-BE49-F238E27FC236}">
+                <a16:creationId xmlns:a16="http://schemas.microsoft.com/office/drawing/2014/main" id="{6D7A236F-D50F-4845-AC5A-A9729584299B}"/>
+              </a:ext>
+            </a:extLst>
+          </p:cNvPr>
+          <p:cNvSpPr>
+            <a:spLocks noGrp="1"/>
+          </p:cNvSpPr>
+          <p:nvPr>
+            <p:ph type="body" idx="1"/>
+          </p:nvPr>
+        </p:nvSpPr>
+        <p:spPr/>
+        <p:txBody>
+          <a:bodyPr/>
+          <a:lstStyle/>
+          <a:p>
+            <a:r>
+              <a:rPr lang="en-US" dirty="0"/>
+              <a:t>These are taken from various projects that I’ve worked on</a:t>
+            </a:r>
+          </a:p>
+        </p:txBody>
+      </p:sp>
     </p:spTree>
     <p:extLst>
       <p:ext uri="{BB962C8B-B14F-4D97-AF65-F5344CB8AC3E}">
-        <p14:creationId xmlns:p14="http://schemas.microsoft.com/office/powerpoint/2010/main" val="3275625684"/>
+        <p14:creationId xmlns:p14="http://schemas.microsoft.com/office/powerpoint/2010/main" val="2744596274"/>
       </p:ext>
     </p:extLst>
   </p:cSld>
@@ -5757,10 +5767,10 @@
       </p:grpSpPr>
       <p:sp>
         <p:nvSpPr>
-          <p:cNvPr id="6" name="Title 5">
-            <a:extLst>
-              <a:ext uri="{FF2B5EF4-FFF2-40B4-BE49-F238E27FC236}">
-                <a16:creationId xmlns:a16="http://schemas.microsoft.com/office/drawing/2014/main" id="{16AFF953-46B1-5044-9DCE-DDBD73CDC2A8}"/>
+          <p:cNvPr id="2" name="Title 1">
+            <a:extLst>
+              <a:ext uri="{FF2B5EF4-FFF2-40B4-BE49-F238E27FC236}">
+                <a16:creationId xmlns:a16="http://schemas.microsoft.com/office/drawing/2014/main" id="{C9898BED-61FF-EB45-BDDA-9D4ECF0DBE7D}"/>
               </a:ext>
             </a:extLst>
           </p:cNvPr>
@@ -5778,7 +5788,7 @@
           <a:p>
             <a:r>
               <a:rPr lang="en-US" dirty="0"/>
-              <a:t>An “application” in that model</a:t>
+              <a:t>18-month detailed integration</a:t>
             </a:r>
           </a:p>
         </p:txBody>
@@ -5788,7 +5798,7 @@
           <p:cNvPr id="5" name="Content Placeholder 4">
             <a:extLst>
               <a:ext uri="{FF2B5EF4-FFF2-40B4-BE49-F238E27FC236}">
-                <a16:creationId xmlns:a16="http://schemas.microsoft.com/office/drawing/2014/main" id="{19539023-B6F1-F641-9858-61A9AA5C8E5E}"/>
+                <a16:creationId xmlns:a16="http://schemas.microsoft.com/office/drawing/2014/main" id="{0E15E5C5-A196-C54B-8022-71C78C04FDCE}"/>
               </a:ext>
             </a:extLst>
           </p:cNvPr>
@@ -5813,15 +5823,15 @@
         </p:blipFill>
         <p:spPr>
           <a:xfrm>
-            <a:off x="4553886" y="1825625"/>
-            <a:ext cx="3084228" cy="4351338"/>
+            <a:off x="2992842" y="1825625"/>
+            <a:ext cx="6206315" cy="4351338"/>
           </a:xfrm>
         </p:spPr>
       </p:pic>
     </p:spTree>
     <p:extLst>
       <p:ext uri="{BB962C8B-B14F-4D97-AF65-F5344CB8AC3E}">
-        <p14:creationId xmlns:p14="http://schemas.microsoft.com/office/powerpoint/2010/main" val="1221676019"/>
+        <p14:creationId xmlns:p14="http://schemas.microsoft.com/office/powerpoint/2010/main" val="3275625684"/>
       </p:ext>
     </p:extLst>
   </p:cSld>
@@ -5850,10 +5860,10 @@
       </p:grpSpPr>
       <p:sp>
         <p:nvSpPr>
-          <p:cNvPr id="2" name="Title 1">
-            <a:extLst>
-              <a:ext uri="{FF2B5EF4-FFF2-40B4-BE49-F238E27FC236}">
-                <a16:creationId xmlns:a16="http://schemas.microsoft.com/office/drawing/2014/main" id="{BD4B0C05-7F30-E643-BEF5-831E921B7E99}"/>
+          <p:cNvPr id="6" name="Title 5">
+            <a:extLst>
+              <a:ext uri="{FF2B5EF4-FFF2-40B4-BE49-F238E27FC236}">
+                <a16:creationId xmlns:a16="http://schemas.microsoft.com/office/drawing/2014/main" id="{16AFF953-46B1-5044-9DCE-DDBD73CDC2A8}"/>
               </a:ext>
             </a:extLst>
           </p:cNvPr>
@@ -5871,7 +5881,7 @@
           <a:p>
             <a:r>
               <a:rPr lang="en-US" dirty="0"/>
-              <a:t>One “layer” in the 18-month model</a:t>
+              <a:t>An “application” in that model</a:t>
             </a:r>
           </a:p>
         </p:txBody>
@@ -5881,7 +5891,7 @@
           <p:cNvPr id="5" name="Content Placeholder 4">
             <a:extLst>
               <a:ext uri="{FF2B5EF4-FFF2-40B4-BE49-F238E27FC236}">
-                <a16:creationId xmlns:a16="http://schemas.microsoft.com/office/drawing/2014/main" id="{FA033BB2-2E93-FE40-9FC9-DAC9E8116984}"/>
+                <a16:creationId xmlns:a16="http://schemas.microsoft.com/office/drawing/2014/main" id="{19539023-B6F1-F641-9858-61A9AA5C8E5E}"/>
               </a:ext>
             </a:extLst>
           </p:cNvPr>
@@ -5906,15 +5916,15 @@
         </p:blipFill>
         <p:spPr>
           <a:xfrm>
-            <a:off x="3916195" y="1825625"/>
-            <a:ext cx="4359610" cy="4351338"/>
+            <a:off x="4553886" y="1825625"/>
+            <a:ext cx="3084228" cy="4351338"/>
           </a:xfrm>
         </p:spPr>
       </p:pic>
     </p:spTree>
     <p:extLst>
       <p:ext uri="{BB962C8B-B14F-4D97-AF65-F5344CB8AC3E}">
-        <p14:creationId xmlns:p14="http://schemas.microsoft.com/office/powerpoint/2010/main" val="1216411407"/>
+        <p14:creationId xmlns:p14="http://schemas.microsoft.com/office/powerpoint/2010/main" val="1221676019"/>
       </p:ext>
     </p:extLst>
   </p:cSld>
@@ -5946,7 +5956,7 @@
           <p:cNvPr id="2" name="Title 1">
             <a:extLst>
               <a:ext uri="{FF2B5EF4-FFF2-40B4-BE49-F238E27FC236}">
-                <a16:creationId xmlns:a16="http://schemas.microsoft.com/office/drawing/2014/main" id="{C1CB1F6E-9CFD-0948-9545-1B29E2E6499B}"/>
+                <a16:creationId xmlns:a16="http://schemas.microsoft.com/office/drawing/2014/main" id="{BD4B0C05-7F30-E643-BEF5-831E921B7E99}"/>
               </a:ext>
             </a:extLst>
           </p:cNvPr>
@@ -5964,7 +5974,7 @@
           <a:p>
             <a:r>
               <a:rPr lang="en-US" dirty="0"/>
-              <a:t>Logical concept map</a:t>
+              <a:t>One “layer” in the 18-month model</a:t>
             </a:r>
           </a:p>
         </p:txBody>
@@ -5974,7 +5984,7 @@
           <p:cNvPr id="5" name="Content Placeholder 4">
             <a:extLst>
               <a:ext uri="{FF2B5EF4-FFF2-40B4-BE49-F238E27FC236}">
-                <a16:creationId xmlns:a16="http://schemas.microsoft.com/office/drawing/2014/main" id="{29FB4F80-E9D4-9740-8200-5A3FB69159A2}"/>
+                <a16:creationId xmlns:a16="http://schemas.microsoft.com/office/drawing/2014/main" id="{FA033BB2-2E93-FE40-9FC9-DAC9E8116984}"/>
               </a:ext>
             </a:extLst>
           </p:cNvPr>
@@ -5999,15 +6009,15 @@
         </p:blipFill>
         <p:spPr>
           <a:xfrm>
-            <a:off x="3854450" y="2693194"/>
-            <a:ext cx="4483100" cy="2616200"/>
+            <a:off x="3916195" y="1825625"/>
+            <a:ext cx="4359610" cy="4351338"/>
           </a:xfrm>
         </p:spPr>
       </p:pic>
     </p:spTree>
     <p:extLst>
       <p:ext uri="{BB962C8B-B14F-4D97-AF65-F5344CB8AC3E}">
-        <p14:creationId xmlns:p14="http://schemas.microsoft.com/office/powerpoint/2010/main" val="76428056"/>
+        <p14:creationId xmlns:p14="http://schemas.microsoft.com/office/powerpoint/2010/main" val="1216411407"/>
       </p:ext>
     </p:extLst>
   </p:cSld>
@@ -6039,7 +6049,7 @@
           <p:cNvPr id="2" name="Title 1">
             <a:extLst>
               <a:ext uri="{FF2B5EF4-FFF2-40B4-BE49-F238E27FC236}">
-                <a16:creationId xmlns:a16="http://schemas.microsoft.com/office/drawing/2014/main" id="{3CA454A4-FE43-0042-B8B4-BD2635022CFF}"/>
+                <a16:creationId xmlns:a16="http://schemas.microsoft.com/office/drawing/2014/main" id="{C1CB1F6E-9CFD-0948-9545-1B29E2E6499B}"/>
               </a:ext>
             </a:extLst>
           </p:cNvPr>
@@ -6057,7 +6067,7 @@
           <a:p>
             <a:r>
               <a:rPr lang="en-US" dirty="0"/>
-              <a:t>C-level model (see the 18-mo. version)</a:t>
+              <a:t>Logical concept map</a:t>
             </a:r>
           </a:p>
         </p:txBody>
@@ -6067,7 +6077,7 @@
           <p:cNvPr id="5" name="Content Placeholder 4">
             <a:extLst>
               <a:ext uri="{FF2B5EF4-FFF2-40B4-BE49-F238E27FC236}">
-                <a16:creationId xmlns:a16="http://schemas.microsoft.com/office/drawing/2014/main" id="{AC9BCC23-BC2F-C440-9F66-21C48725E7EC}"/>
+                <a16:creationId xmlns:a16="http://schemas.microsoft.com/office/drawing/2014/main" id="{29FB4F80-E9D4-9740-8200-5A3FB69159A2}"/>
               </a:ext>
             </a:extLst>
           </p:cNvPr>
@@ -6092,15 +6102,15 @@
         </p:blipFill>
         <p:spPr>
           <a:xfrm>
-            <a:off x="2940328" y="1825625"/>
-            <a:ext cx="6311343" cy="4351338"/>
+            <a:off x="3854450" y="2693194"/>
+            <a:ext cx="4483100" cy="2616200"/>
           </a:xfrm>
         </p:spPr>
       </p:pic>
     </p:spTree>
     <p:extLst>
       <p:ext uri="{BB962C8B-B14F-4D97-AF65-F5344CB8AC3E}">
-        <p14:creationId xmlns:p14="http://schemas.microsoft.com/office/powerpoint/2010/main" val="2150556075"/>
+        <p14:creationId xmlns:p14="http://schemas.microsoft.com/office/powerpoint/2010/main" val="76428056"/>
       </p:ext>
     </p:extLst>
   </p:cSld>
@@ -6215,6 +6225,15 @@
             <a:pPr marL="0" indent="0">
               <a:buNone/>
             </a:pPr>
+            <a:r>
+              <a:rPr lang="en-US" dirty="0"/>
+              <a:t>Text: None yet, see book list for recommendations</a:t>
+            </a:r>
+          </a:p>
+          <a:p>
+            <a:pPr marL="0" indent="0">
+              <a:buNone/>
+            </a:pPr>
             <a:endParaRPr lang="en-US" dirty="0"/>
           </a:p>
           <a:p>
@@ -6222,8 +6241,12 @@
               <a:buNone/>
             </a:pPr>
             <a:r>
-              <a:rPr lang="en-US" dirty="0"/>
-              <a:t>Note – Remote lecture via zoom on 21</a:t>
+              <a:rPr lang="en-US" b="1" dirty="0"/>
+              <a:t>Note</a:t>
+            </a:r>
+            <a:r>
+              <a:rPr lang="en-US" dirty="0"/>
+              <a:t> – Remote lecture via zoom on 21</a:t>
             </a:r>
             <a:r>
               <a:rPr lang="en-US" baseline="30000" dirty="0"/>
@@ -6239,8 +6262,12 @@
               <a:buNone/>
             </a:pPr>
             <a:r>
-              <a:rPr lang="en-US" dirty="0"/>
-              <a:t>Note – Guest lectures on 4</a:t>
+              <a:rPr lang="en-US" b="1" dirty="0"/>
+              <a:t>Note</a:t>
+            </a:r>
+            <a:r>
+              <a:rPr lang="en-US" dirty="0"/>
+              <a:t> – Guest lectures on 4</a:t>
             </a:r>
             <a:r>
               <a:rPr lang="en-US" baseline="30000" dirty="0"/>
@@ -6302,6 +6329,99 @@
           <p:cNvPr id="2" name="Title 1">
             <a:extLst>
               <a:ext uri="{FF2B5EF4-FFF2-40B4-BE49-F238E27FC236}">
+                <a16:creationId xmlns:a16="http://schemas.microsoft.com/office/drawing/2014/main" id="{3CA454A4-FE43-0042-B8B4-BD2635022CFF}"/>
+              </a:ext>
+            </a:extLst>
+          </p:cNvPr>
+          <p:cNvSpPr>
+            <a:spLocks noGrp="1"/>
+          </p:cNvSpPr>
+          <p:nvPr>
+            <p:ph type="title"/>
+          </p:nvPr>
+        </p:nvSpPr>
+        <p:spPr/>
+        <p:txBody>
+          <a:bodyPr/>
+          <a:lstStyle/>
+          <a:p>
+            <a:r>
+              <a:rPr lang="en-US" dirty="0"/>
+              <a:t>C-level model (see the 18-mo. version)</a:t>
+            </a:r>
+          </a:p>
+        </p:txBody>
+      </p:sp>
+      <p:pic>
+        <p:nvPicPr>
+          <p:cNvPr id="5" name="Content Placeholder 4">
+            <a:extLst>
+              <a:ext uri="{FF2B5EF4-FFF2-40B4-BE49-F238E27FC236}">
+                <a16:creationId xmlns:a16="http://schemas.microsoft.com/office/drawing/2014/main" id="{AC9BCC23-BC2F-C440-9F66-21C48725E7EC}"/>
+              </a:ext>
+            </a:extLst>
+          </p:cNvPr>
+          <p:cNvPicPr>
+            <a:picLocks noGrp="1" noChangeAspect="1"/>
+          </p:cNvPicPr>
+          <p:nvPr>
+            <p:ph idx="1"/>
+          </p:nvPr>
+        </p:nvPicPr>
+        <p:blipFill>
+          <a:blip r:embed="rId2">
+            <a:extLst>
+              <a:ext uri="{28A0092B-C50C-407E-A947-70E740481C1C}">
+                <a14:useLocalDpi xmlns:a14="http://schemas.microsoft.com/office/drawing/2010/main" val="0"/>
+              </a:ext>
+            </a:extLst>
+          </a:blip>
+          <a:stretch>
+            <a:fillRect/>
+          </a:stretch>
+        </p:blipFill>
+        <p:spPr>
+          <a:xfrm>
+            <a:off x="2940328" y="1825625"/>
+            <a:ext cx="6311343" cy="4351338"/>
+          </a:xfrm>
+        </p:spPr>
+      </p:pic>
+    </p:spTree>
+    <p:extLst>
+      <p:ext uri="{BB962C8B-B14F-4D97-AF65-F5344CB8AC3E}">
+        <p14:creationId xmlns:p14="http://schemas.microsoft.com/office/powerpoint/2010/main" val="2150556075"/>
+      </p:ext>
+    </p:extLst>
+  </p:cSld>
+  <p:clrMapOvr>
+    <a:masterClrMapping/>
+  </p:clrMapOvr>
+</p:sld>
+</file>
+
+<file path=ppt/slides/slide21.xml><?xml version="1.0" encoding="utf-8"?>
+<p:sld xmlns:a="http://schemas.openxmlformats.org/drawingml/2006/main" xmlns:r="http://schemas.openxmlformats.org/officeDocument/2006/relationships" xmlns:p="http://schemas.openxmlformats.org/presentationml/2006/main">
+  <p:cSld>
+    <p:spTree>
+      <p:nvGrpSpPr>
+        <p:cNvPr id="1" name=""/>
+        <p:cNvGrpSpPr/>
+        <p:nvPr/>
+      </p:nvGrpSpPr>
+      <p:grpSpPr>
+        <a:xfrm>
+          <a:off x="0" y="0"/>
+          <a:ext cx="0" cy="0"/>
+          <a:chOff x="0" y="0"/>
+          <a:chExt cx="0" cy="0"/>
+        </a:xfrm>
+      </p:grpSpPr>
+      <p:sp>
+        <p:nvSpPr>
+          <p:cNvPr id="2" name="Title 1">
+            <a:extLst>
+              <a:ext uri="{FF2B5EF4-FFF2-40B4-BE49-F238E27FC236}">
                 <a16:creationId xmlns:a16="http://schemas.microsoft.com/office/drawing/2014/main" id="{F81C0E6F-DC8F-A943-A70F-41A57D1F2858}"/>
               </a:ext>
             </a:extLst>
@@ -6381,7 +6501,7 @@
 </p:sld>
 </file>
 
-<file path=ppt/slides/slide21.xml><?xml version="1.0" encoding="utf-8"?>
+<file path=ppt/slides/slide22.xml><?xml version="1.0" encoding="utf-8"?>
 <p:sld xmlns:a="http://schemas.openxmlformats.org/drawingml/2006/main" xmlns:r="http://schemas.openxmlformats.org/officeDocument/2006/relationships" xmlns:p="http://schemas.openxmlformats.org/presentationml/2006/main">
   <p:cSld>
     <p:spTree>
@@ -6475,7 +6595,7 @@
 </p:sld>
 </file>
 
-<file path=ppt/slides/slide22.xml><?xml version="1.0" encoding="utf-8"?>
+<file path=ppt/slides/slide23.xml><?xml version="1.0" encoding="utf-8"?>
 <p:sld xmlns:a="http://schemas.openxmlformats.org/drawingml/2006/main" xmlns:r="http://schemas.openxmlformats.org/officeDocument/2006/relationships" xmlns:p="http://schemas.openxmlformats.org/presentationml/2006/main">
   <p:cSld>
     <p:spTree>
@@ -6565,7 +6685,7 @@
 </p:sld>
 </file>
 
-<file path=ppt/slides/slide23.xml><?xml version="1.0" encoding="utf-8"?>
+<file path=ppt/slides/slide24.xml><?xml version="1.0" encoding="utf-8"?>
 <p:sld xmlns:a="http://schemas.openxmlformats.org/drawingml/2006/main" xmlns:r="http://schemas.openxmlformats.org/officeDocument/2006/relationships" xmlns:p="http://schemas.openxmlformats.org/presentationml/2006/main">
   <p:cSld>
     <p:spTree>
@@ -6655,7 +6775,7 @@
 </p:sld>
 </file>
 
-<file path=ppt/slides/slide24.xml><?xml version="1.0" encoding="utf-8"?>
+<file path=ppt/slides/slide25.xml><?xml version="1.0" encoding="utf-8"?>
 <p:sld xmlns:a="http://schemas.openxmlformats.org/drawingml/2006/main" xmlns:r="http://schemas.openxmlformats.org/officeDocument/2006/relationships" xmlns:p="http://schemas.openxmlformats.org/presentationml/2006/main">
   <p:cSld>
     <p:spTree>
@@ -6745,7 +6865,7 @@
 </p:sld>
 </file>
 
-<file path=ppt/slides/slide25.xml><?xml version="1.0" encoding="utf-8"?>
+<file path=ppt/slides/slide26.xml><?xml version="1.0" encoding="utf-8"?>
 <p:sld xmlns:a="http://schemas.openxmlformats.org/drawingml/2006/main" xmlns:r="http://schemas.openxmlformats.org/officeDocument/2006/relationships" xmlns:p="http://schemas.openxmlformats.org/presentationml/2006/main">
   <p:cSld>
     <p:spTree>
@@ -6843,6 +6963,29 @@
               <a:t>http://www.ics.uci.edu/~fielding/pubs/dissertation/top.htm</a:t>
             </a:r>
             <a:endParaRPr lang="en-US" sz="2000" dirty="0"/>
+          </a:p>
+          <a:p>
+            <a:pPr marL="0" indent="0">
+              <a:buNone/>
+            </a:pPr>
+            <a:endParaRPr lang="en-US" dirty="0"/>
+          </a:p>
+          <a:p>
+            <a:pPr marL="0" indent="0">
+              <a:buNone/>
+            </a:pPr>
+            <a:r>
+              <a:rPr lang="en-US" dirty="0"/>
+              <a:t>We will look at an implementation of the above (yes, </a:t>
+            </a:r>
+            <a:r>
+              <a:rPr lang="en-US" i="1" dirty="0"/>
+              <a:t>code</a:t>
+            </a:r>
+            <a:r>
+              <a:rPr lang="en-US" dirty="0"/>
+              <a:t>)</a:t>
+            </a:r>
           </a:p>
         </p:txBody>
       </p:sp>
@@ -6881,7 +7024,7 @@
           <p:cNvPr id="2" name="Title 1">
             <a:extLst>
               <a:ext uri="{FF2B5EF4-FFF2-40B4-BE49-F238E27FC236}">
-                <a16:creationId xmlns:a16="http://schemas.microsoft.com/office/drawing/2014/main" id="{095A785C-0560-9F41-A643-4F5E8BC3CC66}"/>
+                <a16:creationId xmlns:a16="http://schemas.microsoft.com/office/drawing/2014/main" id="{858BF18B-AD69-7C4E-BE91-DD5D7417B507}"/>
               </a:ext>
             </a:extLst>
           </p:cNvPr>
@@ -6899,7 +7042,7 @@
           <a:p>
             <a:r>
               <a:rPr lang="en-US" dirty="0"/>
-              <a:t>Grading, homework, etc.</a:t>
+              <a:t>Who am I to teach this course?</a:t>
             </a:r>
           </a:p>
         </p:txBody>
@@ -6909,26 +7052,21 @@
           <p:cNvPr id="3" name="Content Placeholder 2">
             <a:extLst>
               <a:ext uri="{FF2B5EF4-FFF2-40B4-BE49-F238E27FC236}">
-                <a16:creationId xmlns:a16="http://schemas.microsoft.com/office/drawing/2014/main" id="{09D0B488-2D12-D246-8704-893F1372932C}"/>
-              </a:ext>
-            </a:extLst>
-          </p:cNvPr>
-          <p:cNvSpPr>
-            <a:spLocks noGrp="1"/>
-          </p:cNvSpPr>
-          <p:nvPr>
-            <p:ph sz="half" idx="1"/>
-          </p:nvPr>
-        </p:nvSpPr>
-        <p:spPr>
-          <a:xfrm>
-            <a:off x="838200" y="1825625"/>
-            <a:ext cx="2690813" cy="4351338"/>
-          </a:xfrm>
-        </p:spPr>
+                <a16:creationId xmlns:a16="http://schemas.microsoft.com/office/drawing/2014/main" id="{4A708910-3497-4147-A77A-2A7FF2573E7F}"/>
+              </a:ext>
+            </a:extLst>
+          </p:cNvPr>
+          <p:cNvSpPr>
+            <a:spLocks noGrp="1"/>
+          </p:cNvSpPr>
+          <p:nvPr>
+            <p:ph idx="1"/>
+          </p:nvPr>
+        </p:nvSpPr>
+        <p:spPr/>
         <p:txBody>
           <a:bodyPr>
-            <a:normAutofit/>
+            <a:normAutofit lnSpcReduction="10000"/>
           </a:bodyPr>
           <a:lstStyle/>
           <a:p>
@@ -6936,25 +7074,51 @@
               <a:buNone/>
             </a:pPr>
             <a:r>
-              <a:rPr lang="en-US" sz="3000" b="1" dirty="0"/>
-              <a:t>95+ points</a:t>
-            </a:r>
-            <a:r>
-              <a:rPr lang="en-US" sz="3000" dirty="0"/>
-              <a:t> – A</a:t>
-            </a:r>
+              <a:rPr lang="en-US" dirty="0"/>
+              <a:t>Principle Architect – </a:t>
+            </a:r>
+            <a:r>
+              <a:rPr lang="en-US" dirty="0" err="1"/>
+              <a:t>ovation.io</a:t>
+            </a:r>
+            <a:endParaRPr lang="en-US" dirty="0"/>
           </a:p>
           <a:p>
             <a:pPr marL="0" indent="0">
               <a:buNone/>
             </a:pPr>
             <a:r>
-              <a:rPr lang="en-US" sz="3000" b="1" dirty="0"/>
-              <a:t>90+ points</a:t>
-            </a:r>
-            <a:r>
-              <a:rPr lang="en-US" sz="3000" dirty="0"/>
-              <a:t> – B</a:t>
+              <a:rPr lang="en-US" dirty="0">
+                <a:solidFill>
+                  <a:schemeClr val="tx1">
+                    <a:lumMod val="50000"/>
+                    <a:lumOff val="50000"/>
+                  </a:schemeClr>
+                </a:solidFill>
+              </a:rPr>
+              <a:t>Chief Technical Officer – </a:t>
+            </a:r>
+            <a:r>
+              <a:rPr lang="en-US" dirty="0" err="1">
+                <a:solidFill>
+                  <a:schemeClr val="tx1">
+                    <a:lumMod val="50000"/>
+                    <a:lumOff val="50000"/>
+                  </a:schemeClr>
+                </a:solidFill>
+              </a:rPr>
+              <a:t>InnoWerks</a:t>
+            </a:r>
+            <a:r>
+              <a:rPr lang="en-US" dirty="0">
+                <a:solidFill>
+                  <a:schemeClr val="tx1">
+                    <a:lumMod val="50000"/>
+                    <a:lumOff val="50000"/>
+                  </a:schemeClr>
+                </a:solidFill>
+              </a:rPr>
+              <a:t>, Ltd.</a:t>
             </a:r>
           </a:p>
           <a:p>
@@ -6962,79 +7126,91 @@
               <a:buNone/>
             </a:pPr>
             <a:r>
-              <a:rPr lang="en-US" sz="3000" b="1" dirty="0"/>
-              <a:t>85+ points</a:t>
-            </a:r>
-            <a:r>
-              <a:rPr lang="en-US" sz="3000" dirty="0"/>
-              <a:t> – C</a:t>
+              <a:rPr lang="en-US" dirty="0">
+                <a:solidFill>
+                  <a:schemeClr val="bg1">
+                    <a:lumMod val="50000"/>
+                  </a:schemeClr>
+                </a:solidFill>
+              </a:rPr>
+              <a:t>Chief Software Architect – Apptio</a:t>
             </a:r>
           </a:p>
           <a:p>
             <a:pPr marL="0" indent="0">
               <a:buNone/>
             </a:pPr>
-            <a:endParaRPr lang="en-US" sz="3000" b="1" dirty="0"/>
+            <a:r>
+              <a:rPr lang="en-US" dirty="0">
+                <a:solidFill>
+                  <a:schemeClr val="bg1">
+                    <a:lumMod val="65000"/>
+                  </a:schemeClr>
+                </a:solidFill>
+              </a:rPr>
+              <a:t>Chief Software Architect – Avalara</a:t>
+            </a:r>
           </a:p>
           <a:p>
             <a:pPr marL="0" indent="0">
               <a:buNone/>
             </a:pPr>
             <a:r>
-              <a:rPr lang="en-US" sz="3000" b="1" dirty="0"/>
-              <a:t>&lt; 85 is failing</a:t>
-            </a:r>
+              <a:rPr lang="en-US" dirty="0">
+                <a:solidFill>
+                  <a:schemeClr val="bg1">
+                    <a:lumMod val="75000"/>
+                  </a:schemeClr>
+                </a:solidFill>
+              </a:rPr>
+              <a:t>Chief Technical Officer – </a:t>
+            </a:r>
+            <a:r>
+              <a:rPr lang="en-US" dirty="0" err="1">
+                <a:solidFill>
+                  <a:schemeClr val="bg1">
+                    <a:lumMod val="75000"/>
+                  </a:schemeClr>
+                </a:solidFill>
+              </a:rPr>
+              <a:t>TesTrac.com</a:t>
+            </a:r>
+            <a:endParaRPr lang="en-US" dirty="0">
+              <a:solidFill>
+                <a:schemeClr val="bg1">
+                  <a:lumMod val="75000"/>
+                </a:schemeClr>
+              </a:solidFill>
+            </a:endParaRPr>
           </a:p>
           <a:p>
             <a:pPr marL="0" indent="0">
               <a:buNone/>
             </a:pPr>
-            <a:endParaRPr lang="en-US" dirty="0"/>
-          </a:p>
-        </p:txBody>
-      </p:sp>
-      <p:sp>
-        <p:nvSpPr>
-          <p:cNvPr id="4" name="Content Placeholder 3">
-            <a:extLst>
-              <a:ext uri="{FF2B5EF4-FFF2-40B4-BE49-F238E27FC236}">
-                <a16:creationId xmlns:a16="http://schemas.microsoft.com/office/drawing/2014/main" id="{AFAEFCB6-2794-724A-8566-92A7F00B63CB}"/>
-              </a:ext>
-            </a:extLst>
-          </p:cNvPr>
-          <p:cNvSpPr>
-            <a:spLocks noGrp="1"/>
-          </p:cNvSpPr>
-          <p:nvPr>
-            <p:ph sz="half" idx="2"/>
-          </p:nvPr>
-        </p:nvSpPr>
-        <p:spPr>
-          <a:xfrm>
-            <a:off x="3529013" y="1825625"/>
-            <a:ext cx="7824787" cy="4351338"/>
-          </a:xfrm>
-        </p:spPr>
-        <p:txBody>
-          <a:bodyPr>
-            <a:normAutofit/>
-          </a:bodyPr>
-          <a:lstStyle/>
+            <a:r>
+              <a:rPr lang="en-US" dirty="0">
+                <a:solidFill>
+                  <a:schemeClr val="bg1">
+                    <a:lumMod val="75000"/>
+                  </a:schemeClr>
+                </a:solidFill>
+              </a:rPr>
+              <a:t>Principle Software Architect – Dynamics AX</a:t>
+            </a:r>
+          </a:p>
           <a:p>
             <a:pPr marL="0" indent="0">
               <a:buNone/>
             </a:pPr>
             <a:r>
-              <a:rPr lang="en-US" dirty="0"/>
-              <a:t>Mid-term – 15-20% (11</a:t>
-            </a:r>
-            <a:r>
-              <a:rPr lang="en-US" baseline="30000" dirty="0"/>
-              <a:t>th</a:t>
-            </a:r>
-            <a:r>
-              <a:rPr lang="en-US" dirty="0"/>
-              <a:t> Feb)</a:t>
+              <a:rPr lang="en-US" dirty="0">
+                <a:solidFill>
+                  <a:schemeClr val="bg1">
+                    <a:lumMod val="75000"/>
+                  </a:schemeClr>
+                </a:solidFill>
+              </a:rPr>
+              <a:t>Principle Software Architect – Microsoft Hohm</a:t>
             </a:r>
           </a:p>
           <a:p>
@@ -7042,16 +7218,14 @@
               <a:buNone/>
             </a:pPr>
             <a:r>
-              <a:rPr lang="en-US" dirty="0"/>
-              <a:t>Final exam – 25-30% (19</a:t>
-            </a:r>
-            <a:r>
-              <a:rPr lang="en-US" baseline="30000" dirty="0"/>
-              <a:t>th</a:t>
-            </a:r>
-            <a:r>
-              <a:rPr lang="en-US" dirty="0"/>
-              <a:t> Mar)</a:t>
+              <a:rPr lang="en-US" dirty="0">
+                <a:solidFill>
+                  <a:schemeClr val="bg1">
+                    <a:lumMod val="85000"/>
+                  </a:schemeClr>
+                </a:solidFill>
+              </a:rPr>
+              <a:t>Software Architect – Dynamics CRM</a:t>
             </a:r>
           </a:p>
           <a:p>
@@ -7059,46 +7233,39 @@
               <a:buNone/>
             </a:pPr>
             <a:r>
-              <a:rPr lang="en-US" dirty="0"/>
-              <a:t>Team assignments – 30% (3 papers, 1 presentation)</a:t>
-            </a:r>
-          </a:p>
-          <a:p>
-            <a:pPr marL="0" indent="0">
-              <a:buNone/>
-            </a:pPr>
-            <a:r>
-              <a:rPr lang="en-US" dirty="0"/>
-              <a:t>Individual assignments – 10% (2 TBD)</a:t>
-            </a:r>
-          </a:p>
-          <a:p>
-            <a:pPr marL="0" indent="0">
-              <a:buNone/>
-            </a:pPr>
-            <a:r>
-              <a:rPr lang="en-US" dirty="0"/>
-              <a:t>Individual project – 10% (1 paper, etc.)</a:t>
-            </a:r>
-          </a:p>
-          <a:p>
-            <a:pPr marL="0" indent="0">
-              <a:buNone/>
-            </a:pPr>
-            <a:r>
-              <a:rPr lang="en-US" dirty="0"/>
-              <a:t>Other random work – up to 10% (see above)</a:t>
-            </a:r>
-          </a:p>
-          <a:p>
-            <a:endParaRPr lang="en-US" dirty="0"/>
+              <a:rPr lang="en-US" dirty="0">
+                <a:solidFill>
+                  <a:schemeClr val="bg1">
+                    <a:lumMod val="95000"/>
+                  </a:schemeClr>
+                </a:solidFill>
+              </a:rPr>
+              <a:t>Founder, chief engineer, </a:t>
+            </a:r>
+            <a:r>
+              <a:rPr lang="en-US">
+                <a:solidFill>
+                  <a:schemeClr val="bg1">
+                    <a:lumMod val="95000"/>
+                  </a:schemeClr>
+                </a:solidFill>
+              </a:rPr>
+              <a:t>chief architect at…</a:t>
+            </a:r>
+            <a:endParaRPr lang="en-US" dirty="0">
+              <a:solidFill>
+                <a:schemeClr val="bg1">
+                  <a:lumMod val="95000"/>
+                </a:schemeClr>
+              </a:solidFill>
+            </a:endParaRPr>
           </a:p>
         </p:txBody>
       </p:sp>
     </p:spTree>
     <p:extLst>
       <p:ext uri="{BB962C8B-B14F-4D97-AF65-F5344CB8AC3E}">
-        <p14:creationId xmlns:p14="http://schemas.microsoft.com/office/powerpoint/2010/main" val="639142658"/>
+        <p14:creationId xmlns:p14="http://schemas.microsoft.com/office/powerpoint/2010/main" val="40077599"/>
       </p:ext>
     </p:extLst>
   </p:cSld>
@@ -7127,7 +7294,13 @@
       </p:grpSpPr>
       <p:sp>
         <p:nvSpPr>
-          <p:cNvPr id="2" name="Title 1"/>
+          <p:cNvPr id="2" name="Title 1">
+            <a:extLst>
+              <a:ext uri="{FF2B5EF4-FFF2-40B4-BE49-F238E27FC236}">
+                <a16:creationId xmlns:a16="http://schemas.microsoft.com/office/drawing/2014/main" id="{095A785C-0560-9F41-A643-4F5E8BC3CC66}"/>
+              </a:ext>
+            </a:extLst>
+          </p:cNvPr>
           <p:cNvSpPr>
             <a:spLocks noGrp="1"/>
           </p:cNvSpPr>
@@ -7142,32 +7315,49 @@
           <a:p>
             <a:r>
               <a:rPr lang="en-US" dirty="0"/>
-              <a:t>Course structure</a:t>
-            </a:r>
-          </a:p>
-        </p:txBody>
-      </p:sp>
-      <p:sp>
-        <p:nvSpPr>
-          <p:cNvPr id="3" name="Content Placeholder 2"/>
-          <p:cNvSpPr>
-            <a:spLocks noGrp="1"/>
-          </p:cNvSpPr>
-          <p:nvPr>
-            <p:ph idx="1"/>
-          </p:nvPr>
-        </p:nvSpPr>
-        <p:spPr/>
-        <p:txBody>
-          <a:bodyPr/>
+              <a:t>Grading, homework, etc.</a:t>
+            </a:r>
+          </a:p>
+        </p:txBody>
+      </p:sp>
+      <p:sp>
+        <p:nvSpPr>
+          <p:cNvPr id="3" name="Content Placeholder 2">
+            <a:extLst>
+              <a:ext uri="{FF2B5EF4-FFF2-40B4-BE49-F238E27FC236}">
+                <a16:creationId xmlns:a16="http://schemas.microsoft.com/office/drawing/2014/main" id="{09D0B488-2D12-D246-8704-893F1372932C}"/>
+              </a:ext>
+            </a:extLst>
+          </p:cNvPr>
+          <p:cNvSpPr>
+            <a:spLocks noGrp="1"/>
+          </p:cNvSpPr>
+          <p:nvPr>
+            <p:ph sz="half" idx="1"/>
+          </p:nvPr>
+        </p:nvSpPr>
+        <p:spPr>
+          <a:xfrm>
+            <a:off x="838200" y="1825625"/>
+            <a:ext cx="2690813" cy="4351338"/>
+          </a:xfrm>
+        </p:spPr>
+        <p:txBody>
+          <a:bodyPr>
+            <a:normAutofit/>
+          </a:bodyPr>
           <a:lstStyle/>
           <a:p>
             <a:pPr marL="0" indent="0">
               <a:buNone/>
             </a:pPr>
             <a:r>
-              <a:rPr lang="en-US" dirty="0"/>
-              <a:t>Lectures, lectures, lectures</a:t>
+              <a:rPr lang="en-US" sz="3000" b="1" dirty="0"/>
+              <a:t>95+ points</a:t>
+            </a:r>
+            <a:r>
+              <a:rPr lang="en-US" sz="3000" dirty="0"/>
+              <a:t> – A</a:t>
             </a:r>
           </a:p>
           <a:p>
@@ -7175,8 +7365,12 @@
               <a:buNone/>
             </a:pPr>
             <a:r>
-              <a:rPr lang="en-US" dirty="0"/>
-              <a:t>I prefer discussion to lecturing</a:t>
+              <a:rPr lang="en-US" sz="3000" b="1" dirty="0"/>
+              <a:t>90+ points</a:t>
+            </a:r>
+            <a:r>
+              <a:rPr lang="en-US" sz="3000" dirty="0"/>
+              <a:t> – B</a:t>
             </a:r>
           </a:p>
           <a:p>
@@ -7184,52 +7378,143 @@
               <a:buNone/>
             </a:pPr>
             <a:r>
-              <a:rPr lang="en-US" dirty="0"/>
-              <a:t>Team project and team assignments</a:t>
+              <a:rPr lang="en-US" sz="3000" b="1" dirty="0"/>
+              <a:t>85+ points</a:t>
+            </a:r>
+            <a:r>
+              <a:rPr lang="en-US" sz="3000" dirty="0"/>
+              <a:t> – C</a:t>
             </a:r>
           </a:p>
           <a:p>
             <a:pPr marL="0" indent="0">
               <a:buNone/>
             </a:pPr>
-            <a:r>
-              <a:rPr lang="en-US" dirty="0"/>
-              <a:t>At least one design session</a:t>
-            </a:r>
+            <a:endParaRPr lang="en-US" sz="3000" b="1" dirty="0"/>
           </a:p>
           <a:p>
             <a:pPr marL="0" indent="0">
               <a:buNone/>
             </a:pPr>
             <a:r>
-              <a:rPr lang="en-US" dirty="0"/>
-              <a:t>One midterm</a:t>
+              <a:rPr lang="en-US" sz="3000" b="1" dirty="0"/>
+              <a:t>&lt; 85 is failing</a:t>
             </a:r>
           </a:p>
           <a:p>
             <a:pPr marL="0" indent="0">
               <a:buNone/>
             </a:pPr>
-            <a:r>
-              <a:rPr lang="en-US" dirty="0"/>
-              <a:t>One final</a:t>
-            </a:r>
-          </a:p>
+            <a:endParaRPr lang="en-US" dirty="0"/>
+          </a:p>
+        </p:txBody>
+      </p:sp>
+      <p:sp>
+        <p:nvSpPr>
+          <p:cNvPr id="4" name="Content Placeholder 3">
+            <a:extLst>
+              <a:ext uri="{FF2B5EF4-FFF2-40B4-BE49-F238E27FC236}">
+                <a16:creationId xmlns:a16="http://schemas.microsoft.com/office/drawing/2014/main" id="{AFAEFCB6-2794-724A-8566-92A7F00B63CB}"/>
+              </a:ext>
+            </a:extLst>
+          </p:cNvPr>
+          <p:cNvSpPr>
+            <a:spLocks noGrp="1"/>
+          </p:cNvSpPr>
+          <p:nvPr>
+            <p:ph sz="half" idx="2"/>
+          </p:nvPr>
+        </p:nvSpPr>
+        <p:spPr>
+          <a:xfrm>
+            <a:off x="3529013" y="1825625"/>
+            <a:ext cx="7824787" cy="4351338"/>
+          </a:xfrm>
+        </p:spPr>
+        <p:txBody>
+          <a:bodyPr>
+            <a:normAutofit/>
+          </a:bodyPr>
+          <a:lstStyle/>
           <a:p>
             <a:pPr marL="0" indent="0">
               <a:buNone/>
             </a:pPr>
             <a:r>
               <a:rPr lang="en-US" dirty="0"/>
-              <a:t>Some pop quizzes (please always have paper and pencil in hand)</a:t>
-            </a:r>
+              <a:t>Mid-term – 15-20% (11</a:t>
+            </a:r>
+            <a:r>
+              <a:rPr lang="en-US" baseline="30000" dirty="0"/>
+              <a:t>th</a:t>
+            </a:r>
+            <a:r>
+              <a:rPr lang="en-US" dirty="0"/>
+              <a:t> Feb)</a:t>
+            </a:r>
+          </a:p>
+          <a:p>
+            <a:pPr marL="0" indent="0">
+              <a:buNone/>
+            </a:pPr>
+            <a:r>
+              <a:rPr lang="en-US" dirty="0"/>
+              <a:t>Final exam – 25-30% (19</a:t>
+            </a:r>
+            <a:r>
+              <a:rPr lang="en-US" baseline="30000" dirty="0"/>
+              <a:t>th</a:t>
+            </a:r>
+            <a:r>
+              <a:rPr lang="en-US" dirty="0"/>
+              <a:t> Mar)</a:t>
+            </a:r>
+          </a:p>
+          <a:p>
+            <a:pPr marL="0" indent="0">
+              <a:buNone/>
+            </a:pPr>
+            <a:r>
+              <a:rPr lang="en-US" dirty="0"/>
+              <a:t>Team assignments – 30% (3 papers, 1 presentation)</a:t>
+            </a:r>
+          </a:p>
+          <a:p>
+            <a:pPr marL="0" indent="0">
+              <a:buNone/>
+            </a:pPr>
+            <a:r>
+              <a:rPr lang="en-US" dirty="0"/>
+              <a:t>Individual assignments – 10% (2 TBD)</a:t>
+            </a:r>
+          </a:p>
+          <a:p>
+            <a:pPr marL="0" indent="0">
+              <a:buNone/>
+            </a:pPr>
+            <a:r>
+              <a:rPr lang="en-US" dirty="0"/>
+              <a:t>Individual project – 10% (1 paper, etc.)</a:t>
+            </a:r>
+          </a:p>
+          <a:p>
+            <a:pPr marL="0" indent="0">
+              <a:buNone/>
+            </a:pPr>
+            <a:r>
+              <a:rPr lang="en-US" dirty="0"/>
+              <a:t>Other random work – up to 10% (see above)</a:t>
+            </a:r>
+          </a:p>
+          <a:p>
+            <a:endParaRPr lang="en-US" dirty="0"/>
           </a:p>
         </p:txBody>
       </p:sp>
     </p:spTree>
     <p:extLst>
       <p:ext uri="{BB962C8B-B14F-4D97-AF65-F5344CB8AC3E}">
-        <p14:creationId xmlns:p14="http://schemas.microsoft.com/office/powerpoint/2010/main" val="16608483"/>
+        <p14:creationId xmlns:p14="http://schemas.microsoft.com/office/powerpoint/2010/main" val="639142658"/>
       </p:ext>
     </p:extLst>
   </p:cSld>
@@ -7273,7 +7558,7 @@
           <a:p>
             <a:r>
               <a:rPr lang="en-US" dirty="0"/>
-              <a:t>Topics we’re going after</a:t>
+              <a:t>Course structure</a:t>
             </a:r>
           </a:p>
         </p:txBody>
@@ -7290,9 +7575,7 @@
         </p:nvSpPr>
         <p:spPr/>
         <p:txBody>
-          <a:bodyPr>
-            <a:normAutofit/>
-          </a:bodyPr>
+          <a:bodyPr/>
           <a:lstStyle/>
           <a:p>
             <a:pPr marL="0" indent="0">
@@ -7300,7 +7583,7 @@
             </a:pPr>
             <a:r>
               <a:rPr lang="en-US" dirty="0"/>
-              <a:t>API design, interfaces, and messages</a:t>
+              <a:t>Lectures, lectures, lectures</a:t>
             </a:r>
           </a:p>
           <a:p>
@@ -7309,15 +7592,7 @@
             </a:pPr>
             <a:r>
               <a:rPr lang="en-US" dirty="0"/>
-              <a:t>Fowler’s Analysis patterns &amp; </a:t>
-            </a:r>
-            <a:r>
-              <a:rPr lang="en-US" i="1" dirty="0"/>
-              <a:t>Gang of Four </a:t>
-            </a:r>
-            <a:r>
-              <a:rPr lang="en-US" dirty="0"/>
-              <a:t>patterns</a:t>
+              <a:t>I prefer discussion to lecturing</a:t>
             </a:r>
           </a:p>
           <a:p>
@@ -7326,7 +7601,7 @@
             </a:pPr>
             <a:r>
               <a:rPr lang="en-US" dirty="0"/>
-              <a:t>Distributed systems and service-oriented architecture</a:t>
+              <a:t>Team project and team assignments</a:t>
             </a:r>
           </a:p>
           <a:p>
@@ -7335,7 +7610,7 @@
             </a:pPr>
             <a:r>
               <a:rPr lang="en-US" dirty="0"/>
-              <a:t>Approaches to dealing with existing systems</a:t>
+              <a:t>At least one design session</a:t>
             </a:r>
           </a:p>
           <a:p>
@@ -7344,7 +7619,7 @@
             </a:pPr>
             <a:r>
               <a:rPr lang="en-US" dirty="0"/>
-              <a:t>Reverse engineering and archaeology</a:t>
+              <a:t>One midterm</a:t>
             </a:r>
           </a:p>
           <a:p>
@@ -7353,7 +7628,7 @@
             </a:pPr>
             <a:r>
               <a:rPr lang="en-US" dirty="0"/>
-              <a:t>Agile and / or software architecture</a:t>
+              <a:t>One final</a:t>
             </a:r>
           </a:p>
           <a:p>
@@ -7362,16 +7637,7 @@
             </a:pPr>
             <a:r>
               <a:rPr lang="en-US" dirty="0"/>
-              <a:t>Development tools</a:t>
-            </a:r>
-          </a:p>
-          <a:p>
-            <a:pPr marL="0" indent="0">
-              <a:buNone/>
-            </a:pPr>
-            <a:r>
-              <a:rPr lang="en-US" dirty="0"/>
-              <a:t>Revisit enterprise patterns</a:t>
+              <a:t>Some pop quizzes (please always have paper and pencil in hand)</a:t>
             </a:r>
           </a:p>
         </p:txBody>
@@ -7379,7 +7645,7 @@
     </p:spTree>
     <p:extLst>
       <p:ext uri="{BB962C8B-B14F-4D97-AF65-F5344CB8AC3E}">
-        <p14:creationId xmlns:p14="http://schemas.microsoft.com/office/powerpoint/2010/main" val="3067666387"/>
+        <p14:creationId xmlns:p14="http://schemas.microsoft.com/office/powerpoint/2010/main" val="16608483"/>
       </p:ext>
     </p:extLst>
   </p:cSld>
@@ -7423,6 +7689,156 @@
           <a:p>
             <a:r>
               <a:rPr lang="en-US" dirty="0"/>
+              <a:t>Topics we’re going after</a:t>
+            </a:r>
+          </a:p>
+        </p:txBody>
+      </p:sp>
+      <p:sp>
+        <p:nvSpPr>
+          <p:cNvPr id="3" name="Content Placeholder 2"/>
+          <p:cNvSpPr>
+            <a:spLocks noGrp="1"/>
+          </p:cNvSpPr>
+          <p:nvPr>
+            <p:ph idx="1"/>
+          </p:nvPr>
+        </p:nvSpPr>
+        <p:spPr/>
+        <p:txBody>
+          <a:bodyPr>
+            <a:normAutofit/>
+          </a:bodyPr>
+          <a:lstStyle/>
+          <a:p>
+            <a:pPr marL="0" indent="0">
+              <a:buNone/>
+            </a:pPr>
+            <a:r>
+              <a:rPr lang="en-US" dirty="0"/>
+              <a:t>API design, interfaces, and messages</a:t>
+            </a:r>
+          </a:p>
+          <a:p>
+            <a:pPr marL="0" indent="0">
+              <a:buNone/>
+            </a:pPr>
+            <a:r>
+              <a:rPr lang="en-US" dirty="0"/>
+              <a:t>Fowler’s Analysis patterns &amp; </a:t>
+            </a:r>
+            <a:r>
+              <a:rPr lang="en-US" i="1" dirty="0"/>
+              <a:t>Gang of Four </a:t>
+            </a:r>
+            <a:r>
+              <a:rPr lang="en-US" dirty="0"/>
+              <a:t>patterns</a:t>
+            </a:r>
+          </a:p>
+          <a:p>
+            <a:pPr marL="0" indent="0">
+              <a:buNone/>
+            </a:pPr>
+            <a:r>
+              <a:rPr lang="en-US" dirty="0"/>
+              <a:t>Distributed systems and service-oriented architecture</a:t>
+            </a:r>
+          </a:p>
+          <a:p>
+            <a:pPr marL="0" indent="0">
+              <a:buNone/>
+            </a:pPr>
+            <a:r>
+              <a:rPr lang="en-US" dirty="0"/>
+              <a:t>Approaches to dealing with existing systems</a:t>
+            </a:r>
+          </a:p>
+          <a:p>
+            <a:pPr marL="0" indent="0">
+              <a:buNone/>
+            </a:pPr>
+            <a:r>
+              <a:rPr lang="en-US" dirty="0"/>
+              <a:t>Reverse engineering and archaeology</a:t>
+            </a:r>
+          </a:p>
+          <a:p>
+            <a:pPr marL="0" indent="0">
+              <a:buNone/>
+            </a:pPr>
+            <a:r>
+              <a:rPr lang="en-US" dirty="0"/>
+              <a:t>Agile and / or software architecture</a:t>
+            </a:r>
+          </a:p>
+          <a:p>
+            <a:pPr marL="0" indent="0">
+              <a:buNone/>
+            </a:pPr>
+            <a:r>
+              <a:rPr lang="en-US" dirty="0"/>
+              <a:t>Development tools</a:t>
+            </a:r>
+          </a:p>
+          <a:p>
+            <a:pPr marL="0" indent="0">
+              <a:buNone/>
+            </a:pPr>
+            <a:r>
+              <a:rPr lang="en-US" dirty="0"/>
+              <a:t>Revisit enterprise patterns</a:t>
+            </a:r>
+          </a:p>
+        </p:txBody>
+      </p:sp>
+    </p:spTree>
+    <p:extLst>
+      <p:ext uri="{BB962C8B-B14F-4D97-AF65-F5344CB8AC3E}">
+        <p14:creationId xmlns:p14="http://schemas.microsoft.com/office/powerpoint/2010/main" val="3067666387"/>
+      </p:ext>
+    </p:extLst>
+  </p:cSld>
+  <p:clrMapOvr>
+    <a:masterClrMapping/>
+  </p:clrMapOvr>
+</p:sld>
+</file>
+
+<file path=ppt/slides/slide7.xml><?xml version="1.0" encoding="utf-8"?>
+<p:sld xmlns:a="http://schemas.openxmlformats.org/drawingml/2006/main" xmlns:r="http://schemas.openxmlformats.org/officeDocument/2006/relationships" xmlns:p="http://schemas.openxmlformats.org/presentationml/2006/main">
+  <p:cSld>
+    <p:spTree>
+      <p:nvGrpSpPr>
+        <p:cNvPr id="1" name=""/>
+        <p:cNvGrpSpPr/>
+        <p:nvPr/>
+      </p:nvGrpSpPr>
+      <p:grpSpPr>
+        <a:xfrm>
+          <a:off x="0" y="0"/>
+          <a:ext cx="0" cy="0"/>
+          <a:chOff x="0" y="0"/>
+          <a:chExt cx="0" cy="0"/>
+        </a:xfrm>
+      </p:grpSpPr>
+      <p:sp>
+        <p:nvSpPr>
+          <p:cNvPr id="2" name="Title 1"/>
+          <p:cNvSpPr>
+            <a:spLocks noGrp="1"/>
+          </p:cNvSpPr>
+          <p:nvPr>
+            <p:ph type="title"/>
+          </p:nvPr>
+        </p:nvSpPr>
+        <p:spPr/>
+        <p:txBody>
+          <a:bodyPr/>
+          <a:lstStyle/>
+          <a:p>
+            <a:r>
+              <a:rPr lang="en-US" dirty="0"/>
               <a:t>The project</a:t>
             </a:r>
           </a:p>
@@ -7541,7 +7957,7 @@
 </p:sld>
 </file>
 
-<file path=ppt/slides/slide7.xml><?xml version="1.0" encoding="utf-8"?>
+<file path=ppt/slides/slide8.xml><?xml version="1.0" encoding="utf-8"?>
 <p:sld xmlns:a="http://schemas.openxmlformats.org/drawingml/2006/main" xmlns:r="http://schemas.openxmlformats.org/officeDocument/2006/relationships" xmlns:p="http://schemas.openxmlformats.org/presentationml/2006/main">
   <p:cSld>
     <p:spTree>
@@ -8270,89 +8686,6 @@
 </p:sld>
 </file>
 
-<file path=ppt/slides/slide8.xml><?xml version="1.0" encoding="utf-8"?>
-<p:sld xmlns:a="http://schemas.openxmlformats.org/drawingml/2006/main" xmlns:r="http://schemas.openxmlformats.org/officeDocument/2006/relationships" xmlns:p="http://schemas.openxmlformats.org/presentationml/2006/main">
-  <p:cSld>
-    <p:spTree>
-      <p:nvGrpSpPr>
-        <p:cNvPr id="1" name=""/>
-        <p:cNvGrpSpPr/>
-        <p:nvPr/>
-      </p:nvGrpSpPr>
-      <p:grpSpPr>
-        <a:xfrm>
-          <a:off x="0" y="0"/>
-          <a:ext cx="0" cy="0"/>
-          <a:chOff x="0" y="0"/>
-          <a:chExt cx="0" cy="0"/>
-        </a:xfrm>
-      </p:grpSpPr>
-      <p:sp>
-        <p:nvSpPr>
-          <p:cNvPr id="5" name="Title 4">
-            <a:extLst>
-              <a:ext uri="{FF2B5EF4-FFF2-40B4-BE49-F238E27FC236}">
-                <a16:creationId xmlns:a16="http://schemas.microsoft.com/office/drawing/2014/main" id="{21F03E92-7A0E-5A4F-97EA-E2518802C75F}"/>
-              </a:ext>
-            </a:extLst>
-          </p:cNvPr>
-          <p:cNvSpPr>
-            <a:spLocks noGrp="1"/>
-          </p:cNvSpPr>
-          <p:nvPr>
-            <p:ph type="title"/>
-          </p:nvPr>
-        </p:nvSpPr>
-        <p:spPr/>
-        <p:txBody>
-          <a:bodyPr/>
-          <a:lstStyle/>
-          <a:p>
-            <a:r>
-              <a:rPr lang="en-US" dirty="0"/>
-              <a:t>Any questions so far?</a:t>
-            </a:r>
-          </a:p>
-        </p:txBody>
-      </p:sp>
-      <p:sp>
-        <p:nvSpPr>
-          <p:cNvPr id="6" name="Text Placeholder 5">
-            <a:extLst>
-              <a:ext uri="{FF2B5EF4-FFF2-40B4-BE49-F238E27FC236}">
-                <a16:creationId xmlns:a16="http://schemas.microsoft.com/office/drawing/2014/main" id="{2C328671-7808-C646-BBDD-48F9C576AB34}"/>
-              </a:ext>
-            </a:extLst>
-          </p:cNvPr>
-          <p:cNvSpPr>
-            <a:spLocks noGrp="1"/>
-          </p:cNvSpPr>
-          <p:nvPr>
-            <p:ph type="body" idx="1"/>
-          </p:nvPr>
-        </p:nvSpPr>
-        <p:spPr/>
-        <p:txBody>
-          <a:bodyPr/>
-          <a:lstStyle/>
-          <a:p>
-            <a:endParaRPr lang="en-US"/>
-          </a:p>
-        </p:txBody>
-      </p:sp>
-    </p:spTree>
-    <p:extLst>
-      <p:ext uri="{BB962C8B-B14F-4D97-AF65-F5344CB8AC3E}">
-        <p14:creationId xmlns:p14="http://schemas.microsoft.com/office/powerpoint/2010/main" val="1943180212"/>
-      </p:ext>
-    </p:extLst>
-  </p:cSld>
-  <p:clrMapOvr>
-    <a:masterClrMapping/>
-  </p:clrMapOvr>
-</p:sld>
-</file>
-
 <file path=ppt/slides/slide9.xml><?xml version="1.0" encoding="utf-8"?>
 <p:sld xmlns:a="http://schemas.openxmlformats.org/drawingml/2006/main" xmlns:r="http://schemas.openxmlformats.org/officeDocument/2006/relationships" xmlns:p="http://schemas.openxmlformats.org/presentationml/2006/main">
   <p:cSld>
@@ -8372,7 +8705,13 @@
       </p:grpSpPr>
       <p:sp>
         <p:nvSpPr>
-          <p:cNvPr id="4" name="Title 3"/>
+          <p:cNvPr id="5" name="Title 4">
+            <a:extLst>
+              <a:ext uri="{FF2B5EF4-FFF2-40B4-BE49-F238E27FC236}">
+                <a16:creationId xmlns:a16="http://schemas.microsoft.com/office/drawing/2014/main" id="{21F03E92-7A0E-5A4F-97EA-E2518802C75F}"/>
+              </a:ext>
+            </a:extLst>
+          </p:cNvPr>
           <p:cNvSpPr>
             <a:spLocks noGrp="1"/>
           </p:cNvSpPr>
@@ -8387,14 +8726,20 @@
           <a:p>
             <a:r>
               <a:rPr lang="en-US" dirty="0"/>
-              <a:t>Introduction</a:t>
-            </a:r>
-          </a:p>
-        </p:txBody>
-      </p:sp>
-      <p:sp>
-        <p:nvSpPr>
-          <p:cNvPr id="5" name="Text Placeholder 4"/>
+              <a:t>Any questions so far?</a:t>
+            </a:r>
+          </a:p>
+        </p:txBody>
+      </p:sp>
+      <p:sp>
+        <p:nvSpPr>
+          <p:cNvPr id="6" name="Text Placeholder 5">
+            <a:extLst>
+              <a:ext uri="{FF2B5EF4-FFF2-40B4-BE49-F238E27FC236}">
+                <a16:creationId xmlns:a16="http://schemas.microsoft.com/office/drawing/2014/main" id="{2C328671-7808-C646-BBDD-48F9C576AB34}"/>
+              </a:ext>
+            </a:extLst>
+          </p:cNvPr>
           <p:cNvSpPr>
             <a:spLocks noGrp="1"/>
           </p:cNvSpPr>
@@ -8407,22 +8752,14 @@
           <a:bodyPr/>
           <a:lstStyle/>
           <a:p>
-            <a:r>
-              <a:rPr lang="en-US" dirty="0"/>
-              <a:t>We need to start somewhere, this seems like a </a:t>
-            </a:r>
-            <a:r>
-              <a:rPr lang="en-US"/>
-              <a:t>good place</a:t>
-            </a:r>
-            <a:endParaRPr lang="en-US" dirty="0"/>
+            <a:endParaRPr lang="en-US"/>
           </a:p>
         </p:txBody>
       </p:sp>
     </p:spTree>
     <p:extLst>
       <p:ext uri="{BB962C8B-B14F-4D97-AF65-F5344CB8AC3E}">
-        <p14:creationId xmlns:p14="http://schemas.microsoft.com/office/powerpoint/2010/main" val="2579962451"/>
+        <p14:creationId xmlns:p14="http://schemas.microsoft.com/office/powerpoint/2010/main" val="1943180212"/>
       </p:ext>
     </p:extLst>
   </p:cSld>

--- a/lectures/01 - Introduction.pptx
+++ b/lectures/01 - Introduction.pptx
@@ -153,7 +153,7 @@
   <pc:docChgLst>
     <pc:chgData name="Michaeljon Miller" userId="c575fe5cddd8b8cf" providerId="LiveId" clId="{7EF091A2-6ACD-7C44-BF26-8B2484B06C9B}"/>
     <pc:docChg chg="undo custSel addSld delSld modSld sldOrd">
-      <pc:chgData name="Michaeljon Miller" userId="c575fe5cddd8b8cf" providerId="LiveId" clId="{7EF091A2-6ACD-7C44-BF26-8B2484B06C9B}" dt="2020-01-07T23:55:21.960" v="2476" actId="20577"/>
+      <pc:chgData name="Michaeljon Miller" userId="c575fe5cddd8b8cf" providerId="LiveId" clId="{7EF091A2-6ACD-7C44-BF26-8B2484B06C9B}" dt="2020-01-08T15:33:11.166" v="2492" actId="20577"/>
       <pc:docMkLst>
         <pc:docMk/>
       </pc:docMkLst>
@@ -785,7 +785,7 @@
         </pc:spChg>
       </pc:sldChg>
       <pc:sldChg chg="modSp new">
-        <pc:chgData name="Michaeljon Miller" userId="c575fe5cddd8b8cf" providerId="LiveId" clId="{7EF091A2-6ACD-7C44-BF26-8B2484B06C9B}" dt="2020-01-07T23:55:21.960" v="2476" actId="20577"/>
+        <pc:chgData name="Michaeljon Miller" userId="c575fe5cddd8b8cf" providerId="LiveId" clId="{7EF091A2-6ACD-7C44-BF26-8B2484B06C9B}" dt="2020-01-08T15:33:11.166" v="2492" actId="20577"/>
         <pc:sldMkLst>
           <pc:docMk/>
           <pc:sldMk cId="40077599" sldId="334"/>
@@ -799,7 +799,7 @@
           </ac:spMkLst>
         </pc:spChg>
         <pc:spChg chg="mod">
-          <ac:chgData name="Michaeljon Miller" userId="c575fe5cddd8b8cf" providerId="LiveId" clId="{7EF091A2-6ACD-7C44-BF26-8B2484B06C9B}" dt="2020-01-07T23:55:21.960" v="2476" actId="20577"/>
+          <ac:chgData name="Michaeljon Miller" userId="c575fe5cddd8b8cf" providerId="LiveId" clId="{7EF091A2-6ACD-7C44-BF26-8B2484B06C9B}" dt="2020-01-08T15:33:11.166" v="2492" actId="20577"/>
           <ac:spMkLst>
             <pc:docMk/>
             <pc:sldMk cId="40077599" sldId="334"/>
@@ -1255,7 +1255,7 @@
           <a:p>
             <a:fld id="{B30C5654-8255-4741-B5E4-F40A45C3546B}" type="datetimeFigureOut">
               <a:rPr lang="en-US" smtClean="0"/>
-              <a:t>1/7/20</a:t>
+              <a:t>1/8/20</a:t>
             </a:fld>
             <a:endParaRPr lang="en-US"/>
           </a:p>
@@ -1924,7 +1924,7 @@
           <a:p>
             <a:fld id="{1E1327A7-1338-42E3-A376-4DBDA53A9DB0}" type="datetimeFigureOut">
               <a:rPr lang="en-US" smtClean="0"/>
-              <a:t>1/7/20</a:t>
+              <a:t>1/8/20</a:t>
             </a:fld>
             <a:endParaRPr lang="en-US"/>
           </a:p>
@@ -2122,7 +2122,7 @@
           <a:p>
             <a:fld id="{1E1327A7-1338-42E3-A376-4DBDA53A9DB0}" type="datetimeFigureOut">
               <a:rPr lang="en-US" smtClean="0"/>
-              <a:t>1/7/20</a:t>
+              <a:t>1/8/20</a:t>
             </a:fld>
             <a:endParaRPr lang="en-US"/>
           </a:p>
@@ -2330,7 +2330,7 @@
           <a:p>
             <a:fld id="{1E1327A7-1338-42E3-A376-4DBDA53A9DB0}" type="datetimeFigureOut">
               <a:rPr lang="en-US" smtClean="0"/>
-              <a:t>1/7/20</a:t>
+              <a:t>1/8/20</a:t>
             </a:fld>
             <a:endParaRPr lang="en-US"/>
           </a:p>
@@ -2528,7 +2528,7 @@
           <a:p>
             <a:fld id="{1E1327A7-1338-42E3-A376-4DBDA53A9DB0}" type="datetimeFigureOut">
               <a:rPr lang="en-US" smtClean="0"/>
-              <a:t>1/7/20</a:t>
+              <a:t>1/8/20</a:t>
             </a:fld>
             <a:endParaRPr lang="en-US"/>
           </a:p>
@@ -2803,7 +2803,7 @@
           <a:p>
             <a:fld id="{1E1327A7-1338-42E3-A376-4DBDA53A9DB0}" type="datetimeFigureOut">
               <a:rPr lang="en-US" smtClean="0"/>
-              <a:t>1/7/20</a:t>
+              <a:t>1/8/20</a:t>
             </a:fld>
             <a:endParaRPr lang="en-US"/>
           </a:p>
@@ -3068,7 +3068,7 @@
           <a:p>
             <a:fld id="{1E1327A7-1338-42E3-A376-4DBDA53A9DB0}" type="datetimeFigureOut">
               <a:rPr lang="en-US" smtClean="0"/>
-              <a:t>1/7/20</a:t>
+              <a:t>1/8/20</a:t>
             </a:fld>
             <a:endParaRPr lang="en-US"/>
           </a:p>
@@ -3480,7 +3480,7 @@
           <a:p>
             <a:fld id="{1E1327A7-1338-42E3-A376-4DBDA53A9DB0}" type="datetimeFigureOut">
               <a:rPr lang="en-US" smtClean="0"/>
-              <a:t>1/7/20</a:t>
+              <a:t>1/8/20</a:t>
             </a:fld>
             <a:endParaRPr lang="en-US"/>
           </a:p>
@@ -3621,7 +3621,7 @@
           <a:p>
             <a:fld id="{1E1327A7-1338-42E3-A376-4DBDA53A9DB0}" type="datetimeFigureOut">
               <a:rPr lang="en-US" smtClean="0"/>
-              <a:t>1/7/20</a:t>
+              <a:t>1/8/20</a:t>
             </a:fld>
             <a:endParaRPr lang="en-US"/>
           </a:p>
@@ -3734,7 +3734,7 @@
           <a:p>
             <a:fld id="{1E1327A7-1338-42E3-A376-4DBDA53A9DB0}" type="datetimeFigureOut">
               <a:rPr lang="en-US" smtClean="0"/>
-              <a:t>1/7/20</a:t>
+              <a:t>1/8/20</a:t>
             </a:fld>
             <a:endParaRPr lang="en-US"/>
           </a:p>
@@ -4045,7 +4045,7 @@
           <a:p>
             <a:fld id="{1E1327A7-1338-42E3-A376-4DBDA53A9DB0}" type="datetimeFigureOut">
               <a:rPr lang="en-US" smtClean="0"/>
-              <a:t>1/7/20</a:t>
+              <a:t>1/8/20</a:t>
             </a:fld>
             <a:endParaRPr lang="en-US"/>
           </a:p>
@@ -4333,7 +4333,7 @@
           <a:p>
             <a:fld id="{1E1327A7-1338-42E3-A376-4DBDA53A9DB0}" type="datetimeFigureOut">
               <a:rPr lang="en-US" smtClean="0"/>
-              <a:t>1/7/20</a:t>
+              <a:t>1/8/20</a:t>
             </a:fld>
             <a:endParaRPr lang="en-US"/>
           </a:p>
@@ -4574,7 +4574,7 @@
           <a:p>
             <a:fld id="{1E1327A7-1338-42E3-A376-4DBDA53A9DB0}" type="datetimeFigureOut">
               <a:rPr lang="en-US" smtClean="0"/>
-              <a:t>1/7/20</a:t>
+              <a:t>1/8/20</a:t>
             </a:fld>
             <a:endParaRPr lang="en-US"/>
           </a:p>
@@ -7075,7 +7075,7 @@
             </a:pPr>
             <a:r>
               <a:rPr lang="en-US" dirty="0"/>
-              <a:t>Principle Architect – </a:t>
+              <a:t>Principal Architect – </a:t>
             </a:r>
             <a:r>
               <a:rPr lang="en-US" dirty="0" err="1"/>
@@ -7195,13 +7195,23 @@
                   </a:schemeClr>
                 </a:solidFill>
               </a:rPr>
-              <a:t>Principle Software Architect – Dynamics AX</a:t>
+              <a:t>Principal Software Architect – Dynamics AX</a:t>
             </a:r>
           </a:p>
           <a:p>
             <a:pPr marL="0" indent="0">
               <a:buNone/>
             </a:pPr>
+            <a:r>
+              <a:rPr lang="en-US">
+                <a:solidFill>
+                  <a:schemeClr val="bg1">
+                    <a:lumMod val="75000"/>
+                  </a:schemeClr>
+                </a:solidFill>
+              </a:rPr>
+              <a:t>Principal </a:t>
+            </a:r>
             <a:r>
               <a:rPr lang="en-US" dirty="0">
                 <a:solidFill>
@@ -7210,7 +7220,7 @@
                   </a:schemeClr>
                 </a:solidFill>
               </a:rPr>
-              <a:t>Principle Software Architect – Microsoft Hohm</a:t>
+              <a:t>Software Architect – Microsoft Hohm</a:t>
             </a:r>
           </a:p>
           <a:p>
@@ -7240,25 +7250,8 @@
                   </a:schemeClr>
                 </a:solidFill>
               </a:rPr>
-              <a:t>Founder, chief engineer, </a:t>
-            </a:r>
-            <a:r>
-              <a:rPr lang="en-US">
-                <a:solidFill>
-                  <a:schemeClr val="bg1">
-                    <a:lumMod val="95000"/>
-                  </a:schemeClr>
-                </a:solidFill>
-              </a:rPr>
-              <a:t>chief architect at…</a:t>
-            </a:r>
-            <a:endParaRPr lang="en-US" dirty="0">
-              <a:solidFill>
-                <a:schemeClr val="bg1">
-                  <a:lumMod val="95000"/>
-                </a:schemeClr>
-              </a:solidFill>
-            </a:endParaRPr>
+              <a:t>Founder, chief engineer, chief architect at…</a:t>
+            </a:r>
           </a:p>
         </p:txBody>
       </p:sp>
